--- a/zzz MEDIA/SQL Basics.pptx
+++ b/zzz MEDIA/SQL Basics.pptx
@@ -311,7 +311,16 @@
       </a:defRPr>
     </a:lvl9pPr>
   </p:defaultTextStyle>
+  <p:extLst>
+    <p:ext uri="{EFAFB233-063F-42B5-8137-9DF3F51BA10A}">
+      <p15:sldGuideLst xmlns:p15="http://schemas.microsoft.com/office/powerpoint/2012/main"/>
+    </p:ext>
+  </p:extLst>
 </p:presentation>
+</file>
+
+<file path=ppt/revisionInfo.xml><?xml version="1.0" encoding="utf-8"?>
+<p1510:revInfo xmlns:a="http://schemas.openxmlformats.org/drawingml/2006/main" xmlns:r="http://schemas.openxmlformats.org/officeDocument/2006/relationships" xmlns:p1510="http://schemas.microsoft.com/office/powerpoint/2015/10/main"/>
 </file>
 
 <file path=ppt/notesMasters/notesMaster1.xml><?xml version="1.0" encoding="utf-8"?>
@@ -1554,46 +1563,6 @@
               <a:buFont typeface="Arial"/>
               <a:buNone/>
             </a:pPr>
-            <a:r>
-              <a:rPr lang="en-US" sz="1000" dirty="0"/>
-              <a:t>Hi everyone, I’m Vero (Cory) and this is Cory (Vero). Thanks for joining us to today’s workshop.</a:t>
-            </a:r>
-            <a:endParaRPr sz="1000" dirty="0"/>
-          </a:p>
-          <a:p>
-            <a:pPr marL="0" lvl="0" indent="0" rtl="0">
-              <a:spcBef>
-                <a:spcPts val="0"/>
-              </a:spcBef>
-              <a:spcAft>
-                <a:spcPts val="0"/>
-              </a:spcAft>
-              <a:buClr>
-                <a:schemeClr val="dk1"/>
-              </a:buClr>
-              <a:buFont typeface="Arial"/>
-              <a:buNone/>
-            </a:pPr>
-            <a:endParaRPr sz="1000" dirty="0"/>
-          </a:p>
-          <a:p>
-            <a:pPr marL="0" lvl="0" indent="0" rtl="0">
-              <a:spcBef>
-                <a:spcPts val="0"/>
-              </a:spcBef>
-              <a:spcAft>
-                <a:spcPts val="0"/>
-              </a:spcAft>
-              <a:buClr>
-                <a:schemeClr val="dk1"/>
-              </a:buClr>
-              <a:buFont typeface="Arial"/>
-              <a:buNone/>
-            </a:pPr>
-            <a:r>
-              <a:rPr lang="en-US" sz="1000" dirty="0"/>
-              <a:t>At the Booth Analytics Club one of our missions is to provide functional trainings in data analytics tools. Because so many of us will be using SQL in our summer internships and full time jobs, we decided to have SQL be our first workshop this Spring. Thanks to all of you who filled the survey saying which workshops and activities you’d like to see this year. Remember that next week you can attend the intermediate level workshops.</a:t>
-            </a:r>
             <a:endParaRPr dirty="0"/>
           </a:p>
         </p:txBody>
@@ -5011,138 +4980,7 @@
               </a:spcAft>
               <a:buNone/>
             </a:pPr>
-            <a:r>
-              <a:rPr lang="en-US" sz="1000"/>
-              <a:t>SQL (sequel or ess-que-el) is a language designed to manage data held in a relational database management system (RDBMS). (we’ll talk about rdms in a minute).</a:t>
-            </a:r>
-            <a:endParaRPr sz="1000"/>
-          </a:p>
-          <a:p>
-            <a:pPr marL="0" marR="0" lvl="0" indent="0" algn="l" rtl="0">
-              <a:spcBef>
-                <a:spcPts val="0"/>
-              </a:spcBef>
-              <a:spcAft>
-                <a:spcPts val="0"/>
-              </a:spcAft>
-              <a:buNone/>
-            </a:pPr>
-            <a:endParaRPr sz="1000"/>
-          </a:p>
-          <a:p>
-            <a:pPr marL="0" marR="0" lvl="0" indent="0" algn="l" rtl="0">
-              <a:spcBef>
-                <a:spcPts val="0"/>
-              </a:spcBef>
-              <a:spcAft>
-                <a:spcPts val="0"/>
-              </a:spcAft>
-              <a:buNone/>
-            </a:pPr>
-            <a:r>
-              <a:rPr lang="en-US" sz="1000"/>
-              <a:t>The most common operation in SQL is the query, which we will use to retrieve data from one or more tables. </a:t>
-            </a:r>
-            <a:endParaRPr sz="1000"/>
-          </a:p>
-          <a:p>
-            <a:pPr marL="0" marR="0" lvl="0" indent="0" algn="l" rtl="0">
-              <a:spcBef>
-                <a:spcPts val="0"/>
-              </a:spcBef>
-              <a:spcAft>
-                <a:spcPts val="0"/>
-              </a:spcAft>
-              <a:buNone/>
-            </a:pPr>
-            <a:endParaRPr sz="1000"/>
-          </a:p>
-          <a:p>
-            <a:pPr marL="0" marR="0" lvl="0" indent="0" algn="l" rtl="0">
-              <a:spcBef>
-                <a:spcPts val="0"/>
-              </a:spcBef>
-              <a:spcAft>
-                <a:spcPts val="0"/>
-              </a:spcAft>
-              <a:buNone/>
-            </a:pPr>
-            <a:r>
-              <a:rPr lang="en-US" sz="1000"/>
-              <a:t>Just so you now, standard querying statements will not modify the database, just pull data. </a:t>
-            </a:r>
-            <a:endParaRPr sz="1000"/>
-          </a:p>
-          <a:p>
-            <a:pPr marL="0" marR="0" lvl="0" indent="0" algn="l" rtl="0">
-              <a:spcBef>
-                <a:spcPts val="0"/>
-              </a:spcBef>
-              <a:spcAft>
-                <a:spcPts val="0"/>
-              </a:spcAft>
-              <a:buNone/>
-            </a:pPr>
-            <a:br>
-              <a:rPr lang="en-US" sz="1000"/>
-            </a:br>
-            <a:r>
-              <a:rPr lang="en-US" sz="1000"/>
-              <a:t>Queries allow us to describe what the desired data looks like, leaving the database management system to optimizing and perform the operations necessary to produce the output we want.</a:t>
-            </a:r>
-            <a:endParaRPr sz="1000"/>
-          </a:p>
-          <a:p>
-            <a:pPr marL="0" marR="0" lvl="0" indent="0" algn="l" rtl="0">
-              <a:spcBef>
-                <a:spcPts val="0"/>
-              </a:spcBef>
-              <a:spcAft>
-                <a:spcPts val="0"/>
-              </a:spcAft>
-              <a:buNone/>
-            </a:pPr>
-            <a:endParaRPr sz="1000"/>
-          </a:p>
-          <a:p>
-            <a:pPr marL="0" marR="0" lvl="0" indent="0" algn="l" rtl="0">
-              <a:spcBef>
-                <a:spcPts val="0"/>
-              </a:spcBef>
-              <a:spcAft>
-                <a:spcPts val="0"/>
-              </a:spcAft>
-              <a:buNone/>
-            </a:pPr>
-            <a:r>
-              <a:rPr lang="en-US" sz="1000"/>
-              <a:t>Prior to Booth I was a Data Analyst in an ecommerce company, and I worked in the personalization sector. So my job was to build statistical models to predict what product a person would buy next. To do this I needed the data on the sales we had. And to get this data, I had two alternatives: I could go to a Business Intelligence Analyst and ask them to pull that data -and usually the response was: “sure, I can have it by next week”- or I could learn SQL, and pull the data myself in a few hours. My lesson is that learning SQL gives you access to the source of data and you won’t be depending on anyone.</a:t>
-            </a:r>
-            <a:endParaRPr sz="1000"/>
-          </a:p>
-          <a:p>
-            <a:pPr marL="0" marR="0" lvl="0" indent="0" algn="l" rtl="0">
-              <a:spcBef>
-                <a:spcPts val="0"/>
-              </a:spcBef>
-              <a:spcAft>
-                <a:spcPts val="0"/>
-              </a:spcAft>
-              <a:buNone/>
-            </a:pPr>
-            <a:endParaRPr sz="1000"/>
-          </a:p>
-          <a:p>
-            <a:pPr marL="0" marR="0" lvl="0" indent="0" algn="l" rtl="0">
-              <a:spcBef>
-                <a:spcPts val="0"/>
-              </a:spcBef>
-              <a:spcAft>
-                <a:spcPts val="0"/>
-              </a:spcAft>
-              <a:buNone/>
-            </a:pPr>
-            <a:endParaRPr sz="1000"/>
+            <a:endParaRPr sz="1000" dirty="0"/>
           </a:p>
         </p:txBody>
       </p:sp>

--- a/zzz MEDIA/SQL Basics.pptx
+++ b/zzz MEDIA/SQL Basics.pptx
@@ -319,10 +319,6 @@
 </p:presentation>
 </file>
 
-<file path=ppt/revisionInfo.xml><?xml version="1.0" encoding="utf-8"?>
-<p1510:revInfo xmlns:a="http://schemas.openxmlformats.org/drawingml/2006/main" xmlns:r="http://schemas.openxmlformats.org/officeDocument/2006/relationships" xmlns:p1510="http://schemas.microsoft.com/office/powerpoint/2015/10/main"/>
-</file>
-
 <file path=ppt/notesMasters/notesMaster1.xml><?xml version="1.0" encoding="utf-8"?>
 <p:notesMaster xmlns:a="http://schemas.openxmlformats.org/drawingml/2006/main" xmlns:r="http://schemas.openxmlformats.org/officeDocument/2006/relationships" xmlns:p="http://schemas.openxmlformats.org/presentationml/2006/main">
   <p:cSld>
@@ -4168,7 +4164,7 @@
               </a:spcAft>
               <a:buNone/>
             </a:pPr>
-            <a:endParaRPr/>
+            <a:endParaRPr dirty="0"/>
           </a:p>
         </p:txBody>
       </p:sp>
@@ -12078,7 +12074,7 @@
               </a:spcAft>
               <a:buNone/>
             </a:pPr>
-            <a:endParaRPr sz="1200" b="0" i="0" u="none" strike="noStrike" cap="none">
+            <a:endParaRPr sz="1200" b="0" i="0" u="none" strike="noStrike" cap="none" dirty="0">
               <a:solidFill>
                 <a:schemeClr val="dk1"/>
               </a:solidFill>
@@ -32329,10 +32325,10 @@
               <a:buNone/>
             </a:pPr>
             <a:r>
-              <a:rPr lang="en-US"/>
+              <a:rPr lang="en-US" dirty="0"/>
               <a:t>Add an ORDER clause to sort your query by one or more columns, in ascending or descending order</a:t>
             </a:r>
-            <a:endParaRPr/>
+            <a:endParaRPr dirty="0"/>
           </a:p>
           <a:p>
             <a:pPr marL="342900" lvl="0" indent="-165100">
@@ -32344,7 +32340,7 @@
               </a:spcAft>
               <a:buNone/>
             </a:pPr>
-            <a:endParaRPr/>
+            <a:endParaRPr dirty="0"/>
           </a:p>
           <a:p>
             <a:pPr marL="342900" lvl="0" indent="-165100" algn="ctr">
@@ -32357,7 +32353,7 @@
               <a:buNone/>
             </a:pPr>
             <a:r>
-              <a:rPr lang="en-US" b="1">
+              <a:rPr lang="en-US" b="1" dirty="0">
                 <a:solidFill>
                   <a:srgbClr val="674EA7"/>
                 </a:solidFill>
@@ -32365,11 +32361,11 @@
               <a:t>ORDER</a:t>
             </a:r>
             <a:r>
-              <a:rPr lang="en-US"/>
+              <a:rPr lang="en-US" dirty="0"/>
               <a:t> Column1 </a:t>
             </a:r>
             <a:r>
-              <a:rPr lang="en-US" b="1">
+              <a:rPr lang="en-US" b="1" dirty="0">
                 <a:solidFill>
                   <a:srgbClr val="674EA7"/>
                 </a:solidFill>
@@ -32377,11 +32373,11 @@
               <a:t>ASC</a:t>
             </a:r>
             <a:r>
-              <a:rPr lang="en-US"/>
+              <a:rPr lang="en-US" dirty="0"/>
               <a:t>, Column2 </a:t>
             </a:r>
             <a:r>
-              <a:rPr lang="en-US" b="1">
+              <a:rPr lang="en-US" b="1" dirty="0">
                 <a:solidFill>
                   <a:srgbClr val="674EA7"/>
                 </a:solidFill>
@@ -32389,10 +32385,10 @@
               <a:t>DESC</a:t>
             </a:r>
             <a:r>
-              <a:rPr lang="en-US"/>
+              <a:rPr lang="en-US" dirty="0"/>
               <a:t>, ...</a:t>
             </a:r>
-            <a:endParaRPr/>
+            <a:endParaRPr dirty="0"/>
           </a:p>
           <a:p>
             <a:pPr marL="342900" lvl="0" indent="-165100" rtl="0">
@@ -32404,7 +32400,7 @@
               </a:spcAft>
               <a:buNone/>
             </a:pPr>
-            <a:endParaRPr/>
+            <a:endParaRPr dirty="0"/>
           </a:p>
           <a:p>
             <a:pPr marL="177800" lvl="0" indent="0" rtl="0">
@@ -32422,7 +32418,7 @@
               <a:buNone/>
             </a:pPr>
             <a:r>
-              <a:rPr lang="en-US" b="1">
+              <a:rPr lang="en-US" b="1" dirty="0">
                 <a:solidFill>
                   <a:srgbClr val="E69138"/>
                 </a:solidFill>
@@ -32430,10 +32426,10 @@
               <a:t>SELECT</a:t>
             </a:r>
             <a:r>
-              <a:rPr lang="en-US"/>
+              <a:rPr lang="en-US" dirty="0"/>
               <a:t> *</a:t>
             </a:r>
-            <a:endParaRPr/>
+            <a:endParaRPr dirty="0"/>
           </a:p>
           <a:p>
             <a:pPr marL="177800" lvl="0" indent="0" rtl="0">
@@ -32446,7 +32442,7 @@
               <a:buNone/>
             </a:pPr>
             <a:r>
-              <a:rPr lang="en-US" b="1">
+              <a:rPr lang="en-US" b="1" dirty="0">
                 <a:solidFill>
                   <a:srgbClr val="3C78D8"/>
                 </a:solidFill>
@@ -32454,10 +32450,14 @@
               <a:t>FROM</a:t>
             </a:r>
             <a:r>
-              <a:rPr lang="en-US"/>
-              <a:t> tutorial.oscar_nominees</a:t>
-            </a:r>
-            <a:endParaRPr/>
+              <a:rPr lang="en-US" dirty="0"/>
+              <a:t> </a:t>
+            </a:r>
+            <a:r>
+              <a:rPr lang="en-US" dirty="0" err="1"/>
+              <a:t>tutorial.oscar_nominees</a:t>
+            </a:r>
+            <a:endParaRPr dirty="0"/>
           </a:p>
           <a:p>
             <a:pPr marL="177800" lvl="0" indent="0" rtl="0">
@@ -32470,26 +32470,26 @@
               <a:buNone/>
             </a:pPr>
             <a:r>
-              <a:rPr lang="en-US" b="1">
+              <a:rPr lang="en-US" b="1" dirty="0">
                 <a:solidFill>
                   <a:srgbClr val="674EA7"/>
                 </a:solidFill>
               </a:rPr>
-              <a:t>ORDER </a:t>
-            </a:r>
-            <a:r>
-              <a:rPr lang="en-US"/>
+              <a:t>ORDER BY </a:t>
+            </a:r>
+            <a:r>
+              <a:rPr lang="en-US" dirty="0"/>
               <a:t>year </a:t>
             </a:r>
             <a:r>
-              <a:rPr lang="en-US" b="1">
+              <a:rPr lang="en-US" b="1" dirty="0">
                 <a:solidFill>
                   <a:srgbClr val="674EA7"/>
                 </a:solidFill>
               </a:rPr>
               <a:t>ASC</a:t>
             </a:r>
-            <a:endParaRPr sz="1800"/>
+            <a:endParaRPr sz="1800" dirty="0"/>
           </a:p>
         </p:txBody>
       </p:sp>
@@ -32832,10 +32832,10 @@
               <a:buNone/>
             </a:pPr>
             <a:r>
-              <a:rPr lang="en-US" sz="2200"/>
+              <a:rPr lang="en-US" sz="2200" dirty="0"/>
               <a:t>What are the 10 biggest cities outside of New York, Texas, Florida and California?</a:t>
             </a:r>
-            <a:endParaRPr sz="2200"/>
+            <a:endParaRPr sz="2200" dirty="0"/>
           </a:p>
           <a:p>
             <a:pPr marL="177800" lvl="0" indent="0" rtl="0">
@@ -32848,7 +32848,7 @@
               <a:buNone/>
             </a:pPr>
             <a:r>
-              <a:rPr lang="en-US" sz="2200" b="1">
+              <a:rPr lang="en-US" sz="2200" b="1" dirty="0">
                 <a:solidFill>
                   <a:srgbClr val="E69138"/>
                 </a:solidFill>
@@ -32856,10 +32856,10 @@
               <a:t>SELECT</a:t>
             </a:r>
             <a:r>
-              <a:rPr lang="en-US" sz="2200"/>
+              <a:rPr lang="en-US" sz="2200" dirty="0"/>
               <a:t> city, state, population_estimate_2012 as pop</a:t>
             </a:r>
-            <a:endParaRPr sz="2200"/>
+            <a:endParaRPr sz="2200" dirty="0"/>
           </a:p>
           <a:p>
             <a:pPr marL="177800" lvl="0" indent="0" rtl="0">
@@ -32872,7 +32872,7 @@
               <a:buNone/>
             </a:pPr>
             <a:r>
-              <a:rPr lang="en-US" sz="2200" b="1">
+              <a:rPr lang="en-US" sz="2200" b="1" dirty="0">
                 <a:solidFill>
                   <a:srgbClr val="3C78D8"/>
                 </a:solidFill>
@@ -32880,10 +32880,14 @@
               <a:t>FROM</a:t>
             </a:r>
             <a:r>
-              <a:rPr lang="en-US" sz="2200"/>
-              <a:t> tutorial.city_populations</a:t>
-            </a:r>
-            <a:endParaRPr sz="2200"/>
+              <a:rPr lang="en-US" sz="2200" dirty="0"/>
+              <a:t> </a:t>
+            </a:r>
+            <a:r>
+              <a:rPr lang="en-US" sz="2200" dirty="0" err="1"/>
+              <a:t>tutorial.city_populations</a:t>
+            </a:r>
+            <a:endParaRPr sz="2200" dirty="0"/>
           </a:p>
           <a:p>
             <a:pPr marL="177800" lvl="0" indent="0" rtl="0">
@@ -32896,7 +32900,7 @@
               <a:buNone/>
             </a:pPr>
             <a:r>
-              <a:rPr lang="en-US" sz="2200" b="1">
+              <a:rPr lang="en-US" sz="2200" b="1" dirty="0">
                 <a:solidFill>
                   <a:srgbClr val="674EA7"/>
                 </a:solidFill>
@@ -32904,18 +32908,18 @@
               <a:t>WHERE </a:t>
             </a:r>
             <a:r>
-              <a:rPr lang="en-US" sz="2200"/>
+              <a:rPr lang="en-US" sz="2200" dirty="0"/>
               <a:t>state </a:t>
             </a:r>
             <a:r>
-              <a:rPr lang="en-US" sz="2200" b="1"/>
+              <a:rPr lang="en-US" sz="2200" b="1" dirty="0"/>
               <a:t>NOT IN</a:t>
             </a:r>
             <a:r>
-              <a:rPr lang="en-US" sz="2200"/>
+              <a:rPr lang="en-US" sz="2200" dirty="0"/>
               <a:t> (‘CA’, ‘TX’, ‘FL’,’NY’)</a:t>
             </a:r>
-            <a:endParaRPr sz="2200"/>
+            <a:endParaRPr sz="2200" dirty="0"/>
           </a:p>
           <a:p>
             <a:pPr marL="177800" lvl="0" indent="0" rtl="0">
@@ -32928,22 +32932,22 @@
               <a:buNone/>
             </a:pPr>
             <a:r>
-              <a:rPr lang="en-US" sz="2200" b="1">
+              <a:rPr lang="en-US" sz="2200" b="1" dirty="0">
                 <a:solidFill>
                   <a:srgbClr val="674EA7"/>
                 </a:solidFill>
               </a:rPr>
-              <a:t>ORDER </a:t>
-            </a:r>
-            <a:r>
-              <a:rPr lang="en-US" sz="2200"/>
-              <a:t>by 3 </a:t>
-            </a:r>
-            <a:r>
-              <a:rPr lang="en-US" sz="2200" b="1"/>
+              <a:t>ORDER BY </a:t>
+            </a:r>
+            <a:r>
+              <a:rPr lang="en-US" sz="2200" dirty="0"/>
+              <a:t>3 </a:t>
+            </a:r>
+            <a:r>
+              <a:rPr lang="en-US" sz="2200" b="1" dirty="0"/>
               <a:t>DESC</a:t>
             </a:r>
-            <a:endParaRPr sz="2200" b="1">
+            <a:endParaRPr sz="2200" b="1" dirty="0">
               <a:solidFill>
                 <a:srgbClr val="674EA7"/>
               </a:solidFill>
@@ -32960,7 +32964,7 @@
               <a:buNone/>
             </a:pPr>
             <a:r>
-              <a:rPr lang="en-US" sz="2200" b="1">
+              <a:rPr lang="en-US" sz="2200" b="1" dirty="0">
                 <a:solidFill>
                   <a:srgbClr val="674EA7"/>
                 </a:solidFill>
@@ -32968,14 +32972,14 @@
               <a:t>LIMIT </a:t>
             </a:r>
             <a:r>
-              <a:rPr lang="en-US" sz="2200">
+              <a:rPr lang="en-US" sz="2200" dirty="0">
                 <a:solidFill>
                   <a:srgbClr val="000000"/>
                 </a:solidFill>
               </a:rPr>
               <a:t>10</a:t>
             </a:r>
-            <a:endParaRPr sz="2200">
+            <a:endParaRPr sz="2200" dirty="0">
               <a:solidFill>
                 <a:srgbClr val="000000"/>
               </a:solidFill>
@@ -32991,7 +32995,7 @@
               </a:spcAft>
               <a:buNone/>
             </a:pPr>
-            <a:endParaRPr sz="2400"/>
+            <a:endParaRPr sz="2400" dirty="0"/>
           </a:p>
           <a:p>
             <a:pPr marL="177800" lvl="0" indent="0" rtl="0">
@@ -33003,7 +33007,7 @@
               </a:spcAft>
               <a:buNone/>
             </a:pPr>
-            <a:endParaRPr sz="2400"/>
+            <a:endParaRPr sz="2400" dirty="0"/>
           </a:p>
         </p:txBody>
       </p:sp>
@@ -33783,7 +33787,7 @@
               <a:buNone/>
             </a:pPr>
             <a:r>
-              <a:rPr lang="en-US" sz="2400" b="1">
+              <a:rPr lang="en-US" sz="2400" b="1" dirty="0">
                 <a:solidFill>
                   <a:srgbClr val="E69138"/>
                 </a:solidFill>
@@ -33791,14 +33795,54 @@
               <a:t>SELECT</a:t>
             </a:r>
             <a:r>
-              <a:rPr lang="en-US" sz="2400">
+              <a:rPr lang="en-US" sz="2400" dirty="0">
                 <a:solidFill>
                   <a:schemeClr val="dk1"/>
                 </a:solidFill>
               </a:rPr>
-              <a:t> product_name, product_type, price_unit</a:t>
-            </a:r>
-            <a:endParaRPr sz="2400">
+              <a:t> </a:t>
+            </a:r>
+            <a:r>
+              <a:rPr lang="en-US" sz="2400" dirty="0" err="1">
+                <a:solidFill>
+                  <a:schemeClr val="dk1"/>
+                </a:solidFill>
+              </a:rPr>
+              <a:t>product_name</a:t>
+            </a:r>
+            <a:r>
+              <a:rPr lang="en-US" sz="2400" dirty="0">
+                <a:solidFill>
+                  <a:schemeClr val="dk1"/>
+                </a:solidFill>
+              </a:rPr>
+              <a:t>, </a:t>
+            </a:r>
+            <a:r>
+              <a:rPr lang="en-US" sz="2400" dirty="0" err="1">
+                <a:solidFill>
+                  <a:schemeClr val="dk1"/>
+                </a:solidFill>
+              </a:rPr>
+              <a:t>product_type</a:t>
+            </a:r>
+            <a:r>
+              <a:rPr lang="en-US" sz="2400" dirty="0">
+                <a:solidFill>
+                  <a:schemeClr val="dk1"/>
+                </a:solidFill>
+              </a:rPr>
+              <a:t>, </a:t>
+            </a:r>
+            <a:r>
+              <a:rPr lang="en-US" sz="2400" dirty="0" err="1">
+                <a:solidFill>
+                  <a:schemeClr val="dk1"/>
+                </a:solidFill>
+              </a:rPr>
+              <a:t>price_unit</a:t>
+            </a:r>
+            <a:endParaRPr sz="2400" dirty="0">
               <a:solidFill>
                 <a:schemeClr val="dk1"/>
               </a:solidFill>
@@ -33815,7 +33859,7 @@
               <a:buNone/>
             </a:pPr>
             <a:r>
-              <a:rPr lang="en-US" sz="2400" b="1">
+              <a:rPr lang="en-US" sz="2400" b="1" dirty="0">
                 <a:solidFill>
                   <a:srgbClr val="3C78D8"/>
                 </a:solidFill>
@@ -33823,14 +33867,22 @@
               <a:t>FROM</a:t>
             </a:r>
             <a:r>
-              <a:rPr lang="en-US" sz="2400">
+              <a:rPr lang="en-US" sz="2400" dirty="0">
                 <a:solidFill>
                   <a:schemeClr val="dk1"/>
                 </a:solidFill>
               </a:rPr>
-              <a:t> tutorial.excel_sql_inventory_data</a:t>
-            </a:r>
-            <a:endParaRPr sz="2400">
+              <a:t> </a:t>
+            </a:r>
+            <a:r>
+              <a:rPr lang="en-US" sz="2400" dirty="0" err="1">
+                <a:solidFill>
+                  <a:schemeClr val="dk1"/>
+                </a:solidFill>
+              </a:rPr>
+              <a:t>tutorial.excel_sql_inventory_data</a:t>
+            </a:r>
+            <a:endParaRPr sz="2400" dirty="0">
               <a:solidFill>
                 <a:schemeClr val="dk1"/>
               </a:solidFill>
@@ -33847,7 +33899,7 @@
               <a:buNone/>
             </a:pPr>
             <a:r>
-              <a:rPr lang="en-US" sz="2400" b="1">
+              <a:rPr lang="en-US" sz="2400" b="1" dirty="0">
                 <a:solidFill>
                   <a:srgbClr val="674EA7"/>
                 </a:solidFill>
@@ -33855,15 +33907,23 @@
               <a:t>WHERE </a:t>
             </a:r>
             <a:r>
-              <a:rPr lang="en-US" sz="2400">
+              <a:rPr lang="en-US" sz="2400" dirty="0" err="1">
                 <a:solidFill>
                   <a:schemeClr val="dk1"/>
                 </a:solidFill>
               </a:rPr>
-              <a:t>product_name </a:t>
-            </a:r>
-            <a:r>
-              <a:rPr lang="en-US" sz="2400" b="1">
+              <a:t>product_name</a:t>
+            </a:r>
+            <a:r>
+              <a:rPr lang="en-US" sz="2400" dirty="0">
+                <a:solidFill>
+                  <a:schemeClr val="dk1"/>
+                </a:solidFill>
+              </a:rPr>
+              <a:t> </a:t>
+            </a:r>
+            <a:r>
+              <a:rPr lang="en-US" sz="2400" b="1" dirty="0">
                 <a:solidFill>
                   <a:schemeClr val="dk1"/>
                 </a:solidFill>
@@ -33871,14 +33931,14 @@
               <a:t>LIKE</a:t>
             </a:r>
             <a:r>
-              <a:rPr lang="en-US" sz="2400">
+              <a:rPr lang="en-US" sz="2400" dirty="0">
                 <a:solidFill>
                   <a:schemeClr val="dk1"/>
                 </a:solidFill>
               </a:rPr>
               <a:t> ‘%tea’</a:t>
             </a:r>
-            <a:endParaRPr sz="2400">
+            <a:endParaRPr sz="2400" dirty="0">
               <a:solidFill>
                 <a:schemeClr val="dk1"/>
               </a:solidFill>
@@ -33895,7 +33955,7 @@
               <a:buNone/>
             </a:pPr>
             <a:r>
-              <a:rPr lang="en-US" sz="2400" b="1">
+              <a:rPr lang="en-US" sz="2400" b="1" dirty="0">
                 <a:solidFill>
                   <a:srgbClr val="674EA7"/>
                 </a:solidFill>
@@ -33903,15 +33963,23 @@
               <a:t>OR </a:t>
             </a:r>
             <a:r>
-              <a:rPr lang="en-US" sz="2400">
+              <a:rPr lang="en-US" sz="2400" dirty="0" err="1">
                 <a:solidFill>
                   <a:schemeClr val="dk1"/>
                 </a:solidFill>
               </a:rPr>
-              <a:t>product_type </a:t>
-            </a:r>
-            <a:r>
-              <a:rPr lang="en-US" sz="2400" b="1">
+              <a:t>product_type</a:t>
+            </a:r>
+            <a:r>
+              <a:rPr lang="en-US" sz="2400" dirty="0">
+                <a:solidFill>
+                  <a:schemeClr val="dk1"/>
+                </a:solidFill>
+              </a:rPr>
+              <a:t> </a:t>
+            </a:r>
+            <a:r>
+              <a:rPr lang="en-US" sz="2400" b="1" dirty="0">
                 <a:solidFill>
                   <a:schemeClr val="dk1"/>
                 </a:solidFill>
@@ -33919,14 +33987,30 @@
               <a:t>IN </a:t>
             </a:r>
             <a:r>
-              <a:rPr lang="en-US" sz="2400">
+              <a:rPr lang="en-US" sz="2400" dirty="0">
                 <a:solidFill>
                   <a:schemeClr val="dk1"/>
                 </a:solidFill>
               </a:rPr>
-              <a:t>(‘beverages’,’canned_jarred_goods’)</a:t>
-            </a:r>
-            <a:endParaRPr sz="2400">
+              <a:t>(‘beverages’,’</a:t>
+            </a:r>
+            <a:r>
+              <a:rPr lang="en-US" sz="2400" dirty="0" err="1">
+                <a:solidFill>
+                  <a:schemeClr val="dk1"/>
+                </a:solidFill>
+              </a:rPr>
+              <a:t>canned_jarred_goods</a:t>
+            </a:r>
+            <a:r>
+              <a:rPr lang="en-US" sz="2400" dirty="0">
+                <a:solidFill>
+                  <a:schemeClr val="dk1"/>
+                </a:solidFill>
+              </a:rPr>
+              <a:t>’)</a:t>
+            </a:r>
+            <a:endParaRPr sz="2400" dirty="0">
               <a:solidFill>
                 <a:schemeClr val="dk1"/>
               </a:solidFill>
@@ -33943,30 +34027,30 @@
               <a:buNone/>
             </a:pPr>
             <a:r>
-              <a:rPr lang="en-US" sz="2400" b="1">
+              <a:rPr lang="en-US" sz="2400" b="1" dirty="0">
                 <a:solidFill>
                   <a:srgbClr val="674EA7"/>
                 </a:solidFill>
               </a:rPr>
-              <a:t>ORDER</a:t>
-            </a:r>
-            <a:r>
-              <a:rPr lang="en-US" sz="2400">
+              <a:t>ORDER BY</a:t>
+            </a:r>
+            <a:r>
+              <a:rPr lang="en-US" sz="2400" dirty="0">
                 <a:solidFill>
                   <a:schemeClr val="dk1"/>
                 </a:solidFill>
               </a:rPr>
-              <a:t> by 3 </a:t>
-            </a:r>
-            <a:r>
-              <a:rPr lang="en-US" sz="2400" b="1">
+              <a:t> 3 </a:t>
+            </a:r>
+            <a:r>
+              <a:rPr lang="en-US" sz="2400" b="1" dirty="0">
                 <a:solidFill>
                   <a:schemeClr val="dk1"/>
                 </a:solidFill>
               </a:rPr>
               <a:t>DESC</a:t>
             </a:r>
-            <a:endParaRPr sz="2400" b="1">
+            <a:endParaRPr sz="2400" b="1" dirty="0">
               <a:solidFill>
                 <a:schemeClr val="dk1"/>
               </a:solidFill>
@@ -34480,7 +34564,7 @@
               <a:buNone/>
             </a:pPr>
             <a:r>
-              <a:rPr lang="en-US" sz="2400" b="1">
+              <a:rPr lang="en-US" sz="2400" b="1" dirty="0">
                 <a:solidFill>
                   <a:srgbClr val="E69138"/>
                 </a:solidFill>
@@ -34488,10 +34572,10 @@
               <a:t>SELECT</a:t>
             </a:r>
             <a:r>
-              <a:rPr lang="en-US" sz="2400"/>
+              <a:rPr lang="en-US" sz="2400" dirty="0"/>
               <a:t> school, </a:t>
             </a:r>
-            <a:endParaRPr sz="2400"/>
+            <a:endParaRPr sz="2400" dirty="0"/>
           </a:p>
           <a:p>
             <a:pPr marL="177800" lvl="0" indent="0" rtl="0">
@@ -34509,14 +34593,22 @@
               <a:buNone/>
             </a:pPr>
             <a:r>
-              <a:rPr lang="en-US" sz="2400" b="1"/>
+              <a:rPr lang="en-US" sz="2400" b="1" dirty="0"/>
               <a:t>AVG</a:t>
             </a:r>
             <a:r>
-              <a:rPr lang="en-US" sz="2400"/>
-              <a:t>(sat_math), </a:t>
-            </a:r>
-            <a:endParaRPr sz="2400"/>
+              <a:rPr lang="en-US" sz="2400" dirty="0"/>
+              <a:t>(</a:t>
+            </a:r>
+            <a:r>
+              <a:rPr lang="en-US" sz="2400" dirty="0" err="1"/>
+              <a:t>sat_math</a:t>
+            </a:r>
+            <a:r>
+              <a:rPr lang="en-US" sz="2400" dirty="0"/>
+              <a:t>), </a:t>
+            </a:r>
+            <a:endParaRPr sz="2400" dirty="0"/>
           </a:p>
           <a:p>
             <a:pPr marL="177800" lvl="0" indent="0" rtl="0">
@@ -34534,14 +34626,22 @@
               <a:buNone/>
             </a:pPr>
             <a:r>
-              <a:rPr lang="en-US" sz="2400" b="1"/>
+              <a:rPr lang="en-US" sz="2400" b="1" dirty="0"/>
               <a:t>MAX</a:t>
             </a:r>
             <a:r>
-              <a:rPr lang="en-US" sz="2400"/>
-              <a:t>(sat_math), </a:t>
-            </a:r>
-            <a:endParaRPr sz="2400"/>
+              <a:rPr lang="en-US" sz="2400" dirty="0"/>
+              <a:t>(</a:t>
+            </a:r>
+            <a:r>
+              <a:rPr lang="en-US" sz="2400" dirty="0" err="1"/>
+              <a:t>sat_math</a:t>
+            </a:r>
+            <a:r>
+              <a:rPr lang="en-US" sz="2400" dirty="0"/>
+              <a:t>), </a:t>
+            </a:r>
+            <a:endParaRPr sz="2400" dirty="0"/>
           </a:p>
           <a:p>
             <a:pPr marL="177800" lvl="0" indent="0" rtl="0">
@@ -34559,14 +34659,22 @@
               <a:buNone/>
             </a:pPr>
             <a:r>
-              <a:rPr lang="en-US" sz="2400" b="1"/>
+              <a:rPr lang="en-US" sz="2400" b="1" dirty="0"/>
               <a:t>MIN</a:t>
             </a:r>
             <a:r>
-              <a:rPr lang="en-US" sz="2400"/>
-              <a:t>(sat_math)</a:t>
-            </a:r>
-            <a:endParaRPr sz="2400"/>
+              <a:rPr lang="en-US" sz="2400" dirty="0"/>
+              <a:t>(</a:t>
+            </a:r>
+            <a:r>
+              <a:rPr lang="en-US" sz="2400" dirty="0" err="1"/>
+              <a:t>sat_math</a:t>
+            </a:r>
+            <a:r>
+              <a:rPr lang="en-US" sz="2400" dirty="0"/>
+              <a:t>)</a:t>
+            </a:r>
+            <a:endParaRPr sz="2400" dirty="0"/>
           </a:p>
           <a:p>
             <a:pPr marL="177800" lvl="0" indent="0" rtl="0">
@@ -34584,7 +34692,7 @@
               <a:buNone/>
             </a:pPr>
             <a:r>
-              <a:rPr lang="en-US" sz="2400" b="1">
+              <a:rPr lang="en-US" sz="2400" b="1" dirty="0">
                 <a:solidFill>
                   <a:srgbClr val="3C78D8"/>
                 </a:solidFill>
@@ -34592,10 +34700,14 @@
               <a:t>FROM</a:t>
             </a:r>
             <a:r>
-              <a:rPr lang="en-US" sz="2400"/>
-              <a:t> tutorial.sat_scores</a:t>
-            </a:r>
-            <a:endParaRPr sz="2400"/>
+              <a:rPr lang="en-US" sz="2400" dirty="0"/>
+              <a:t> </a:t>
+            </a:r>
+            <a:r>
+              <a:rPr lang="en-US" sz="2400" dirty="0" err="1"/>
+              <a:t>tutorial.sat_scores</a:t>
+            </a:r>
+            <a:endParaRPr sz="2400" dirty="0"/>
           </a:p>
           <a:p>
             <a:pPr marL="177800" lvl="0" indent="0" rtl="0">
@@ -34613,18 +34725,22 @@
               <a:buNone/>
             </a:pPr>
             <a:r>
-              <a:rPr lang="en-US" sz="2400" b="1">
+              <a:rPr lang="en-US" sz="2400" b="1" dirty="0">
                 <a:solidFill>
                   <a:srgbClr val="674EA7"/>
                 </a:solidFill>
               </a:rPr>
-              <a:t>GROUP </a:t>
-            </a:r>
-            <a:r>
-              <a:rPr lang="en-US" sz="2400"/>
-              <a:t>by 1</a:t>
-            </a:r>
-            <a:endParaRPr sz="2400"/>
+              <a:t>GROUP BY </a:t>
+            </a:r>
+            <a:r>
+              <a:rPr lang="en-US" sz="2400" dirty="0" err="1"/>
+              <a:t>by</a:t>
+            </a:r>
+            <a:r>
+              <a:rPr lang="en-US" sz="2400" dirty="0"/>
+              <a:t> 1</a:t>
+            </a:r>
+            <a:endParaRPr sz="2400" dirty="0"/>
           </a:p>
           <a:p>
             <a:pPr marL="177800" lvl="0" indent="0" rtl="0">
@@ -34636,7 +34752,7 @@
               </a:spcAft>
               <a:buNone/>
             </a:pPr>
-            <a:endParaRPr sz="2400"/>
+            <a:endParaRPr sz="2400" dirty="0"/>
           </a:p>
           <a:p>
             <a:pPr marL="177800" lvl="0" indent="0" rtl="0">
@@ -34653,7 +34769,7 @@
               <a:buFont typeface="Arial"/>
               <a:buNone/>
             </a:pPr>
-            <a:endParaRPr sz="2400"/>
+            <a:endParaRPr sz="2400" dirty="0"/>
           </a:p>
         </p:txBody>
       </p:sp>
@@ -37284,10 +37400,10 @@
               <a:buNone/>
             </a:pPr>
             <a:r>
-              <a:rPr lang="en-US" sz="2400"/>
+              <a:rPr lang="en-US" sz="2400" dirty="0"/>
               <a:t>We can also use arithmetic in our SELECT statements</a:t>
             </a:r>
-            <a:endParaRPr sz="2400"/>
+            <a:endParaRPr sz="2400" dirty="0"/>
           </a:p>
           <a:p>
             <a:pPr marL="177800" lvl="0" indent="0" rtl="0">
@@ -37304,7 +37420,7 @@
               <a:buFont typeface="Arial"/>
               <a:buNone/>
             </a:pPr>
-            <a:endParaRPr sz="2400"/>
+            <a:endParaRPr sz="2400" dirty="0"/>
           </a:p>
           <a:p>
             <a:pPr marL="177800" lvl="0" indent="0" rtl="0">
@@ -37322,7 +37438,7 @@
               <a:buNone/>
             </a:pPr>
             <a:r>
-              <a:rPr lang="en-US" sz="2400" b="1">
+              <a:rPr lang="en-US" sz="2400" b="1" dirty="0">
                 <a:solidFill>
                   <a:srgbClr val="E69138"/>
                 </a:solidFill>
@@ -37330,10 +37446,10 @@
               <a:t>SELECT</a:t>
             </a:r>
             <a:r>
-              <a:rPr lang="en-US" sz="2400"/>
+              <a:rPr lang="en-US" sz="2400" dirty="0"/>
               <a:t> school, teacher, </a:t>
             </a:r>
-            <a:endParaRPr sz="2400"/>
+            <a:endParaRPr sz="2400" dirty="0"/>
           </a:p>
           <a:p>
             <a:pPr marL="177800" lvl="0" indent="0" rtl="0">
@@ -37351,14 +37467,38 @@
               <a:buNone/>
             </a:pPr>
             <a:r>
-              <a:rPr lang="en-US" sz="2400" b="1"/>
+              <a:rPr lang="en-US" sz="2400" b="1" dirty="0"/>
               <a:t>AVG</a:t>
             </a:r>
             <a:r>
-              <a:rPr lang="en-US" sz="2400"/>
-              <a:t>(sat_math + sat_verbal + sat_writing) </a:t>
-            </a:r>
-            <a:endParaRPr sz="2400"/>
+              <a:rPr lang="en-US" sz="2400" dirty="0"/>
+              <a:t>(</a:t>
+            </a:r>
+            <a:r>
+              <a:rPr lang="en-US" sz="2400" dirty="0" err="1"/>
+              <a:t>sat_math</a:t>
+            </a:r>
+            <a:r>
+              <a:rPr lang="en-US" sz="2400" dirty="0"/>
+              <a:t> + </a:t>
+            </a:r>
+            <a:r>
+              <a:rPr lang="en-US" sz="2400" dirty="0" err="1"/>
+              <a:t>sat_verbal</a:t>
+            </a:r>
+            <a:r>
+              <a:rPr lang="en-US" sz="2400" dirty="0"/>
+              <a:t> + </a:t>
+            </a:r>
+            <a:r>
+              <a:rPr lang="en-US" sz="2400" dirty="0" err="1"/>
+              <a:t>sat_writing</a:t>
+            </a:r>
+            <a:r>
+              <a:rPr lang="en-US" sz="2400" dirty="0"/>
+              <a:t>) </a:t>
+            </a:r>
+            <a:endParaRPr sz="2400" dirty="0"/>
           </a:p>
           <a:p>
             <a:pPr marL="177800" lvl="0" indent="0" rtl="0">
@@ -37376,7 +37516,7 @@
               <a:buNone/>
             </a:pPr>
             <a:r>
-              <a:rPr lang="en-US" sz="2400" b="1">
+              <a:rPr lang="en-US" sz="2400" b="1" dirty="0">
                 <a:solidFill>
                   <a:srgbClr val="3C78D8"/>
                 </a:solidFill>
@@ -37384,10 +37524,14 @@
               <a:t>FROM</a:t>
             </a:r>
             <a:r>
-              <a:rPr lang="en-US" sz="2400"/>
-              <a:t> tutorial.sat_scores</a:t>
-            </a:r>
-            <a:endParaRPr sz="2400"/>
+              <a:rPr lang="en-US" sz="2400" dirty="0"/>
+              <a:t> </a:t>
+            </a:r>
+            <a:r>
+              <a:rPr lang="en-US" sz="2400" dirty="0" err="1"/>
+              <a:t>tutorial.sat_scores</a:t>
+            </a:r>
+            <a:endParaRPr sz="2400" dirty="0"/>
           </a:p>
           <a:p>
             <a:pPr marL="177800" lvl="0" indent="0" rtl="0">
@@ -37405,18 +37549,18 @@
               <a:buNone/>
             </a:pPr>
             <a:r>
-              <a:rPr lang="en-US" sz="2400" b="1">
+              <a:rPr lang="en-US" sz="2400" b="1" dirty="0">
                 <a:solidFill>
                   <a:srgbClr val="674EA7"/>
                 </a:solidFill>
               </a:rPr>
-              <a:t>GROUP </a:t>
-            </a:r>
-            <a:r>
-              <a:rPr lang="en-US" sz="2400"/>
-              <a:t>by 1,2</a:t>
-            </a:r>
-            <a:endParaRPr sz="2400"/>
+              <a:t>GROUP BY</a:t>
+            </a:r>
+            <a:r>
+              <a:rPr lang="en-US" sz="2400" dirty="0"/>
+              <a:t> 1,2</a:t>
+            </a:r>
+            <a:endParaRPr sz="2400" dirty="0"/>
           </a:p>
           <a:p>
             <a:pPr marL="177800" lvl="0" indent="0" rtl="0">
@@ -37434,18 +37578,18 @@
               <a:buNone/>
             </a:pPr>
             <a:r>
-              <a:rPr lang="en-US" sz="2400" b="1">
+              <a:rPr lang="en-US" sz="2400" b="1" dirty="0">
                 <a:solidFill>
                   <a:srgbClr val="674EA7"/>
                 </a:solidFill>
               </a:rPr>
-              <a:t>ORDER </a:t>
-            </a:r>
-            <a:r>
-              <a:rPr lang="en-US" sz="2400"/>
-              <a:t>by 3</a:t>
-            </a:r>
-            <a:endParaRPr sz="2400"/>
+              <a:t>ORDER BY</a:t>
+            </a:r>
+            <a:r>
+              <a:rPr lang="en-US" sz="2400" dirty="0"/>
+              <a:t> 3</a:t>
+            </a:r>
+            <a:endParaRPr sz="2400" dirty="0"/>
           </a:p>
           <a:p>
             <a:pPr marL="177800" lvl="0" indent="0" rtl="0">
@@ -37457,7 +37601,7 @@
               </a:spcAft>
               <a:buNone/>
             </a:pPr>
-            <a:endParaRPr sz="2400"/>
+            <a:endParaRPr sz="2400" dirty="0"/>
           </a:p>
           <a:p>
             <a:pPr marL="177800" lvl="0" indent="0" rtl="0">
@@ -37474,7 +37618,7 @@
               <a:buFont typeface="Arial"/>
               <a:buNone/>
             </a:pPr>
-            <a:endParaRPr sz="2400"/>
+            <a:endParaRPr sz="2400" dirty="0"/>
           </a:p>
         </p:txBody>
       </p:sp>
@@ -37999,7 +38143,7 @@
               <a:buNone/>
             </a:pPr>
             <a:r>
-              <a:rPr lang="en-US" sz="2400" b="1">
+              <a:rPr lang="en-US" sz="2400" b="1" dirty="0">
                 <a:solidFill>
                   <a:srgbClr val="E69138"/>
                 </a:solidFill>
@@ -38007,14 +38151,14 @@
               <a:t>SELECT</a:t>
             </a:r>
             <a:r>
-              <a:rPr lang="en-US" sz="2400">
+              <a:rPr lang="en-US" sz="2400" dirty="0">
                 <a:solidFill>
                   <a:schemeClr val="dk1"/>
                 </a:solidFill>
               </a:rPr>
               <a:t> year,</a:t>
             </a:r>
-            <a:endParaRPr sz="2400">
+            <a:endParaRPr sz="2400" dirty="0">
               <a:solidFill>
                 <a:schemeClr val="dk1"/>
               </a:solidFill>
@@ -38031,7 +38175,7 @@
               <a:buNone/>
             </a:pPr>
             <a:r>
-              <a:rPr lang="en-US" sz="2400" b="1">
+              <a:rPr lang="en-US" sz="2400" b="1" dirty="0">
                 <a:solidFill>
                   <a:schemeClr val="dk1"/>
                 </a:solidFill>
@@ -38039,14 +38183,30 @@
               <a:t>MAX</a:t>
             </a:r>
             <a:r>
-              <a:rPr lang="en-US" sz="2400">
+              <a:rPr lang="en-US" sz="2400" dirty="0">
                 <a:solidFill>
                   <a:schemeClr val="dk1"/>
                 </a:solidFill>
               </a:rPr>
-              <a:t>(close) as Highest_Close,</a:t>
-            </a:r>
-            <a:endParaRPr sz="2400">
+              <a:t>(close) as </a:t>
+            </a:r>
+            <a:r>
+              <a:rPr lang="en-US" sz="2400" dirty="0" err="1">
+                <a:solidFill>
+                  <a:schemeClr val="dk1"/>
+                </a:solidFill>
+              </a:rPr>
+              <a:t>Highest_Close</a:t>
+            </a:r>
+            <a:r>
+              <a:rPr lang="en-US" sz="2400" dirty="0">
+                <a:solidFill>
+                  <a:schemeClr val="dk1"/>
+                </a:solidFill>
+              </a:rPr>
+              <a:t>,</a:t>
+            </a:r>
+            <a:endParaRPr sz="2400" dirty="0">
               <a:solidFill>
                 <a:schemeClr val="dk1"/>
               </a:solidFill>
@@ -38063,7 +38223,7 @@
               <a:buNone/>
             </a:pPr>
             <a:r>
-              <a:rPr lang="en-US" sz="2400" b="1">
+              <a:rPr lang="en-US" sz="2400" b="1" dirty="0">
                 <a:solidFill>
                   <a:schemeClr val="dk1"/>
                 </a:solidFill>
@@ -38071,14 +38231,22 @@
               <a:t>MIN</a:t>
             </a:r>
             <a:r>
-              <a:rPr lang="en-US" sz="2400">
+              <a:rPr lang="en-US" sz="2400" dirty="0">
                 <a:solidFill>
                   <a:schemeClr val="dk1"/>
                 </a:solidFill>
               </a:rPr>
-              <a:t>(open) as Lowest_Open</a:t>
-            </a:r>
-            <a:endParaRPr sz="2400">
+              <a:t>(open) as </a:t>
+            </a:r>
+            <a:r>
+              <a:rPr lang="en-US" sz="2400" dirty="0" err="1">
+                <a:solidFill>
+                  <a:schemeClr val="dk1"/>
+                </a:solidFill>
+              </a:rPr>
+              <a:t>Lowest_Open</a:t>
+            </a:r>
+            <a:endParaRPr sz="2400" dirty="0">
               <a:solidFill>
                 <a:schemeClr val="dk1"/>
               </a:solidFill>
@@ -38095,7 +38263,7 @@
               <a:buNone/>
             </a:pPr>
             <a:r>
-              <a:rPr lang="en-US" sz="2400" b="1">
+              <a:rPr lang="en-US" sz="2400" b="1" dirty="0">
                 <a:solidFill>
                   <a:srgbClr val="3C78D8"/>
                 </a:solidFill>
@@ -38103,14 +38271,22 @@
               <a:t>FROM</a:t>
             </a:r>
             <a:r>
-              <a:rPr lang="en-US" sz="2400">
+              <a:rPr lang="en-US" sz="2400" dirty="0">
                 <a:solidFill>
                   <a:schemeClr val="dk1"/>
                 </a:solidFill>
               </a:rPr>
-              <a:t> tutorial.aapl_historical_stock_price</a:t>
-            </a:r>
-            <a:endParaRPr sz="2400">
+              <a:t> </a:t>
+            </a:r>
+            <a:r>
+              <a:rPr lang="en-US" sz="2400" dirty="0" err="1">
+                <a:solidFill>
+                  <a:schemeClr val="dk1"/>
+                </a:solidFill>
+              </a:rPr>
+              <a:t>tutorial.aapl_historical_stock_price</a:t>
+            </a:r>
+            <a:endParaRPr sz="2400" dirty="0">
               <a:solidFill>
                 <a:schemeClr val="dk1"/>
               </a:solidFill>
@@ -38127,54 +38303,50 @@
               <a:buNone/>
             </a:pPr>
             <a:r>
-              <a:rPr lang="en-US" sz="2400" b="1">
+              <a:rPr lang="en-US" sz="2400" b="1" dirty="0">
                 <a:solidFill>
                   <a:srgbClr val="674EA7"/>
                 </a:solidFill>
               </a:rPr>
-              <a:t>GROUP </a:t>
-            </a:r>
-            <a:r>
-              <a:rPr lang="en-US" sz="2400">
+              <a:t>GROUP BY</a:t>
+            </a:r>
+            <a:r>
+              <a:rPr lang="en-US" sz="2400" dirty="0">
                 <a:solidFill>
                   <a:schemeClr val="dk1"/>
                 </a:solidFill>
               </a:rPr>
-              <a:t>by 1</a:t>
-            </a:r>
-            <a:endParaRPr sz="2400">
+              <a:t> 1</a:t>
+            </a:r>
+            <a:endParaRPr sz="2400" dirty="0">
               <a:solidFill>
                 <a:schemeClr val="dk1"/>
               </a:solidFill>
             </a:endParaRPr>
           </a:p>
           <a:p>
-            <a:pPr marL="177800" lvl="0" indent="0" rtl="0">
+            <a:pPr marL="177800" lvl="0">
               <a:spcBef>
                 <a:spcPts val="560"/>
               </a:spcBef>
-              <a:spcAft>
-                <a:spcPts val="0"/>
-              </a:spcAft>
-              <a:buNone/>
-            </a:pPr>
-            <a:r>
-              <a:rPr lang="en-US" sz="2400" b="1">
+            </a:pPr>
+            <a:r>
+              <a:rPr lang="en-US" sz="2400" b="1" dirty="0">
                 <a:solidFill>
                   <a:srgbClr val="674EA7"/>
                 </a:solidFill>
               </a:rPr>
-              <a:t>ORDER</a:t>
-            </a:r>
-            <a:r>
-              <a:rPr lang="en-US" sz="2400">
+              <a:t>ORDER BY</a:t>
+            </a:r>
+            <a:r>
+              <a:rPr lang="en-US" sz="2400" dirty="0">
                 <a:solidFill>
                   <a:schemeClr val="dk1"/>
                 </a:solidFill>
               </a:rPr>
-              <a:t> by 1 </a:t>
-            </a:r>
-            <a:endParaRPr sz="2400" b="1">
+              <a:t> 1 </a:t>
+            </a:r>
+            <a:endParaRPr sz="2400" b="1" dirty="0">
               <a:solidFill>
                 <a:schemeClr val="dk1"/>
               </a:solidFill>

--- a/zzz MEDIA/SQL Basics.pptx
+++ b/zzz MEDIA/SQL Basics.pptx
@@ -2613,10 +2613,10 @@
               <a:buNone/>
             </a:pPr>
             <a:r>
-              <a:rPr lang="en-US"/>
-              <a:t>Remember, you can customize the view of the data you are querying. So for example you can rename columns. This renames columns only for your view. It doesn’t alter the database.</a:t>
-            </a:r>
-            <a:endParaRPr/>
+              <a:rPr lang="en-US" dirty="0"/>
+              <a:t>Remember, you can customize the view of the data you are querying. So for example you can rename columns. This renames columns only for your view. It doesn't alter the database.</a:t>
+            </a:r>
+            <a:endParaRPr dirty="0"/>
           </a:p>
         </p:txBody>
       </p:sp>
@@ -2766,7 +2766,7 @@
               </a:spcAft>
               <a:buNone/>
             </a:pPr>
-            <a:endParaRPr/>
+            <a:endParaRPr dirty="0"/>
           </a:p>
         </p:txBody>
       </p:sp>
@@ -3066,7 +3066,7 @@
               </a:spcAft>
               <a:buNone/>
             </a:pPr>
-            <a:endParaRPr/>
+            <a:endParaRPr dirty="0"/>
           </a:p>
         </p:txBody>
       </p:sp>
@@ -3414,7 +3414,7 @@
               </a:spcAft>
               <a:buNone/>
             </a:pPr>
-            <a:endParaRPr/>
+            <a:endParaRPr dirty="0"/>
           </a:p>
         </p:txBody>
       </p:sp>
@@ -4760,7 +4760,7 @@
               </a:spcAft>
               <a:buNone/>
             </a:pPr>
-            <a:endParaRPr/>
+            <a:endParaRPr dirty="0"/>
           </a:p>
         </p:txBody>
       </p:sp>
@@ -5226,7 +5226,7 @@
               </a:spcAft>
               <a:buNone/>
             </a:pPr>
-            <a:endParaRPr/>
+            <a:endParaRPr dirty="0"/>
           </a:p>
         </p:txBody>
       </p:sp>
@@ -5668,7 +5668,7 @@
               </a:spcAft>
               <a:buNone/>
             </a:pPr>
-            <a:endParaRPr/>
+            <a:endParaRPr dirty="0"/>
           </a:p>
         </p:txBody>
       </p:sp>
@@ -6114,7 +6114,7 @@
               </a:spcAft>
               <a:buNone/>
             </a:pPr>
-            <a:endParaRPr/>
+            <a:endParaRPr dirty="0"/>
           </a:p>
         </p:txBody>
       </p:sp>
@@ -6264,7 +6264,7 @@
               </a:spcAft>
               <a:buNone/>
             </a:pPr>
-            <a:endParaRPr/>
+            <a:endParaRPr dirty="0"/>
           </a:p>
         </p:txBody>
       </p:sp>
@@ -6743,7 +6743,7 @@
                   <a:srgbClr val="FFFFFF"/>
                 </a:highlight>
               </a:rPr>
-              <a:t>You’ve all used Excel before and are familiar with tables—they’re similar to spreadsheets. Tables have rows and columns just like Excel, but are a little more rigid. Database tables, for instance, are always organized by column, and each column must have a unique name. </a:t>
+              <a:t>You've all used Excel before and are familiar with tables—they're similar to spreadsheets. Tables have rows and columns just like Excel, but are a little more rigid. Database tables, for instance, are always organized by column, and each column must have a unique name. </a:t>
             </a:r>
             <a:endParaRPr sz="1000" dirty="0"/>
           </a:p>
@@ -6849,7 +6849,11 @@
               </a:spcAft>
               <a:buNone/>
             </a:pPr>
-            <a:endParaRPr/>
+            <a:r>
+              <a:rPr lang="en-US" dirty="0"/>
+              <a:t>Note that while it is less auditable, sometimes it is easier to reference a column number rather than column name in a quick query</a:t>
+            </a:r>
+            <a:endParaRPr dirty="0"/>
           </a:p>
         </p:txBody>
       </p:sp>
@@ -7591,7 +7595,7 @@
               </a:spcAft>
               <a:buNone/>
             </a:pPr>
-            <a:endParaRPr/>
+            <a:endParaRPr dirty="0"/>
           </a:p>
         </p:txBody>
       </p:sp>
@@ -8404,10 +8408,10 @@
               <a:buNone/>
             </a:pPr>
             <a:r>
-              <a:rPr lang="en-US" sz="1000"/>
+              <a:rPr lang="en-US" sz="1000" dirty="0"/>
               <a:t>For example, a typical business order entry database would include a table that described a client with columns for name, address, phone number, and so forth. </a:t>
             </a:r>
-            <a:endParaRPr sz="1000"/>
+            <a:endParaRPr sz="1000" dirty="0"/>
           </a:p>
           <a:p>
             <a:pPr marL="0" lvl="0" indent="0" rtl="0">
@@ -8419,7 +8423,7 @@
               </a:spcAft>
               <a:buNone/>
             </a:pPr>
-            <a:endParaRPr sz="1000"/>
+            <a:endParaRPr sz="1000" dirty="0"/>
           </a:p>
           <a:p>
             <a:pPr marL="0" lvl="0" indent="0" rtl="0">
@@ -8432,10 +8436,10 @@
               <a:buNone/>
             </a:pPr>
             <a:r>
-              <a:rPr lang="en-US" sz="1000"/>
+              <a:rPr lang="en-US" sz="1000" dirty="0"/>
               <a:t>Another table would describe an order: product, client id , date, sales price, and so forth. </a:t>
             </a:r>
-            <a:endParaRPr sz="1000"/>
+            <a:endParaRPr sz="1000" dirty="0"/>
           </a:p>
           <a:p>
             <a:pPr marL="0" lvl="0" indent="0" rtl="0">
@@ -8447,7 +8451,7 @@
               </a:spcAft>
               <a:buNone/>
             </a:pPr>
-            <a:endParaRPr sz="1000"/>
+            <a:endParaRPr sz="1000" dirty="0"/>
           </a:p>
           <a:p>
             <a:pPr marL="0" lvl="0" indent="0" rtl="0">
@@ -8460,10 +8464,10 @@
               <a:buNone/>
             </a:pPr>
             <a:r>
-              <a:rPr lang="en-US" sz="1000"/>
+              <a:rPr lang="en-US" sz="1000" dirty="0"/>
               <a:t>There could be a table for each order, containing which items were purchased, with a description of the product, name, color.</a:t>
             </a:r>
-            <a:endParaRPr sz="1000"/>
+            <a:endParaRPr sz="1000" dirty="0"/>
           </a:p>
           <a:p>
             <a:pPr marL="0" lvl="0" indent="0" rtl="0">
@@ -8475,7 +8479,7 @@
               </a:spcAft>
               <a:buNone/>
             </a:pPr>
-            <a:endParaRPr sz="1000"/>
+            <a:endParaRPr sz="1000" dirty="0"/>
           </a:p>
           <a:p>
             <a:pPr marL="0" lvl="0" indent="0" rtl="0">
@@ -8492,13 +8496,13 @@
               <a:buNone/>
             </a:pPr>
             <a:r>
-              <a:rPr lang="en-US" sz="1000"/>
+              <a:rPr lang="en-US" sz="1000" dirty="0"/>
               <a:t>Every user of the database might pull different views or reports depending on their needs. For example, a branch office manager might like a view on all customers that bought products after a certain date. A financial services manager in the same company could, from the same tables, obtain a report on accounts that needed to be paid.</a:t>
             </a:r>
             <a:br>
-              <a:rPr lang="en-US" sz="1000"/>
+              <a:rPr lang="en-US" sz="1000" dirty="0"/>
             </a:br>
-            <a:endParaRPr sz="1000" b="0" i="0" u="none" strike="noStrike" cap="none">
+            <a:endParaRPr sz="1000" b="0" i="0" u="none" strike="noStrike" cap="none" dirty="0">
               <a:solidFill>
                 <a:schemeClr val="dk1"/>
               </a:solidFill>
@@ -10798,7 +10802,7 @@
               </a:spcAft>
               <a:buNone/>
             </a:pPr>
-            <a:endParaRPr/>
+            <a:endParaRPr dirty="0"/>
           </a:p>
         </p:txBody>
       </p:sp>
@@ -25351,10 +25355,10 @@
               <a:buNone/>
             </a:pPr>
             <a:r>
-              <a:rPr lang="en-US"/>
-              <a:t>In Mode, each table has a dropdown that shows what’s in the table</a:t>
-            </a:r>
-            <a:endParaRPr/>
+              <a:rPr lang="en-US" dirty="0"/>
+              <a:t>In Mode, each table has a dropdown that shows what's in the table</a:t>
+            </a:r>
+            <a:endParaRPr dirty="0"/>
           </a:p>
         </p:txBody>
       </p:sp>
@@ -25786,7 +25790,7 @@
               <a:buNone/>
             </a:pPr>
             <a:r>
-              <a:rPr lang="en-US" b="1">
+              <a:rPr lang="en-US" b="1" dirty="0">
                 <a:solidFill>
                   <a:srgbClr val="FF9900"/>
                 </a:solidFill>
@@ -25794,10 +25798,10 @@
               <a:t>SELECT</a:t>
             </a:r>
             <a:r>
-              <a:rPr lang="en-US"/>
+              <a:rPr lang="en-US" dirty="0"/>
               <a:t> Month, Visits</a:t>
             </a:r>
-            <a:endParaRPr/>
+            <a:endParaRPr dirty="0"/>
           </a:p>
           <a:p>
             <a:pPr marL="0" lvl="0" indent="0">
@@ -25810,7 +25814,7 @@
               <a:buNone/>
             </a:pPr>
             <a:r>
-              <a:rPr lang="en-US" b="1">
+              <a:rPr lang="en-US" b="1" dirty="0">
                 <a:solidFill>
                   <a:srgbClr val="0000FF"/>
                 </a:solidFill>
@@ -25818,10 +25822,14 @@
               <a:t>FROM</a:t>
             </a:r>
             <a:r>
-              <a:rPr lang="en-US"/>
-              <a:t> example_table</a:t>
-            </a:r>
-            <a:endParaRPr/>
+              <a:rPr lang="en-US" dirty="0"/>
+              <a:t> </a:t>
+            </a:r>
+            <a:r>
+              <a:rPr lang="en-US" dirty="0" err="1"/>
+              <a:t>example_table</a:t>
+            </a:r>
+            <a:endParaRPr dirty="0"/>
           </a:p>
           <a:p>
             <a:pPr marL="0" lvl="0" indent="0">
@@ -25834,7 +25842,7 @@
               <a:buNone/>
             </a:pPr>
             <a:r>
-              <a:rPr lang="en-US" b="1">
+              <a:rPr lang="en-US" b="1" dirty="0">
                 <a:solidFill>
                   <a:srgbClr val="9900FF"/>
                 </a:solidFill>
@@ -25842,10 +25850,10 @@
               <a:t>WHERE</a:t>
             </a:r>
             <a:r>
-              <a:rPr lang="en-US"/>
-              <a:t> Conversion = ‘9%’</a:t>
-            </a:r>
-            <a:endParaRPr/>
+              <a:rPr lang="en-US" dirty="0"/>
+              <a:t> Conversion = '9%’;</a:t>
+            </a:r>
+            <a:endParaRPr dirty="0"/>
           </a:p>
         </p:txBody>
       </p:sp>
@@ -26207,10 +26215,10 @@
               <a:buNone/>
             </a:pPr>
             <a:r>
-              <a:rPr lang="en-US"/>
+              <a:rPr lang="en-US" dirty="0"/>
               <a:t>Every query has two necessary components: Select and From</a:t>
             </a:r>
-            <a:endParaRPr/>
+            <a:endParaRPr dirty="0"/>
           </a:p>
           <a:p>
             <a:pPr marL="342900" lvl="0" indent="-165100">
@@ -26222,7 +26230,7 @@
               </a:spcAft>
               <a:buNone/>
             </a:pPr>
-            <a:endParaRPr/>
+            <a:endParaRPr dirty="0"/>
           </a:p>
           <a:p>
             <a:pPr marL="342900" lvl="0" indent="-165100">
@@ -26235,7 +26243,7 @@
               <a:buNone/>
             </a:pPr>
             <a:r>
-              <a:rPr lang="en-US" b="1">
+              <a:rPr lang="en-US" b="1" dirty="0">
                 <a:solidFill>
                   <a:srgbClr val="E69138"/>
                 </a:solidFill>
@@ -26243,10 +26251,10 @@
               <a:t>SELECT</a:t>
             </a:r>
             <a:r>
-              <a:rPr lang="en-US"/>
+              <a:rPr lang="en-US" dirty="0"/>
               <a:t> year, nominee, movie</a:t>
             </a:r>
-            <a:endParaRPr/>
+            <a:endParaRPr dirty="0"/>
           </a:p>
           <a:p>
             <a:pPr marL="342900" lvl="0" indent="-165100">
@@ -26259,7 +26267,7 @@
               <a:buNone/>
             </a:pPr>
             <a:r>
-              <a:rPr lang="en-US" b="1">
+              <a:rPr lang="en-US" b="1" dirty="0">
                 <a:solidFill>
                   <a:srgbClr val="1155CC"/>
                 </a:solidFill>
@@ -26267,10 +26275,18 @@
               <a:t>FROM</a:t>
             </a:r>
             <a:r>
-              <a:rPr lang="en-US"/>
-              <a:t> tutorial.oscar_nominees </a:t>
-            </a:r>
-            <a:endParaRPr/>
+              <a:rPr lang="en-US" dirty="0"/>
+              <a:t> </a:t>
+            </a:r>
+            <a:r>
+              <a:rPr lang="en-US" dirty="0" err="1"/>
+              <a:t>tutorial.oscar_nominees</a:t>
+            </a:r>
+            <a:r>
+              <a:rPr lang="en-US" dirty="0"/>
+              <a:t>;</a:t>
+            </a:r>
+            <a:endParaRPr dirty="0"/>
           </a:p>
           <a:p>
             <a:pPr marL="342900" lvl="0" indent="-165100">
@@ -26282,7 +26298,7 @@
               </a:spcAft>
               <a:buNone/>
             </a:pPr>
-            <a:endParaRPr/>
+            <a:endParaRPr dirty="0"/>
           </a:p>
           <a:p>
             <a:pPr marL="342900" lvl="0" indent="-165100">
@@ -26294,7 +26310,7 @@
               </a:spcAft>
               <a:buNone/>
             </a:pPr>
-            <a:endParaRPr/>
+            <a:endParaRPr dirty="0"/>
           </a:p>
           <a:p>
             <a:pPr marL="342900" lvl="0" indent="-165100">
@@ -26306,7 +26322,7 @@
               </a:spcAft>
               <a:buNone/>
             </a:pPr>
-            <a:endParaRPr/>
+            <a:endParaRPr dirty="0"/>
           </a:p>
         </p:txBody>
       </p:sp>
@@ -26560,10 +26576,10 @@
               <a:buNone/>
             </a:pPr>
             <a:r>
-              <a:rPr lang="en-US"/>
+              <a:rPr lang="en-US" dirty="0"/>
               <a:t>It can be useful to specify, rename, and reorder columns.</a:t>
             </a:r>
-            <a:endParaRPr/>
+            <a:endParaRPr dirty="0"/>
           </a:p>
           <a:p>
             <a:pPr marL="342900" lvl="0" indent="-165100">
@@ -26575,7 +26591,7 @@
               </a:spcAft>
               <a:buNone/>
             </a:pPr>
-            <a:endParaRPr/>
+            <a:endParaRPr dirty="0"/>
           </a:p>
           <a:p>
             <a:pPr marL="177800" lvl="0" indent="0" rtl="0">
@@ -26593,7 +26609,7 @@
               <a:buNone/>
             </a:pPr>
             <a:r>
-              <a:rPr lang="en-US" b="1">
+              <a:rPr lang="en-US" b="1" dirty="0">
                 <a:solidFill>
                   <a:srgbClr val="E69138"/>
                 </a:solidFill>
@@ -26601,10 +26617,18 @@
               <a:t>SELECT</a:t>
             </a:r>
             <a:r>
-              <a:rPr lang="en-US"/>
-              <a:t> movie AS film, year, category</a:t>
-            </a:r>
-            <a:endParaRPr/>
+              <a:rPr lang="en-US" dirty="0"/>
+              <a:t> movie </a:t>
+            </a:r>
+            <a:r>
+              <a:rPr lang="en-US" b="1" dirty="0"/>
+              <a:t>AS</a:t>
+            </a:r>
+            <a:r>
+              <a:rPr lang="en-US" dirty="0"/>
+              <a:t> film, year, category</a:t>
+            </a:r>
+            <a:endParaRPr dirty="0"/>
           </a:p>
           <a:p>
             <a:pPr marL="177800" lvl="0" indent="0" rtl="0">
@@ -26622,7 +26646,7 @@
               <a:buNone/>
             </a:pPr>
             <a:r>
-              <a:rPr lang="en-US" b="1">
+              <a:rPr lang="en-US" b="1" dirty="0">
                 <a:solidFill>
                   <a:srgbClr val="3C78D8"/>
                 </a:solidFill>
@@ -26630,10 +26654,18 @@
               <a:t>FROM</a:t>
             </a:r>
             <a:r>
-              <a:rPr lang="en-US"/>
-              <a:t> tutorial.oscar_nominees</a:t>
-            </a:r>
-            <a:endParaRPr/>
+              <a:rPr lang="en-US" dirty="0"/>
+              <a:t> </a:t>
+            </a:r>
+            <a:r>
+              <a:rPr lang="en-US" dirty="0" err="1"/>
+              <a:t>tutorial.oscar_nominees</a:t>
+            </a:r>
+            <a:r>
+              <a:rPr lang="en-US" dirty="0"/>
+              <a:t>;</a:t>
+            </a:r>
+            <a:endParaRPr dirty="0"/>
           </a:p>
           <a:p>
             <a:pPr marL="177800" lvl="0" indent="0" rtl="0">
@@ -26650,7 +26682,7 @@
               <a:buFont typeface="Arial"/>
               <a:buNone/>
             </a:pPr>
-            <a:endParaRPr/>
+            <a:endParaRPr dirty="0"/>
           </a:p>
           <a:p>
             <a:pPr marL="342900" lvl="0" indent="-165100" rtl="0">
@@ -26662,7 +26694,7 @@
               </a:spcAft>
               <a:buNone/>
             </a:pPr>
-            <a:endParaRPr/>
+            <a:endParaRPr dirty="0"/>
           </a:p>
           <a:p>
             <a:pPr marL="342900" lvl="0" indent="-165100" rtl="0">
@@ -26674,7 +26706,7 @@
               </a:spcAft>
               <a:buNone/>
             </a:pPr>
-            <a:endParaRPr/>
+            <a:endParaRPr dirty="0"/>
           </a:p>
           <a:p>
             <a:pPr marL="342900" lvl="0" indent="-165100" rtl="0">
@@ -26691,7 +26723,7 @@
               <a:buFont typeface="Arial"/>
               <a:buNone/>
             </a:pPr>
-            <a:endParaRPr/>
+            <a:endParaRPr dirty="0"/>
           </a:p>
         </p:txBody>
       </p:sp>
@@ -26843,10 +26875,10 @@
               <a:buNone/>
             </a:pPr>
             <a:r>
-              <a:rPr lang="en-US"/>
+              <a:rPr lang="en-US" dirty="0"/>
               <a:t>Add a WHERE clause to your query to filter results</a:t>
             </a:r>
-            <a:endParaRPr/>
+            <a:endParaRPr dirty="0"/>
           </a:p>
           <a:p>
             <a:pPr marL="342900" lvl="0" indent="-165100">
@@ -26858,7 +26890,7 @@
               </a:spcAft>
               <a:buNone/>
             </a:pPr>
-            <a:endParaRPr/>
+            <a:endParaRPr dirty="0"/>
           </a:p>
           <a:p>
             <a:pPr marL="177800" lvl="0" indent="0" rtl="0">
@@ -26876,7 +26908,7 @@
               <a:buNone/>
             </a:pPr>
             <a:r>
-              <a:rPr lang="en-US" b="1">
+              <a:rPr lang="en-US" b="1" dirty="0">
                 <a:solidFill>
                   <a:srgbClr val="E69138"/>
                 </a:solidFill>
@@ -26884,10 +26916,10 @@
               <a:t>SELECT</a:t>
             </a:r>
             <a:r>
-              <a:rPr lang="en-US"/>
+              <a:rPr lang="en-US" dirty="0"/>
               <a:t> *</a:t>
             </a:r>
-            <a:endParaRPr/>
+            <a:endParaRPr dirty="0"/>
           </a:p>
           <a:p>
             <a:pPr marL="177800" lvl="0" indent="0" rtl="0">
@@ -26900,7 +26932,7 @@
               <a:buNone/>
             </a:pPr>
             <a:r>
-              <a:rPr lang="en-US" b="1">
+              <a:rPr lang="en-US" b="1" dirty="0">
                 <a:solidFill>
                   <a:srgbClr val="3C78D8"/>
                 </a:solidFill>
@@ -26908,10 +26940,14 @@
               <a:t>FROM</a:t>
             </a:r>
             <a:r>
-              <a:rPr lang="en-US"/>
-              <a:t> tutorial.oscar_nominees</a:t>
-            </a:r>
-            <a:endParaRPr/>
+              <a:rPr lang="en-US" dirty="0"/>
+              <a:t> </a:t>
+            </a:r>
+            <a:r>
+              <a:rPr lang="en-US" dirty="0" err="1"/>
+              <a:t>tutorial.oscar_nominees</a:t>
+            </a:r>
+            <a:endParaRPr dirty="0"/>
           </a:p>
           <a:p>
             <a:pPr marL="177800" lvl="0" indent="0" rtl="0">
@@ -26924,7 +26960,7 @@
               <a:buNone/>
             </a:pPr>
             <a:r>
-              <a:rPr lang="en-US" b="1">
+              <a:rPr lang="en-US" b="1" dirty="0">
                 <a:solidFill>
                   <a:srgbClr val="674EA7"/>
                 </a:solidFill>
@@ -26932,10 +26968,10 @@
               <a:t>WHERE </a:t>
             </a:r>
             <a:r>
-              <a:rPr lang="en-US"/>
-              <a:t>year = 2005</a:t>
-            </a:r>
-            <a:endParaRPr/>
+              <a:rPr lang="en-US" dirty="0"/>
+              <a:t>year = 2005;</a:t>
+            </a:r>
+            <a:endParaRPr dirty="0"/>
           </a:p>
           <a:p>
             <a:pPr marL="177800" lvl="0" indent="0" rtl="0">
@@ -26947,7 +26983,7 @@
               </a:spcAft>
               <a:buNone/>
             </a:pPr>
-            <a:endParaRPr/>
+            <a:endParaRPr dirty="0"/>
           </a:p>
           <a:p>
             <a:pPr marL="177800" lvl="0" indent="0" rtl="0">
@@ -26965,10 +27001,10 @@
               <a:buNone/>
             </a:pPr>
             <a:r>
-              <a:rPr lang="en-US" sz="1800"/>
-              <a:t>Note: if you set one of your columns equal to a text string, use apostrophes. Ex: nominee = ‘Amy Adams’</a:t>
-            </a:r>
-            <a:endParaRPr sz="1800"/>
+              <a:rPr lang="en-US" sz="2400" dirty="0"/>
+              <a:t>Note: if you set one of your columns equal to a text string, use apostrophes. Ex: nominee = 'Amy Adams'</a:t>
+            </a:r>
+            <a:endParaRPr sz="2400" dirty="0"/>
           </a:p>
         </p:txBody>
       </p:sp>
@@ -27120,10 +27156,10 @@
               <a:buNone/>
             </a:pPr>
             <a:r>
-              <a:rPr lang="en-US"/>
+              <a:rPr lang="en-US" dirty="0"/>
               <a:t>Use SELECT, FROM, and WHERE to answer the following questions:</a:t>
             </a:r>
-            <a:endParaRPr/>
+            <a:endParaRPr dirty="0"/>
           </a:p>
           <a:p>
             <a:pPr marL="342900" lvl="0" indent="-165100">
@@ -27135,7 +27171,7 @@
               </a:spcAft>
               <a:buNone/>
             </a:pPr>
-            <a:endParaRPr/>
+            <a:endParaRPr dirty="0"/>
           </a:p>
           <a:p>
             <a:pPr marL="457200" lvl="0" indent="-406400" rtl="0">
@@ -27149,10 +27185,10 @@
               <a:buAutoNum type="arabicParenR"/>
             </a:pPr>
             <a:r>
-              <a:rPr lang="en-US"/>
+              <a:rPr lang="en-US" dirty="0"/>
               <a:t>Who was the Best Actress winner in 2002?</a:t>
             </a:r>
-            <a:endParaRPr/>
+            <a:endParaRPr dirty="0"/>
           </a:p>
           <a:p>
             <a:pPr marL="0" lvl="0" indent="0" rtl="0">
@@ -27164,7 +27200,7 @@
               </a:spcAft>
               <a:buNone/>
             </a:pPr>
-            <a:endParaRPr/>
+            <a:endParaRPr dirty="0"/>
           </a:p>
           <a:p>
             <a:pPr marL="0" lvl="0" indent="0" rtl="0">
@@ -27177,10 +27213,18 @@
               <a:buNone/>
             </a:pPr>
             <a:r>
-              <a:rPr lang="en-US"/>
-              <a:t>2) How many oscars did A Streetcar Named Desire win (in all categories)?</a:t>
-            </a:r>
-            <a:endParaRPr/>
+              <a:rPr lang="en-US" dirty="0"/>
+              <a:t>2) How many </a:t>
+            </a:r>
+            <a:r>
+              <a:rPr lang="en-US" dirty="0" err="1"/>
+              <a:t>oscars</a:t>
+            </a:r>
+            <a:r>
+              <a:rPr lang="en-US" dirty="0"/>
+              <a:t> did A Streetcar Named Desire win (in all categories)?</a:t>
+            </a:r>
+            <a:endParaRPr dirty="0"/>
           </a:p>
           <a:p>
             <a:pPr marL="0" lvl="0" indent="0" rtl="0">
@@ -27192,7 +27236,7 @@
               </a:spcAft>
               <a:buNone/>
             </a:pPr>
-            <a:endParaRPr/>
+            <a:endParaRPr dirty="0"/>
           </a:p>
           <a:p>
             <a:pPr marL="0" lvl="0" indent="0" rtl="0">
@@ -27205,10 +27249,10 @@
               <a:buNone/>
             </a:pPr>
             <a:r>
-              <a:rPr lang="en-US" sz="1400"/>
+              <a:rPr lang="en-US" sz="1400" dirty="0"/>
               <a:t>Hint: Use AND to add extra conditions. </a:t>
             </a:r>
-            <a:endParaRPr sz="1400"/>
+            <a:endParaRPr sz="1400" dirty="0"/>
           </a:p>
           <a:p>
             <a:pPr marL="0" lvl="0" indent="0" rtl="0">
@@ -27221,10 +27265,10 @@
               <a:buNone/>
             </a:pPr>
             <a:r>
-              <a:rPr lang="en-US" sz="1400"/>
+              <a:rPr lang="en-US" sz="1400" dirty="0"/>
               <a:t>Ex: WHERE year = 1998 </a:t>
             </a:r>
-            <a:endParaRPr sz="1400"/>
+            <a:endParaRPr sz="1400" dirty="0"/>
           </a:p>
           <a:p>
             <a:pPr marL="0" lvl="0" indent="0">
@@ -27237,10 +27281,10 @@
               <a:buNone/>
             </a:pPr>
             <a:r>
-              <a:rPr lang="en-US" sz="1400"/>
-              <a:t>AND movie = ‘Shakespeare in Love’</a:t>
-            </a:r>
-            <a:endParaRPr sz="1400"/>
+              <a:rPr lang="en-US" sz="1400" dirty="0"/>
+              <a:t>AND movie = 'Shakespeare in Love'</a:t>
+            </a:r>
+            <a:endParaRPr sz="1400" dirty="0"/>
           </a:p>
         </p:txBody>
       </p:sp>
@@ -27392,10 +27436,10 @@
               <a:buNone/>
             </a:pPr>
             <a:r>
-              <a:rPr lang="en-US"/>
+              <a:rPr lang="en-US" dirty="0"/>
               <a:t>If you want to explore the table a bit, try using DISTINCT. This will pull one row for each unique result in your query.</a:t>
             </a:r>
-            <a:endParaRPr/>
+            <a:endParaRPr dirty="0"/>
           </a:p>
           <a:p>
             <a:pPr marL="342900" lvl="0" indent="-165100">
@@ -27407,7 +27451,7 @@
               </a:spcAft>
               <a:buNone/>
             </a:pPr>
-            <a:endParaRPr/>
+            <a:endParaRPr dirty="0"/>
           </a:p>
           <a:p>
             <a:pPr marL="342900" lvl="0" indent="-165100">
@@ -27420,10 +27464,10 @@
               <a:buNone/>
             </a:pPr>
             <a:r>
-              <a:rPr lang="en-US"/>
+              <a:rPr lang="en-US" dirty="0"/>
               <a:t>Ex: </a:t>
             </a:r>
-            <a:endParaRPr/>
+            <a:endParaRPr dirty="0"/>
           </a:p>
           <a:p>
             <a:pPr marL="342900" lvl="0" indent="-165100">
@@ -27436,7 +27480,7 @@
               <a:buNone/>
             </a:pPr>
             <a:r>
-              <a:rPr lang="en-US" b="1">
+              <a:rPr lang="en-US" b="1" dirty="0">
                 <a:solidFill>
                   <a:srgbClr val="E69138"/>
                 </a:solidFill>
@@ -27444,18 +27488,18 @@
               <a:t>SELECT</a:t>
             </a:r>
             <a:r>
-              <a:rPr lang="en-US"/>
+              <a:rPr lang="en-US" dirty="0"/>
               <a:t> </a:t>
             </a:r>
             <a:r>
-              <a:rPr lang="en-US" b="1"/>
+              <a:rPr lang="en-US" b="1" dirty="0"/>
               <a:t>DISTINCT</a:t>
             </a:r>
             <a:r>
-              <a:rPr lang="en-US"/>
+              <a:rPr lang="en-US" dirty="0"/>
               <a:t> category</a:t>
             </a:r>
-            <a:endParaRPr/>
+            <a:endParaRPr dirty="0"/>
           </a:p>
           <a:p>
             <a:pPr marL="342900" lvl="0" indent="-165100">
@@ -27468,7 +27512,7 @@
               <a:buNone/>
             </a:pPr>
             <a:r>
-              <a:rPr lang="en-US" b="1">
+              <a:rPr lang="en-US" b="1" dirty="0">
                 <a:solidFill>
                   <a:srgbClr val="3D85C6"/>
                 </a:solidFill>
@@ -27476,10 +27520,18 @@
               <a:t>FROM</a:t>
             </a:r>
             <a:r>
-              <a:rPr lang="en-US"/>
-              <a:t> tutorial.oscar_nominees</a:t>
-            </a:r>
-            <a:endParaRPr/>
+              <a:rPr lang="en-US" dirty="0"/>
+              <a:t> </a:t>
+            </a:r>
+            <a:r>
+              <a:rPr lang="en-US" dirty="0" err="1"/>
+              <a:t>tutorial.oscar_nominees</a:t>
+            </a:r>
+            <a:r>
+              <a:rPr lang="en-US" dirty="0"/>
+              <a:t>;</a:t>
+            </a:r>
+            <a:endParaRPr dirty="0"/>
           </a:p>
         </p:txBody>
       </p:sp>
@@ -28191,10 +28243,10 @@
               <a:buNone/>
             </a:pPr>
             <a:r>
-              <a:rPr lang="en-US"/>
-              <a:t>You’re a SQL expert already!</a:t>
-            </a:r>
-            <a:endParaRPr/>
+              <a:rPr lang="en-US" dirty="0"/>
+              <a:t>You're a SQL expert already!</a:t>
+            </a:r>
+            <a:endParaRPr dirty="0"/>
           </a:p>
         </p:txBody>
       </p:sp>
@@ -28281,7 +28333,7 @@
               <a:buNone/>
             </a:pPr>
             <a:r>
-              <a:rPr lang="en-US" sz="2800" b="1">
+              <a:rPr lang="en-US" sz="2800" b="1" dirty="0">
                 <a:solidFill>
                   <a:srgbClr val="E69138"/>
                 </a:solidFill>
@@ -28289,14 +28341,14 @@
               <a:t>SELECT</a:t>
             </a:r>
             <a:r>
-              <a:rPr lang="en-US" sz="2800">
+              <a:rPr lang="en-US" sz="2800" dirty="0">
                 <a:solidFill>
                   <a:schemeClr val="dk1"/>
                 </a:solidFill>
               </a:rPr>
               <a:t> nominee</a:t>
             </a:r>
-            <a:endParaRPr sz="2800">
+            <a:endParaRPr sz="2800" dirty="0">
               <a:solidFill>
                 <a:schemeClr val="dk1"/>
               </a:solidFill>
@@ -28313,7 +28365,7 @@
               <a:buNone/>
             </a:pPr>
             <a:r>
-              <a:rPr lang="en-US" sz="2800" b="1">
+              <a:rPr lang="en-US" sz="2800" b="1" dirty="0">
                 <a:solidFill>
                   <a:srgbClr val="3C78D8"/>
                 </a:solidFill>
@@ -28321,14 +28373,22 @@
               <a:t>FROM</a:t>
             </a:r>
             <a:r>
-              <a:rPr lang="en-US" sz="2800">
+              <a:rPr lang="en-US" sz="2800" dirty="0">
                 <a:solidFill>
                   <a:schemeClr val="dk1"/>
                 </a:solidFill>
               </a:rPr>
-              <a:t> tutorial.oscar_nominees</a:t>
-            </a:r>
-            <a:endParaRPr sz="2800">
+              <a:t> </a:t>
+            </a:r>
+            <a:r>
+              <a:rPr lang="en-US" sz="2800" dirty="0" err="1">
+                <a:solidFill>
+                  <a:schemeClr val="dk1"/>
+                </a:solidFill>
+              </a:rPr>
+              <a:t>tutorial.oscar_nominees</a:t>
+            </a:r>
+            <a:endParaRPr sz="2800" dirty="0">
               <a:solidFill>
                 <a:schemeClr val="dk1"/>
               </a:solidFill>
@@ -28345,7 +28405,7 @@
               <a:buNone/>
             </a:pPr>
             <a:r>
-              <a:rPr lang="en-US" sz="2800" b="1">
+              <a:rPr lang="en-US" sz="2800" b="1" dirty="0">
                 <a:solidFill>
                   <a:srgbClr val="674EA7"/>
                 </a:solidFill>
@@ -28353,14 +28413,14 @@
               <a:t>WHERE </a:t>
             </a:r>
             <a:r>
-              <a:rPr lang="en-US" sz="2800">
+              <a:rPr lang="en-US" sz="2800" dirty="0">
                 <a:solidFill>
                   <a:schemeClr val="dk1"/>
                 </a:solidFill>
               </a:rPr>
               <a:t>year = 2002</a:t>
             </a:r>
-            <a:endParaRPr sz="2800">
+            <a:endParaRPr sz="2800" dirty="0">
               <a:solidFill>
                 <a:schemeClr val="dk1"/>
               </a:solidFill>
@@ -28377,7 +28437,7 @@
               <a:buNone/>
             </a:pPr>
             <a:r>
-              <a:rPr lang="en-US" sz="2800" b="1">
+              <a:rPr lang="en-US" sz="2800" b="1" dirty="0">
                 <a:solidFill>
                   <a:srgbClr val="674EA7"/>
                 </a:solidFill>
@@ -28385,14 +28445,14 @@
               <a:t>AND</a:t>
             </a:r>
             <a:r>
-              <a:rPr lang="en-US" sz="2800">
+              <a:rPr lang="en-US" sz="2800" dirty="0">
                 <a:solidFill>
                   <a:schemeClr val="dk1"/>
                 </a:solidFill>
               </a:rPr>
-              <a:t> category = ‘actress in a leading role’</a:t>
-            </a:r>
-            <a:endParaRPr sz="2800">
+              <a:t> category = 'actress in a leading role'</a:t>
+            </a:r>
+            <a:endParaRPr sz="2800" dirty="0">
               <a:solidFill>
                 <a:schemeClr val="dk1"/>
               </a:solidFill>
@@ -28414,7 +28474,7 @@
               <a:buNone/>
             </a:pPr>
             <a:r>
-              <a:rPr lang="en-US" sz="2800" b="1">
+              <a:rPr lang="en-US" sz="2800" b="1" dirty="0">
                 <a:solidFill>
                   <a:srgbClr val="674EA7"/>
                 </a:solidFill>
@@ -28422,14 +28482,14 @@
               <a:t>AND </a:t>
             </a:r>
             <a:r>
-              <a:rPr lang="en-US" sz="2800">
+              <a:rPr lang="en-US" sz="2800" dirty="0">
                 <a:solidFill>
                   <a:schemeClr val="dk1"/>
                 </a:solidFill>
               </a:rPr>
-              <a:t>winner = ‘true’</a:t>
-            </a:r>
-            <a:endParaRPr sz="2800">
+              <a:t>winner = true;</a:t>
+            </a:r>
+            <a:endParaRPr sz="2800" dirty="0">
               <a:solidFill>
                 <a:schemeClr val="dk1"/>
               </a:solidFill>
@@ -28437,6 +28497,88 @@
           </a:p>
         </p:txBody>
       </p:sp>
+      <p:sp>
+        <p:nvSpPr>
+          <p:cNvPr id="9" name="Shape 453">
+            <a:extLst>
+              <a:ext uri="{FF2B5EF4-FFF2-40B4-BE49-F238E27FC236}">
+                <a16:creationId xmlns:a16="http://schemas.microsoft.com/office/drawing/2014/main" id="{93A6E530-7A5A-4875-A392-7886EC95CEF1}"/>
+              </a:ext>
+            </a:extLst>
+          </p:cNvPr>
+          <p:cNvSpPr txBox="1"/>
+          <p:nvPr/>
+        </p:nvSpPr>
+        <p:spPr>
+          <a:xfrm>
+            <a:off x="2814763" y="5358675"/>
+            <a:ext cx="4593300" cy="579000"/>
+          </a:xfrm>
+          <a:prstGeom prst="rect">
+            <a:avLst/>
+          </a:prstGeom>
+          <a:noFill/>
+          <a:ln>
+            <a:noFill/>
+          </a:ln>
+        </p:spPr>
+        <p:txBody>
+          <a:bodyPr spcFirstLastPara="1" wrap="square" lIns="91425" tIns="91425" rIns="91425" bIns="91425" anchor="t" anchorCtr="0">
+            <a:noAutofit/>
+          </a:bodyPr>
+          <a:lstStyle/>
+          <a:p>
+            <a:pPr marL="0" lvl="0" indent="0" rtl="0">
+              <a:spcBef>
+                <a:spcPts val="0"/>
+              </a:spcBef>
+              <a:spcAft>
+                <a:spcPts val="0"/>
+              </a:spcAft>
+              <a:buNone/>
+            </a:pPr>
+            <a:r>
+              <a:rPr lang="en-US" dirty="0"/>
+              <a:t>Note: true is a special case for binary values. It can be expressed as either true (in symbolic form) or ‘true’ (in string form)</a:t>
+            </a:r>
+            <a:endParaRPr dirty="0"/>
+          </a:p>
+        </p:txBody>
+      </p:sp>
+      <p:cxnSp>
+        <p:nvCxnSpPr>
+          <p:cNvPr id="10" name="Shape 454">
+            <a:extLst>
+              <a:ext uri="{FF2B5EF4-FFF2-40B4-BE49-F238E27FC236}">
+                <a16:creationId xmlns:a16="http://schemas.microsoft.com/office/drawing/2014/main" id="{7AFF512B-51E9-4E19-A6A3-AE3A671ABD02}"/>
+              </a:ext>
+            </a:extLst>
+          </p:cNvPr>
+          <p:cNvCxnSpPr>
+            <a:cxnSpLocks/>
+          </p:cNvCxnSpPr>
+          <p:nvPr/>
+        </p:nvCxnSpPr>
+        <p:spPr>
+          <a:xfrm flipH="1" flipV="1">
+            <a:off x="3538032" y="5265953"/>
+            <a:ext cx="522666" cy="117236"/>
+          </a:xfrm>
+          <a:prstGeom prst="straightConnector1">
+            <a:avLst/>
+          </a:prstGeom>
+          <a:noFill/>
+          <a:ln w="9525" cap="flat" cmpd="sng">
+            <a:solidFill>
+              <a:schemeClr val="dk2"/>
+            </a:solidFill>
+            <a:prstDash val="solid"/>
+            <a:round/>
+            <a:headEnd type="none" w="med" len="med"/>
+            <a:tailEnd type="triangle" w="med" len="med"/>
+          </a:ln>
+        </p:spPr>
+      </p:cxnSp>
     </p:spTree>
   </p:cSld>
   <p:clrMapOvr>
@@ -28694,7 +28836,7 @@
               <a:buNone/>
             </a:pPr>
             <a:r>
-              <a:rPr lang="en-US" sz="2800" b="1">
+              <a:rPr lang="en-US" sz="2800" b="1" dirty="0">
                 <a:solidFill>
                   <a:srgbClr val="E69138"/>
                 </a:solidFill>
@@ -28702,14 +28844,14 @@
               <a:t>SELECT</a:t>
             </a:r>
             <a:r>
-              <a:rPr lang="en-US" sz="2800">
+              <a:rPr lang="en-US" sz="2800" dirty="0">
                 <a:solidFill>
                   <a:schemeClr val="dk1"/>
                 </a:solidFill>
               </a:rPr>
               <a:t> movie, category, winner</a:t>
             </a:r>
-            <a:endParaRPr sz="2800">
+            <a:endParaRPr sz="2800" dirty="0">
               <a:solidFill>
                 <a:schemeClr val="dk1"/>
               </a:solidFill>
@@ -28726,7 +28868,7 @@
               <a:buNone/>
             </a:pPr>
             <a:r>
-              <a:rPr lang="en-US" sz="2800" b="1">
+              <a:rPr lang="en-US" sz="2800" b="1" dirty="0">
                 <a:solidFill>
                   <a:srgbClr val="3C78D8"/>
                 </a:solidFill>
@@ -28734,14 +28876,22 @@
               <a:t>FROM</a:t>
             </a:r>
             <a:r>
-              <a:rPr lang="en-US" sz="2800">
+              <a:rPr lang="en-US" sz="2800" dirty="0">
                 <a:solidFill>
                   <a:schemeClr val="dk1"/>
                 </a:solidFill>
               </a:rPr>
-              <a:t> tutorial.oscar_nominees</a:t>
-            </a:r>
-            <a:endParaRPr sz="2800">
+              <a:t> </a:t>
+            </a:r>
+            <a:r>
+              <a:rPr lang="en-US" sz="2800" dirty="0" err="1">
+                <a:solidFill>
+                  <a:schemeClr val="dk1"/>
+                </a:solidFill>
+              </a:rPr>
+              <a:t>tutorial.oscar_nominees</a:t>
+            </a:r>
+            <a:endParaRPr sz="2800" dirty="0">
               <a:solidFill>
                 <a:schemeClr val="dk1"/>
               </a:solidFill>
@@ -28758,7 +28908,7 @@
               <a:buNone/>
             </a:pPr>
             <a:r>
-              <a:rPr lang="en-US" sz="2800" b="1">
+              <a:rPr lang="en-US" sz="2800" b="1" dirty="0">
                 <a:solidFill>
                   <a:srgbClr val="674EA7"/>
                 </a:solidFill>
@@ -28766,14 +28916,14 @@
               <a:t>WHERE </a:t>
             </a:r>
             <a:r>
-              <a:rPr lang="en-US" sz="2800">
+              <a:rPr lang="en-US" sz="2800" dirty="0">
                 <a:solidFill>
                   <a:schemeClr val="dk1"/>
                 </a:solidFill>
               </a:rPr>
-              <a:t>movie = ‘A Streetcar Named Desire’</a:t>
-            </a:r>
-            <a:endParaRPr sz="2800">
+              <a:t>movie = 'A Streetcar Named Desire'</a:t>
+            </a:r>
+            <a:endParaRPr sz="2800" dirty="0">
               <a:solidFill>
                 <a:schemeClr val="dk1"/>
               </a:solidFill>
@@ -28790,7 +28940,7 @@
               <a:buNone/>
             </a:pPr>
             <a:r>
-              <a:rPr lang="en-US" sz="2800" b="1">
+              <a:rPr lang="en-US" sz="2800" b="1" dirty="0">
                 <a:solidFill>
                   <a:srgbClr val="674EA7"/>
                 </a:solidFill>
@@ -28798,14 +28948,14 @@
               <a:t>AND </a:t>
             </a:r>
             <a:r>
-              <a:rPr lang="en-US" sz="2800">
+              <a:rPr lang="en-US" sz="2800" dirty="0">
                 <a:solidFill>
                   <a:schemeClr val="dk1"/>
                 </a:solidFill>
               </a:rPr>
-              <a:t>winner = true</a:t>
-            </a:r>
-            <a:endParaRPr sz="2800">
+              <a:t>winner = true;</a:t>
+            </a:r>
+            <a:endParaRPr sz="2800" dirty="0">
               <a:solidFill>
                 <a:schemeClr val="dk1"/>
               </a:solidFill>
@@ -29162,10 +29312,10 @@
               <a:buNone/>
             </a:pPr>
             <a:r>
-              <a:rPr lang="en-US"/>
-              <a:t>What were the best movies of the 90’s?</a:t>
-            </a:r>
-            <a:endParaRPr/>
+              <a:rPr lang="en-US" dirty="0"/>
+              <a:t>What were the best movies of the 90's?</a:t>
+            </a:r>
+            <a:endParaRPr dirty="0"/>
           </a:p>
           <a:p>
             <a:pPr marL="342900" lvl="0" indent="-165100">
@@ -29177,7 +29327,7 @@
               </a:spcAft>
               <a:buNone/>
             </a:pPr>
-            <a:endParaRPr/>
+            <a:endParaRPr dirty="0"/>
           </a:p>
           <a:p>
             <a:pPr marL="342900" lvl="0" indent="-165100">
@@ -29190,10 +29340,14 @@
               <a:buNone/>
             </a:pPr>
             <a:r>
-              <a:rPr lang="en-US"/>
-              <a:t>Table: tutorial.nominee_filmography</a:t>
-            </a:r>
-            <a:endParaRPr/>
+              <a:rPr lang="en-US" dirty="0"/>
+              <a:t>Table: </a:t>
+            </a:r>
+            <a:r>
+              <a:rPr lang="en-US" dirty="0" err="1"/>
+              <a:t>tutorial.nominee_filmography</a:t>
+            </a:r>
+            <a:endParaRPr dirty="0"/>
           </a:p>
         </p:txBody>
       </p:sp>
@@ -29350,7 +29504,7 @@
               <a:buNone/>
             </a:pPr>
             <a:r>
-              <a:rPr lang="en-US" b="1">
+              <a:rPr lang="en-US" b="1" dirty="0">
                 <a:solidFill>
                   <a:srgbClr val="B45F06"/>
                 </a:solidFill>
@@ -29358,14 +29512,22 @@
               <a:t>SELECT</a:t>
             </a:r>
             <a:r>
-              <a:rPr lang="en-US" b="1"/>
+              <a:rPr lang="en-US" b="1" dirty="0"/>
               <a:t> DISTINCT</a:t>
             </a:r>
             <a:r>
-              <a:rPr lang="en-US"/>
-              <a:t> movie_title, rating</a:t>
-            </a:r>
-            <a:endParaRPr/>
+              <a:rPr lang="en-US" dirty="0"/>
+              <a:t> </a:t>
+            </a:r>
+            <a:r>
+              <a:rPr lang="en-US" dirty="0" err="1"/>
+              <a:t>movie_title</a:t>
+            </a:r>
+            <a:r>
+              <a:rPr lang="en-US" dirty="0"/>
+              <a:t>, rating</a:t>
+            </a:r>
+            <a:endParaRPr dirty="0"/>
           </a:p>
           <a:p>
             <a:pPr marL="342900" lvl="0" indent="-165100">
@@ -29383,7 +29545,7 @@
               <a:buNone/>
             </a:pPr>
             <a:r>
-              <a:rPr lang="en-US" b="1">
+              <a:rPr lang="en-US" b="1" dirty="0">
                 <a:solidFill>
                   <a:srgbClr val="3D85C6"/>
                 </a:solidFill>
@@ -29391,10 +29553,18 @@
               <a:t>FROM</a:t>
             </a:r>
             <a:r>
-              <a:rPr lang="en-US"/>
-              <a:t> tutorial.nominee_filmography </a:t>
-            </a:r>
-            <a:endParaRPr/>
+              <a:rPr lang="en-US" dirty="0"/>
+              <a:t> </a:t>
+            </a:r>
+            <a:r>
+              <a:rPr lang="en-US" dirty="0" err="1"/>
+              <a:t>tutorial.nominee_filmography</a:t>
+            </a:r>
+            <a:r>
+              <a:rPr lang="en-US" dirty="0"/>
+              <a:t> </a:t>
+            </a:r>
+            <a:endParaRPr dirty="0"/>
           </a:p>
           <a:p>
             <a:pPr marL="342900" lvl="0" indent="-165100">
@@ -29412,7 +29582,7 @@
               <a:buNone/>
             </a:pPr>
             <a:r>
-              <a:rPr lang="en-US" b="1">
+              <a:rPr lang="en-US" b="1" dirty="0">
                 <a:solidFill>
                   <a:srgbClr val="674EA7"/>
                 </a:solidFill>
@@ -29420,10 +29590,10 @@
               <a:t>WHERE</a:t>
             </a:r>
             <a:r>
-              <a:rPr lang="en-US"/>
+              <a:rPr lang="en-US" dirty="0"/>
               <a:t> rating &gt; 8</a:t>
             </a:r>
-            <a:endParaRPr/>
+            <a:endParaRPr dirty="0"/>
           </a:p>
           <a:p>
             <a:pPr marL="342900" lvl="0" indent="-165100">
@@ -29441,7 +29611,7 @@
               <a:buNone/>
             </a:pPr>
             <a:r>
-              <a:rPr lang="en-US" b="1">
+              <a:rPr lang="en-US" b="1" dirty="0">
                 <a:solidFill>
                   <a:srgbClr val="674EA7"/>
                 </a:solidFill>
@@ -29449,10 +29619,10 @@
               <a:t>AND</a:t>
             </a:r>
             <a:r>
-              <a:rPr lang="en-US"/>
+              <a:rPr lang="en-US" dirty="0"/>
               <a:t> year &lt; 2000</a:t>
             </a:r>
-            <a:endParaRPr/>
+            <a:endParaRPr dirty="0"/>
           </a:p>
           <a:p>
             <a:pPr marL="342900" lvl="0" indent="-165100">
@@ -29465,7 +29635,7 @@
               <a:buNone/>
             </a:pPr>
             <a:r>
-              <a:rPr lang="en-US" b="1">
+              <a:rPr lang="en-US" b="1" dirty="0">
                 <a:solidFill>
                   <a:srgbClr val="674EA7"/>
                 </a:solidFill>
@@ -29473,10 +29643,10 @@
               <a:t>AND</a:t>
             </a:r>
             <a:r>
-              <a:rPr lang="en-US"/>
-              <a:t> year &gt;= 1990</a:t>
-            </a:r>
-            <a:endParaRPr/>
+              <a:rPr lang="en-US" dirty="0"/>
+              <a:t> year &gt;= 1990;</a:t>
+            </a:r>
+            <a:endParaRPr dirty="0"/>
           </a:p>
           <a:p>
             <a:pPr marL="342900" lvl="0" indent="-165100">
@@ -29488,7 +29658,7 @@
               </a:spcAft>
               <a:buNone/>
             </a:pPr>
-            <a:endParaRPr/>
+            <a:endParaRPr dirty="0"/>
           </a:p>
           <a:p>
             <a:pPr marL="342900" lvl="0" indent="-165100">
@@ -29506,10 +29676,10 @@
               <a:buNone/>
             </a:pPr>
             <a:r>
-              <a:rPr lang="en-US"/>
+              <a:rPr lang="en-US" dirty="0"/>
               <a:t>Note: We are limited to films that had nominated actors and actresses. Also, watch out for duplicates!</a:t>
             </a:r>
-            <a:endParaRPr/>
+            <a:endParaRPr dirty="0"/>
           </a:p>
           <a:p>
             <a:pPr marL="342900" lvl="0" indent="-165100">
@@ -29526,7 +29696,7 @@
               <a:buFont typeface="Arial"/>
               <a:buNone/>
             </a:pPr>
-            <a:endParaRPr/>
+            <a:endParaRPr dirty="0"/>
           </a:p>
           <a:p>
             <a:pPr marL="342900" lvl="0" indent="-165100">
@@ -29538,7 +29708,7 @@
               </a:spcAft>
               <a:buNone/>
             </a:pPr>
-            <a:endParaRPr/>
+            <a:endParaRPr dirty="0"/>
           </a:p>
         </p:txBody>
       </p:sp>
@@ -29690,10 +29860,10 @@
               <a:buNone/>
             </a:pPr>
             <a:r>
-              <a:rPr lang="en-US"/>
-              <a:t>Since the beginning of 2010, how many days has Apple’s stock traded at a volume of less than 7 million (excluding days with 0 volume)? What are those dates?</a:t>
-            </a:r>
-            <a:endParaRPr/>
+              <a:rPr lang="en-US" dirty="0"/>
+              <a:t>Since the beginning of 2010, how many days has Apple's stock traded at a volume of less than 7 million (excluding days with 0 volume)? What are those dates?</a:t>
+            </a:r>
+            <a:endParaRPr dirty="0"/>
           </a:p>
           <a:p>
             <a:pPr marL="342900" lvl="0" indent="-165100">
@@ -29705,7 +29875,7 @@
               </a:spcAft>
               <a:buNone/>
             </a:pPr>
-            <a:endParaRPr/>
+            <a:endParaRPr dirty="0"/>
           </a:p>
           <a:p>
             <a:pPr marL="457200" lvl="0" indent="-406400" rtl="0">
@@ -29719,10 +29889,10 @@
               <a:buAutoNum type="arabicParenR"/>
             </a:pPr>
             <a:r>
-              <a:rPr lang="en-US"/>
+              <a:rPr lang="en-US" dirty="0"/>
               <a:t>Find the table</a:t>
             </a:r>
-            <a:endParaRPr/>
+            <a:endParaRPr dirty="0"/>
           </a:p>
           <a:p>
             <a:pPr marL="457200" lvl="0" indent="-406400" rtl="0">
@@ -29736,10 +29906,10 @@
               <a:buAutoNum type="arabicParenR"/>
             </a:pPr>
             <a:r>
-              <a:rPr lang="en-US"/>
+              <a:rPr lang="en-US" dirty="0"/>
               <a:t>Get familiar with the columns and fields</a:t>
             </a:r>
-            <a:endParaRPr/>
+            <a:endParaRPr dirty="0"/>
           </a:p>
           <a:p>
             <a:pPr marL="457200" lvl="0" indent="-406400" rtl="0">
@@ -29753,10 +29923,10 @@
               <a:buAutoNum type="arabicParenR"/>
             </a:pPr>
             <a:r>
-              <a:rPr lang="en-US"/>
+              <a:rPr lang="en-US" dirty="0"/>
               <a:t>Use comparative WHERE statements</a:t>
             </a:r>
-            <a:endParaRPr/>
+            <a:endParaRPr dirty="0"/>
           </a:p>
         </p:txBody>
       </p:sp>
@@ -30050,7 +30220,7 @@
               <a:buNone/>
             </a:pPr>
             <a:r>
-              <a:rPr lang="en-US" sz="2800" b="1">
+              <a:rPr lang="en-US" sz="2800" b="1" dirty="0">
                 <a:solidFill>
                   <a:srgbClr val="E69138"/>
                 </a:solidFill>
@@ -30058,14 +30228,14 @@
               <a:t>SELECT</a:t>
             </a:r>
             <a:r>
-              <a:rPr lang="en-US" sz="2800">
+              <a:rPr lang="en-US" sz="2800" dirty="0">
                 <a:solidFill>
                   <a:schemeClr val="dk1"/>
                 </a:solidFill>
               </a:rPr>
               <a:t> date, volume</a:t>
             </a:r>
-            <a:endParaRPr sz="2800">
+            <a:endParaRPr sz="2800" dirty="0">
               <a:solidFill>
                 <a:schemeClr val="dk1"/>
               </a:solidFill>
@@ -30082,7 +30252,7 @@
               <a:buNone/>
             </a:pPr>
             <a:r>
-              <a:rPr lang="en-US" sz="2800" b="1">
+              <a:rPr lang="en-US" sz="2800" b="1" dirty="0">
                 <a:solidFill>
                   <a:srgbClr val="3C78D8"/>
                 </a:solidFill>
@@ -30090,14 +30260,22 @@
               <a:t>FROM</a:t>
             </a:r>
             <a:r>
-              <a:rPr lang="en-US" sz="2800">
+              <a:rPr lang="en-US" sz="2800" dirty="0">
                 <a:solidFill>
                   <a:schemeClr val="dk1"/>
                 </a:solidFill>
               </a:rPr>
-              <a:t> tutorial.aapl_historical_stock_price</a:t>
-            </a:r>
-            <a:endParaRPr sz="2800">
+              <a:t> </a:t>
+            </a:r>
+            <a:r>
+              <a:rPr lang="en-US" sz="2800" dirty="0" err="1">
+                <a:solidFill>
+                  <a:schemeClr val="dk1"/>
+                </a:solidFill>
+              </a:rPr>
+              <a:t>tutorial.aapl_historical_stock_price</a:t>
+            </a:r>
+            <a:endParaRPr sz="2800" dirty="0">
               <a:solidFill>
                 <a:schemeClr val="dk1"/>
               </a:solidFill>
@@ -30114,7 +30292,7 @@
               <a:buNone/>
             </a:pPr>
             <a:r>
-              <a:rPr lang="en-US" sz="2800" b="1">
+              <a:rPr lang="en-US" sz="2800" b="1" dirty="0">
                 <a:solidFill>
                   <a:srgbClr val="674EA7"/>
                 </a:solidFill>
@@ -30122,14 +30300,14 @@
               <a:t>WHERE </a:t>
             </a:r>
             <a:r>
-              <a:rPr lang="en-US" sz="2800">
+              <a:rPr lang="en-US" sz="2800" dirty="0">
                 <a:solidFill>
                   <a:schemeClr val="dk1"/>
                 </a:solidFill>
               </a:rPr>
               <a:t>year &gt;= 2010</a:t>
             </a:r>
-            <a:endParaRPr sz="2800">
+            <a:endParaRPr sz="2800" dirty="0">
               <a:solidFill>
                 <a:schemeClr val="dk1"/>
               </a:solidFill>
@@ -30146,7 +30324,7 @@
               <a:buNone/>
             </a:pPr>
             <a:r>
-              <a:rPr lang="en-US" sz="2800" b="1">
+              <a:rPr lang="en-US" sz="2800" b="1" dirty="0">
                 <a:solidFill>
                   <a:srgbClr val="674EA7"/>
                 </a:solidFill>
@@ -30154,14 +30332,14 @@
               <a:t>AND </a:t>
             </a:r>
             <a:r>
-              <a:rPr lang="en-US" sz="2800">
+              <a:rPr lang="en-US" sz="2800" dirty="0">
                 <a:solidFill>
                   <a:schemeClr val="dk1"/>
                 </a:solidFill>
               </a:rPr>
               <a:t>volume &lt; 7000000</a:t>
             </a:r>
-            <a:endParaRPr sz="2800">
+            <a:endParaRPr sz="2800" dirty="0">
               <a:solidFill>
                 <a:schemeClr val="dk1"/>
               </a:solidFill>
@@ -30178,7 +30356,7 @@
               <a:buNone/>
             </a:pPr>
             <a:r>
-              <a:rPr lang="en-US" sz="2800" b="1">
+              <a:rPr lang="en-US" sz="2800" b="1" dirty="0">
                 <a:solidFill>
                   <a:srgbClr val="674EA7"/>
                 </a:solidFill>
@@ -30186,14 +30364,14 @@
               <a:t>AND</a:t>
             </a:r>
             <a:r>
-              <a:rPr lang="en-US" sz="2800">
+              <a:rPr lang="en-US" sz="2800" dirty="0">
                 <a:solidFill>
                   <a:schemeClr val="dk1"/>
                 </a:solidFill>
               </a:rPr>
-              <a:t> volume &lt;&gt; 0</a:t>
-            </a:r>
-            <a:endParaRPr sz="2800">
+              <a:t> volume &lt;&gt; 0;</a:t>
+            </a:r>
+            <a:endParaRPr sz="2800" dirty="0">
               <a:solidFill>
                 <a:schemeClr val="dk1"/>
               </a:solidFill>
@@ -30392,7 +30570,7 @@
             </a:pPr>
             <a:r>
               <a:rPr lang="en-US" dirty="0"/>
-              <a:t>BETWEEN		Results between two values</a:t>
+              <a:t>BETWEEN		Results between two values 						(inclusive)</a:t>
             </a:r>
             <a:endParaRPr dirty="0"/>
           </a:p>
@@ -30472,7 +30650,7 @@
             </a:pPr>
             <a:r>
               <a:rPr lang="en-US" dirty="0"/>
-              <a:t>					(NOT IN, NOT LIKE, NOT 						BETWEEN)</a:t>
+              <a:t>					(NOT IN, NOT LIKE, etc.)</a:t>
             </a:r>
             <a:endParaRPr dirty="0"/>
           </a:p>
@@ -30574,13 +30752,13 @@
       </p:cxnSp>
       <p:cxnSp>
         <p:nvCxnSpPr>
-          <p:cNvPr id="340" name="Shape 340"/>
+          <p:cNvPr id="341" name="Shape 341"/>
           <p:cNvCxnSpPr/>
           <p:nvPr/>
         </p:nvCxnSpPr>
         <p:spPr>
           <a:xfrm rot="10800000" flipH="1">
-            <a:off x="438325" y="3080850"/>
+            <a:off x="438325" y="3649675"/>
             <a:ext cx="8410500" cy="18300"/>
           </a:xfrm>
           <a:prstGeom prst="straightConnector1">
@@ -30600,13 +30778,13 @@
       </p:cxnSp>
       <p:cxnSp>
         <p:nvCxnSpPr>
-          <p:cNvPr id="341" name="Shape 341"/>
+          <p:cNvPr id="342" name="Shape 342"/>
           <p:cNvCxnSpPr/>
           <p:nvPr/>
         </p:nvCxnSpPr>
         <p:spPr>
           <a:xfrm rot="10800000" flipH="1">
-            <a:off x="438325" y="3649675"/>
+            <a:off x="438325" y="4145375"/>
             <a:ext cx="8410500" cy="18300"/>
           </a:xfrm>
           <a:prstGeom prst="straightConnector1">
@@ -30626,13 +30804,13 @@
       </p:cxnSp>
       <p:cxnSp>
         <p:nvCxnSpPr>
-          <p:cNvPr id="342" name="Shape 342"/>
+          <p:cNvPr id="343" name="Shape 343"/>
           <p:cNvCxnSpPr/>
           <p:nvPr/>
         </p:nvCxnSpPr>
         <p:spPr>
           <a:xfrm rot="10800000" flipH="1">
-            <a:off x="438325" y="4145375"/>
+            <a:off x="438325" y="4626525"/>
             <a:ext cx="8410500" cy="18300"/>
           </a:xfrm>
           <a:prstGeom prst="straightConnector1">
@@ -30652,13 +30830,19 @@
       </p:cxnSp>
       <p:cxnSp>
         <p:nvCxnSpPr>
-          <p:cNvPr id="343" name="Shape 343"/>
+          <p:cNvPr id="11" name="Shape 343">
+            <a:extLst>
+              <a:ext uri="{FF2B5EF4-FFF2-40B4-BE49-F238E27FC236}">
+                <a16:creationId xmlns:a16="http://schemas.microsoft.com/office/drawing/2014/main" id="{37D20607-4DEE-4C3D-BD63-F96E7736B446}"/>
+              </a:ext>
+            </a:extLst>
+          </p:cNvPr>
           <p:cNvCxnSpPr/>
           <p:nvPr/>
         </p:nvCxnSpPr>
         <p:spPr>
           <a:xfrm rot="10800000" flipH="1">
-            <a:off x="438325" y="4626525"/>
+            <a:off x="438325" y="5107675"/>
             <a:ext cx="8410500" cy="18300"/>
           </a:xfrm>
           <a:prstGeom prst="straightConnector1">
@@ -31007,10 +31191,10 @@
               <a:buNone/>
             </a:pPr>
             <a:r>
-              <a:rPr lang="en-US" sz="2400"/>
+              <a:rPr lang="en-US" sz="2400" dirty="0"/>
               <a:t>What are the populations of cities that start with S?</a:t>
             </a:r>
-            <a:endParaRPr sz="2400"/>
+            <a:endParaRPr sz="2400" dirty="0"/>
           </a:p>
           <a:p>
             <a:pPr marL="177800" lvl="0" indent="0" rtl="0">
@@ -31022,7 +31206,7 @@
               </a:spcAft>
               <a:buNone/>
             </a:pPr>
-            <a:endParaRPr sz="2400"/>
+            <a:endParaRPr sz="2400" dirty="0"/>
           </a:p>
           <a:p>
             <a:pPr marL="177800" lvl="0" indent="0" rtl="0">
@@ -31040,7 +31224,7 @@
               <a:buNone/>
             </a:pPr>
             <a:r>
-              <a:rPr lang="en-US" sz="2400" b="1">
+              <a:rPr lang="en-US" sz="2400" b="1" dirty="0">
                 <a:solidFill>
                   <a:srgbClr val="E69138"/>
                 </a:solidFill>
@@ -31048,10 +31232,10 @@
               <a:t>SELECT</a:t>
             </a:r>
             <a:r>
-              <a:rPr lang="en-US" sz="2400"/>
+              <a:rPr lang="en-US" sz="2400" dirty="0"/>
               <a:t> city, state, population_estimate_2012 as pop</a:t>
             </a:r>
-            <a:endParaRPr sz="2400"/>
+            <a:endParaRPr sz="2400" dirty="0"/>
           </a:p>
           <a:p>
             <a:pPr marL="177800" lvl="0" indent="0" rtl="0">
@@ -31069,7 +31253,7 @@
               <a:buNone/>
             </a:pPr>
             <a:r>
-              <a:rPr lang="en-US" sz="2400" b="1">
+              <a:rPr lang="en-US" sz="2400" b="1" dirty="0">
                 <a:solidFill>
                   <a:srgbClr val="3C78D8"/>
                 </a:solidFill>
@@ -31077,10 +31261,14 @@
               <a:t>FROM</a:t>
             </a:r>
             <a:r>
-              <a:rPr lang="en-US" sz="2400"/>
-              <a:t> tutorial.city_populations</a:t>
-            </a:r>
-            <a:endParaRPr sz="2400"/>
+              <a:rPr lang="en-US" sz="2400" dirty="0"/>
+              <a:t> </a:t>
+            </a:r>
+            <a:r>
+              <a:rPr lang="en-US" sz="2400" dirty="0" err="1"/>
+              <a:t>tutorial.city_populations</a:t>
+            </a:r>
+            <a:endParaRPr sz="2400" dirty="0"/>
           </a:p>
           <a:p>
             <a:pPr marL="177800" lvl="0" indent="0" rtl="0">
@@ -31098,7 +31286,7 @@
               <a:buNone/>
             </a:pPr>
             <a:r>
-              <a:rPr lang="en-US" sz="2400" b="1">
+              <a:rPr lang="en-US" sz="2400" b="1" dirty="0">
                 <a:solidFill>
                   <a:srgbClr val="674EA7"/>
                 </a:solidFill>
@@ -31106,18 +31294,18 @@
               <a:t>WHERE </a:t>
             </a:r>
             <a:r>
-              <a:rPr lang="en-US" sz="2400"/>
+              <a:rPr lang="en-US" sz="2400" dirty="0"/>
               <a:t>city </a:t>
             </a:r>
             <a:r>
-              <a:rPr lang="en-US" sz="2400" b="1"/>
+              <a:rPr lang="en-US" sz="2400" b="1" dirty="0"/>
               <a:t>LIKE</a:t>
             </a:r>
             <a:r>
-              <a:rPr lang="en-US" sz="2400"/>
-              <a:t> ‘S%’</a:t>
-            </a:r>
-            <a:endParaRPr sz="2400"/>
+              <a:rPr lang="en-US" sz="2400" dirty="0"/>
+              <a:t> 'S%’;</a:t>
+            </a:r>
+            <a:endParaRPr sz="2400" dirty="0"/>
           </a:p>
           <a:p>
             <a:pPr marL="177800" lvl="0" indent="0" rtl="0">
@@ -31129,7 +31317,7 @@
               </a:spcAft>
               <a:buNone/>
             </a:pPr>
-            <a:endParaRPr sz="2400"/>
+            <a:endParaRPr sz="2400" dirty="0"/>
           </a:p>
           <a:p>
             <a:pPr marL="177800" lvl="0" indent="0" rtl="0">
@@ -31146,7 +31334,7 @@
               <a:buFont typeface="Arial"/>
               <a:buNone/>
             </a:pPr>
-            <a:endParaRPr sz="2400"/>
+            <a:endParaRPr sz="2400" dirty="0"/>
           </a:p>
         </p:txBody>
       </p:sp>
@@ -31224,6 +31412,96 @@
           </a:ln>
         </p:spPr>
       </p:pic>
+      <p:sp>
+        <p:nvSpPr>
+          <p:cNvPr id="6" name="Shape 453">
+            <a:extLst>
+              <a:ext uri="{FF2B5EF4-FFF2-40B4-BE49-F238E27FC236}">
+                <a16:creationId xmlns:a16="http://schemas.microsoft.com/office/drawing/2014/main" id="{92B21069-C893-4DF8-9E69-FDE38F50109E}"/>
+              </a:ext>
+            </a:extLst>
+          </p:cNvPr>
+          <p:cNvSpPr txBox="1"/>
+          <p:nvPr/>
+        </p:nvSpPr>
+        <p:spPr>
+          <a:xfrm>
+            <a:off x="4343400" y="3136150"/>
+            <a:ext cx="4800600" cy="579000"/>
+          </a:xfrm>
+          <a:prstGeom prst="rect">
+            <a:avLst/>
+          </a:prstGeom>
+          <a:noFill/>
+          <a:ln>
+            <a:noFill/>
+          </a:ln>
+        </p:spPr>
+        <p:txBody>
+          <a:bodyPr spcFirstLastPara="1" wrap="square" lIns="91425" tIns="91425" rIns="91425" bIns="91425" anchor="t" anchorCtr="0">
+            <a:noAutofit/>
+          </a:bodyPr>
+          <a:lstStyle/>
+          <a:p>
+            <a:pPr marL="0" lvl="0" indent="0" rtl="0">
+              <a:spcBef>
+                <a:spcPts val="0"/>
+              </a:spcBef>
+              <a:spcAft>
+                <a:spcPts val="0"/>
+              </a:spcAft>
+              <a:buNone/>
+            </a:pPr>
+            <a:r>
+              <a:rPr lang="en-US" dirty="0"/>
+              <a:t>“%” is a wildcard that can represent 1 or more characters. “_” (</a:t>
+            </a:r>
+            <a:r>
+              <a:rPr lang="en-US" i="1" dirty="0"/>
+              <a:t>underscore</a:t>
+            </a:r>
+            <a:r>
+              <a:rPr lang="en-US" dirty="0"/>
+              <a:t>) is a single character wildcard.</a:t>
+            </a:r>
+            <a:endParaRPr dirty="0"/>
+          </a:p>
+        </p:txBody>
+      </p:sp>
+      <p:cxnSp>
+        <p:nvCxnSpPr>
+          <p:cNvPr id="7" name="Shape 454">
+            <a:extLst>
+              <a:ext uri="{FF2B5EF4-FFF2-40B4-BE49-F238E27FC236}">
+                <a16:creationId xmlns:a16="http://schemas.microsoft.com/office/drawing/2014/main" id="{0B188897-C63D-46BE-85AD-9ADA4C123481}"/>
+              </a:ext>
+            </a:extLst>
+          </p:cNvPr>
+          <p:cNvCxnSpPr>
+            <a:cxnSpLocks/>
+          </p:cNvCxnSpPr>
+          <p:nvPr/>
+        </p:nvCxnSpPr>
+        <p:spPr>
+          <a:xfrm flipH="1">
+            <a:off x="3914550" y="3399600"/>
+            <a:ext cx="428850" cy="0"/>
+          </a:xfrm>
+          <a:prstGeom prst="straightConnector1">
+            <a:avLst/>
+          </a:prstGeom>
+          <a:noFill/>
+          <a:ln w="9525" cap="flat" cmpd="sng">
+            <a:solidFill>
+              <a:schemeClr val="dk2"/>
+            </a:solidFill>
+            <a:prstDash val="solid"/>
+            <a:round/>
+            <a:headEnd type="none" w="med" len="med"/>
+            <a:tailEnd type="triangle" w="med" len="med"/>
+          </a:ln>
+        </p:spPr>
+      </p:cxnSp>
     </p:spTree>
   </p:cSld>
   <p:clrMapOvr>
@@ -31399,7 +31677,7 @@
               </a:spcAft>
               <a:buNone/>
             </a:pPr>
-            <a:endParaRPr sz="2800">
+            <a:endParaRPr sz="2800" dirty="0">
               <a:solidFill>
                 <a:schemeClr val="dk1"/>
               </a:solidFill>
@@ -31425,7 +31703,7 @@
               <a:buChar char="•"/>
             </a:pPr>
             <a:r>
-              <a:rPr lang="en-US" sz="2800">
+              <a:rPr lang="en-US" sz="2800" dirty="0">
                 <a:solidFill>
                   <a:schemeClr val="dk1"/>
                 </a:solidFill>
@@ -31436,7 +31714,7 @@
               </a:rPr>
               <a:t>SQL stands for “Structured Query Language”</a:t>
             </a:r>
-            <a:endParaRPr/>
+            <a:endParaRPr dirty="0"/>
           </a:p>
           <a:p>
             <a:pPr marL="285750" marR="0" lvl="0" indent="-107950" algn="l" rtl="0">
@@ -31453,7 +31731,7 @@
               <a:buFont typeface="Arial"/>
               <a:buNone/>
             </a:pPr>
-            <a:endParaRPr sz="2800">
+            <a:endParaRPr sz="2800" dirty="0">
               <a:solidFill>
                 <a:schemeClr val="dk1"/>
               </a:solidFill>
@@ -31479,7 +31757,7 @@
               <a:buChar char="•"/>
             </a:pPr>
             <a:r>
-              <a:rPr lang="en-US" sz="2800">
+              <a:rPr lang="en-US" sz="2800" dirty="0">
                 <a:solidFill>
                   <a:schemeClr val="dk1"/>
                 </a:solidFill>
@@ -31490,7 +31768,7 @@
               </a:rPr>
               <a:t>SQL is a way to pull the information you need out of a relational database (“query”)</a:t>
             </a:r>
-            <a:endParaRPr sz="2800">
+            <a:endParaRPr sz="2800" dirty="0">
               <a:solidFill>
                 <a:schemeClr val="dk1"/>
               </a:solidFill>
@@ -31515,7 +31793,7 @@
               <a:buFont typeface="Arial"/>
               <a:buNone/>
             </a:pPr>
-            <a:endParaRPr sz="2800">
+            <a:endParaRPr sz="2800" dirty="0">
               <a:solidFill>
                 <a:schemeClr val="dk1"/>
               </a:solidFill>
@@ -31541,7 +31819,7 @@
               <a:buChar char="•"/>
             </a:pPr>
             <a:r>
-              <a:rPr lang="en-US" sz="2800">
+              <a:rPr lang="en-US" sz="2800" dirty="0">
                 <a:solidFill>
                   <a:schemeClr val="dk1"/>
                 </a:solidFill>
@@ -31550,9 +31828,9 @@
                 <a:cs typeface="Arial"/>
                 <a:sym typeface="Arial"/>
               </a:rPr>
-              <a:t>You’ll probably use it to fetch summary information from a central data warehouse and then do additional analysis in Excel/R/etc.</a:t>
-            </a:r>
-            <a:endParaRPr/>
+              <a:t>You'll probably use it to fetch summary information from a central data warehouse and then do additional analysis in Excel/R/etc.</a:t>
+            </a:r>
+            <a:endParaRPr dirty="0"/>
           </a:p>
         </p:txBody>
       </p:sp>
@@ -31958,10 +32236,10 @@
               <a:buNone/>
             </a:pPr>
             <a:r>
-              <a:rPr lang="en-US" sz="2200"/>
+              <a:rPr lang="en-US" sz="2200" dirty="0"/>
               <a:t>What are the medium-sized cities on the West Coast?</a:t>
             </a:r>
-            <a:endParaRPr sz="2200"/>
+            <a:endParaRPr sz="2200" dirty="0"/>
           </a:p>
           <a:p>
             <a:pPr marL="177800" lvl="0" indent="0" rtl="0">
@@ -31973,7 +32251,7 @@
               </a:spcAft>
               <a:buNone/>
             </a:pPr>
-            <a:endParaRPr sz="2200"/>
+            <a:endParaRPr sz="2200" dirty="0"/>
           </a:p>
           <a:p>
             <a:pPr marL="177800" lvl="0" indent="0" rtl="0">
@@ -31986,7 +32264,7 @@
               <a:buNone/>
             </a:pPr>
             <a:r>
-              <a:rPr lang="en-US" sz="2200" b="1">
+              <a:rPr lang="en-US" sz="2200" b="1" dirty="0">
                 <a:solidFill>
                   <a:srgbClr val="E69138"/>
                 </a:solidFill>
@@ -31994,10 +32272,18 @@
               <a:t>SELECT</a:t>
             </a:r>
             <a:r>
-              <a:rPr lang="en-US" sz="2200"/>
-              <a:t> city, state, population_estimate_2012 as pop</a:t>
-            </a:r>
-            <a:endParaRPr sz="2200"/>
+              <a:rPr lang="en-US" sz="2200" dirty="0"/>
+              <a:t> city, state, population_estimate_2012 </a:t>
+            </a:r>
+            <a:r>
+              <a:rPr lang="en-US" sz="2200" b="1" dirty="0"/>
+              <a:t>AS</a:t>
+            </a:r>
+            <a:r>
+              <a:rPr lang="en-US" sz="2200" dirty="0"/>
+              <a:t> pop</a:t>
+            </a:r>
+            <a:endParaRPr sz="2200" dirty="0"/>
           </a:p>
           <a:p>
             <a:pPr marL="177800" lvl="0" indent="0" rtl="0">
@@ -32010,7 +32296,7 @@
               <a:buNone/>
             </a:pPr>
             <a:r>
-              <a:rPr lang="en-US" sz="2200" b="1">
+              <a:rPr lang="en-US" sz="2200" b="1" dirty="0">
                 <a:solidFill>
                   <a:srgbClr val="3C78D8"/>
                 </a:solidFill>
@@ -32018,10 +32304,14 @@
               <a:t>FROM</a:t>
             </a:r>
             <a:r>
-              <a:rPr lang="en-US" sz="2200"/>
-              <a:t> tutorial.city_populations</a:t>
-            </a:r>
-            <a:endParaRPr sz="2200"/>
+              <a:rPr lang="en-US" sz="2200" dirty="0"/>
+              <a:t> </a:t>
+            </a:r>
+            <a:r>
+              <a:rPr lang="en-US" sz="2200" dirty="0" err="1"/>
+              <a:t>tutorial.city_populations</a:t>
+            </a:r>
+            <a:endParaRPr sz="2200" dirty="0"/>
           </a:p>
           <a:p>
             <a:pPr marL="177800" lvl="0" indent="0" rtl="0">
@@ -32034,7 +32324,7 @@
               <a:buNone/>
             </a:pPr>
             <a:r>
-              <a:rPr lang="en-US" sz="2200" b="1">
+              <a:rPr lang="en-US" sz="2200" b="1" dirty="0">
                 <a:solidFill>
                   <a:srgbClr val="674EA7"/>
                 </a:solidFill>
@@ -32042,18 +32332,18 @@
               <a:t>WHERE </a:t>
             </a:r>
             <a:r>
-              <a:rPr lang="en-US" sz="2200"/>
+              <a:rPr lang="en-US" sz="2200" dirty="0"/>
               <a:t>state </a:t>
             </a:r>
             <a:r>
-              <a:rPr lang="en-US" sz="2200" b="1"/>
+              <a:rPr lang="en-US" sz="2200" b="1" dirty="0"/>
               <a:t>IN</a:t>
             </a:r>
             <a:r>
-              <a:rPr lang="en-US" sz="2200"/>
-              <a:t> (‘CA’, ‘WA’, ‘OR’)</a:t>
-            </a:r>
-            <a:endParaRPr sz="2200"/>
+              <a:rPr lang="en-US" sz="2200" dirty="0"/>
+              <a:t> ('CA', 'WA', 'OR')</a:t>
+            </a:r>
+            <a:endParaRPr sz="2200" dirty="0"/>
           </a:p>
           <a:p>
             <a:pPr marL="177800" lvl="0" indent="0" rtl="0">
@@ -32066,7 +32356,7 @@
               <a:buNone/>
             </a:pPr>
             <a:r>
-              <a:rPr lang="en-US" sz="2200" b="1">
+              <a:rPr lang="en-US" sz="2200" b="1" dirty="0">
                 <a:solidFill>
                   <a:srgbClr val="674EA7"/>
                 </a:solidFill>
@@ -32074,18 +32364,18 @@
               <a:t>AND</a:t>
             </a:r>
             <a:r>
-              <a:rPr lang="en-US" sz="2200"/>
+              <a:rPr lang="en-US" sz="2200" dirty="0"/>
               <a:t> population_estimate_2012 </a:t>
             </a:r>
             <a:r>
-              <a:rPr lang="en-US" sz="2200" b="1"/>
+              <a:rPr lang="en-US" sz="2200" b="1" dirty="0"/>
               <a:t>BETWEEN</a:t>
             </a:r>
             <a:r>
-              <a:rPr lang="en-US" sz="2200"/>
-              <a:t> 200000 and 1000000</a:t>
-            </a:r>
-            <a:endParaRPr sz="2200"/>
+              <a:rPr lang="en-US" sz="2200" dirty="0"/>
+              <a:t> 200000 and 1000000;</a:t>
+            </a:r>
+            <a:endParaRPr sz="2200" dirty="0"/>
           </a:p>
           <a:p>
             <a:pPr marL="177800" lvl="0" indent="0" rtl="0">
@@ -32097,7 +32387,7 @@
               </a:spcAft>
               <a:buNone/>
             </a:pPr>
-            <a:endParaRPr sz="2400"/>
+            <a:endParaRPr sz="2400" dirty="0"/>
           </a:p>
           <a:p>
             <a:pPr marL="177800" lvl="0" indent="0" rtl="0">
@@ -32109,7 +32399,7 @@
               </a:spcAft>
               <a:buNone/>
             </a:pPr>
-            <a:endParaRPr sz="2400"/>
+            <a:endParaRPr sz="2400" dirty="0"/>
           </a:p>
         </p:txBody>
       </p:sp>
@@ -32283,10 +32573,10 @@
               <a:buNone/>
             </a:pPr>
             <a:r>
-              <a:rPr lang="en-US"/>
+              <a:rPr lang="en-US" dirty="0"/>
               <a:t>ORDER</a:t>
             </a:r>
-            <a:endParaRPr/>
+            <a:endParaRPr dirty="0"/>
           </a:p>
         </p:txBody>
       </p:sp>
@@ -32367,7 +32657,7 @@
             <a:r>
               <a:rPr lang="en-US" b="1" dirty="0">
                 <a:solidFill>
-                  <a:srgbClr val="674EA7"/>
+                  <a:schemeClr val="tx1"/>
                 </a:solidFill>
               </a:rPr>
               <a:t>ASC</a:t>
@@ -32379,7 +32669,7 @@
             <a:r>
               <a:rPr lang="en-US" b="1" dirty="0">
                 <a:solidFill>
-                  <a:srgbClr val="674EA7"/>
+                  <a:schemeClr val="tx1"/>
                 </a:solidFill>
               </a:rPr>
               <a:t>DESC</a:t>
@@ -32484,10 +32774,18 @@
             <a:r>
               <a:rPr lang="en-US" b="1" dirty="0">
                 <a:solidFill>
-                  <a:srgbClr val="674EA7"/>
+                  <a:schemeClr val="tx1"/>
                 </a:solidFill>
               </a:rPr>
               <a:t>ASC</a:t>
+            </a:r>
+            <a:r>
+              <a:rPr lang="en-US" b="1" dirty="0">
+                <a:solidFill>
+                  <a:srgbClr val="674EA7"/>
+                </a:solidFill>
+              </a:rPr>
+              <a:t>;</a:t>
             </a:r>
             <a:endParaRPr sz="1800" dirty="0"/>
           </a:p>
@@ -32857,7 +33155,15 @@
             </a:r>
             <a:r>
               <a:rPr lang="en-US" sz="2200" dirty="0"/>
-              <a:t> city, state, population_estimate_2012 as pop</a:t>
+              <a:t> city, state, population_estimate_2012 </a:t>
+            </a:r>
+            <a:r>
+              <a:rPr lang="en-US" sz="2200" b="1" dirty="0"/>
+              <a:t>AS</a:t>
+            </a:r>
+            <a:r>
+              <a:rPr lang="en-US" sz="2200" dirty="0"/>
+              <a:t> pop</a:t>
             </a:r>
             <a:endParaRPr sz="2200" dirty="0"/>
           </a:p>
@@ -32917,7 +33223,7 @@
             </a:r>
             <a:r>
               <a:rPr lang="en-US" sz="2200" dirty="0"/>
-              <a:t> (‘CA’, ‘TX’, ‘FL’,’NY’)</a:t>
+              <a:t> ('CA', 'TX', 'FL','NY')</a:t>
             </a:r>
             <a:endParaRPr sz="2200" dirty="0"/>
           </a:p>
@@ -32941,7 +33247,7 @@
             </a:r>
             <a:r>
               <a:rPr lang="en-US" sz="2200" dirty="0"/>
-              <a:t>3 </a:t>
+              <a:t>pop </a:t>
             </a:r>
             <a:r>
               <a:rPr lang="en-US" sz="2200" b="1" dirty="0"/>
@@ -32977,7 +33283,7 @@
                   <a:srgbClr val="000000"/>
                 </a:solidFill>
               </a:rPr>
-              <a:t>10</a:t>
+              <a:t>10;</a:t>
             </a:r>
             <a:endParaRPr sz="2200" dirty="0">
               <a:solidFill>
@@ -33053,74 +33359,6 @@
           </a:p>
         </p:txBody>
       </p:sp>
-      <p:sp>
-        <p:nvSpPr>
-          <p:cNvPr id="403" name="Shape 403"/>
-          <p:cNvSpPr txBox="1"/>
-          <p:nvPr/>
-        </p:nvSpPr>
-        <p:spPr>
-          <a:xfrm>
-            <a:off x="3415325" y="3250925"/>
-            <a:ext cx="4593300" cy="579000"/>
-          </a:xfrm>
-          <a:prstGeom prst="rect">
-            <a:avLst/>
-          </a:prstGeom>
-          <a:noFill/>
-          <a:ln>
-            <a:noFill/>
-          </a:ln>
-        </p:spPr>
-        <p:txBody>
-          <a:bodyPr spcFirstLastPara="1" wrap="square" lIns="91425" tIns="91425" rIns="91425" bIns="91425" anchor="t" anchorCtr="0">
-            <a:noAutofit/>
-          </a:bodyPr>
-          <a:lstStyle/>
-          <a:p>
-            <a:pPr marL="0" lvl="0" indent="0">
-              <a:spcBef>
-                <a:spcPts val="0"/>
-              </a:spcBef>
-              <a:spcAft>
-                <a:spcPts val="0"/>
-              </a:spcAft>
-              <a:buNone/>
-            </a:pPr>
-            <a:r>
-              <a:rPr lang="en-US"/>
-              <a:t>Note: Orders by the third column in descending order. Can also use ascending (ASC)</a:t>
-            </a:r>
-            <a:endParaRPr/>
-          </a:p>
-        </p:txBody>
-      </p:sp>
-      <p:cxnSp>
-        <p:nvCxnSpPr>
-          <p:cNvPr id="404" name="Shape 404"/>
-          <p:cNvCxnSpPr/>
-          <p:nvPr/>
-        </p:nvCxnSpPr>
-        <p:spPr>
-          <a:xfrm rot="10800000">
-            <a:off x="2858225" y="3340675"/>
-            <a:ext cx="557100" cy="97800"/>
-          </a:xfrm>
-          <a:prstGeom prst="straightConnector1">
-            <a:avLst/>
-          </a:prstGeom>
-          <a:noFill/>
-          <a:ln w="9525" cap="flat" cmpd="sng">
-            <a:solidFill>
-              <a:schemeClr val="dk2"/>
-            </a:solidFill>
-            <a:prstDash val="solid"/>
-            <a:round/>
-            <a:headEnd type="none" w="med" len="med"/>
-            <a:tailEnd type="triangle" w="med" len="med"/>
-          </a:ln>
-        </p:spPr>
-      </p:cxnSp>
       <p:pic>
         <p:nvPicPr>
           <p:cNvPr id="405" name="Shape 405"/>
@@ -33936,7 +34174,7 @@
                   <a:schemeClr val="dk1"/>
                 </a:solidFill>
               </a:rPr>
-              <a:t> ‘%tea’</a:t>
+              <a:t> '%tea'</a:t>
             </a:r>
             <a:endParaRPr sz="2400" dirty="0">
               <a:solidFill>
@@ -33992,7 +34230,7 @@
                   <a:schemeClr val="dk1"/>
                 </a:solidFill>
               </a:rPr>
-              <a:t>(‘beverages’,’</a:t>
+              <a:t>('beverages','</a:t>
             </a:r>
             <a:r>
               <a:rPr lang="en-US" sz="2400" dirty="0" err="1">
@@ -34008,7 +34246,7 @@
                   <a:schemeClr val="dk1"/>
                 </a:solidFill>
               </a:rPr>
-              <a:t>’)</a:t>
+              <a:t>')</a:t>
             </a:r>
             <a:endParaRPr sz="2400" dirty="0">
               <a:solidFill>
@@ -34040,7 +34278,23 @@
                   <a:schemeClr val="dk1"/>
                 </a:solidFill>
               </a:rPr>
-              <a:t> 3 </a:t>
+              <a:t> </a:t>
+            </a:r>
+            <a:r>
+              <a:rPr lang="en-US" sz="2400" dirty="0" err="1">
+                <a:solidFill>
+                  <a:schemeClr val="dk1"/>
+                </a:solidFill>
+              </a:rPr>
+              <a:t>price_unit</a:t>
+            </a:r>
+            <a:r>
+              <a:rPr lang="en-US" sz="2400" dirty="0">
+                <a:solidFill>
+                  <a:schemeClr val="dk1"/>
+                </a:solidFill>
+              </a:rPr>
+              <a:t> </a:t>
             </a:r>
             <a:r>
               <a:rPr lang="en-US" sz="2400" b="1" dirty="0">
@@ -34048,7 +34302,7 @@
                   <a:schemeClr val="dk1"/>
                 </a:solidFill>
               </a:rPr>
-              <a:t>DESC</a:t>
+              <a:t>DESC;</a:t>
             </a:r>
             <a:endParaRPr sz="2400" b="1" dirty="0">
               <a:solidFill>
@@ -34730,15 +34984,11 @@
                   <a:srgbClr val="674EA7"/>
                 </a:solidFill>
               </a:rPr>
-              <a:t>GROUP BY </a:t>
-            </a:r>
-            <a:r>
-              <a:rPr lang="en-US" sz="2400" dirty="0" err="1"/>
-              <a:t>by</a:t>
+              <a:t>GROUP BY</a:t>
             </a:r>
             <a:r>
               <a:rPr lang="en-US" sz="2400" dirty="0"/>
-              <a:t> 1</a:t>
+              <a:t> school;</a:t>
             </a:r>
             <a:endParaRPr sz="2400" dirty="0"/>
           </a:p>
@@ -34882,10 +35132,10 @@
               <a:buNone/>
             </a:pPr>
             <a:r>
-              <a:rPr lang="en-US"/>
-              <a:t>Note: When you have an aggregate function, you must use “GROUP by” for all non-aggregate selections</a:t>
-            </a:r>
-            <a:endParaRPr/>
+              <a:rPr lang="en-US" dirty="0"/>
+              <a:t>Note: When you have an aggregate function, you must use “GROUP BY” for all non-aggregate selections</a:t>
+            </a:r>
+            <a:endParaRPr dirty="0"/>
           </a:p>
         </p:txBody>
       </p:sp>
@@ -37558,7 +37808,7 @@
             </a:r>
             <a:r>
               <a:rPr lang="en-US" sz="2400" dirty="0"/>
-              <a:t> 1,2</a:t>
+              <a:t> school, teacher</a:t>
             </a:r>
             <a:endParaRPr sz="2400" dirty="0"/>
           </a:p>
@@ -37587,9 +37837,13 @@
             </a:r>
             <a:r>
               <a:rPr lang="en-US" sz="2400" dirty="0"/>
-              <a:t> 3</a:t>
-            </a:r>
-            <a:endParaRPr sz="2400" dirty="0"/>
+              <a:t> 3 </a:t>
+            </a:r>
+            <a:r>
+              <a:rPr lang="en-US" sz="2400" b="1" dirty="0"/>
+              <a:t>DESC;</a:t>
+            </a:r>
+            <a:endParaRPr sz="2400" b="1" dirty="0"/>
           </a:p>
           <a:p>
             <a:pPr marL="177800" lvl="0" indent="0" rtl="0">
@@ -37696,6 +37950,88 @@
           </a:ln>
         </p:spPr>
       </p:pic>
+      <p:sp>
+        <p:nvSpPr>
+          <p:cNvPr id="6" name="Shape 403">
+            <a:extLst>
+              <a:ext uri="{FF2B5EF4-FFF2-40B4-BE49-F238E27FC236}">
+                <a16:creationId xmlns:a16="http://schemas.microsoft.com/office/drawing/2014/main" id="{53BA2B93-BD5B-4293-85B6-90AC5CB8210B}"/>
+              </a:ext>
+            </a:extLst>
+          </p:cNvPr>
+          <p:cNvSpPr txBox="1"/>
+          <p:nvPr/>
+        </p:nvSpPr>
+        <p:spPr>
+          <a:xfrm>
+            <a:off x="4117678" y="3859341"/>
+            <a:ext cx="4892210" cy="579000"/>
+          </a:xfrm>
+          <a:prstGeom prst="rect">
+            <a:avLst/>
+          </a:prstGeom>
+          <a:noFill/>
+          <a:ln>
+            <a:noFill/>
+          </a:ln>
+        </p:spPr>
+        <p:txBody>
+          <a:bodyPr spcFirstLastPara="1" wrap="square" lIns="91425" tIns="91425" rIns="91425" bIns="91425" anchor="t" anchorCtr="0">
+            <a:noAutofit/>
+          </a:bodyPr>
+          <a:lstStyle/>
+          <a:p>
+            <a:pPr marL="0" lvl="0" indent="0">
+              <a:spcBef>
+                <a:spcPts val="0"/>
+              </a:spcBef>
+              <a:spcAft>
+                <a:spcPts val="0"/>
+              </a:spcAft>
+              <a:buNone/>
+            </a:pPr>
+            <a:r>
+              <a:rPr lang="en-US" dirty="0"/>
+              <a:t>Note: You can reference columns in SQL by their number, although you should only do so for one-off queries</a:t>
+            </a:r>
+            <a:endParaRPr dirty="0"/>
+          </a:p>
+        </p:txBody>
+      </p:sp>
+      <p:cxnSp>
+        <p:nvCxnSpPr>
+          <p:cNvPr id="7" name="Shape 404">
+            <a:extLst>
+              <a:ext uri="{FF2B5EF4-FFF2-40B4-BE49-F238E27FC236}">
+                <a16:creationId xmlns:a16="http://schemas.microsoft.com/office/drawing/2014/main" id="{50C6B0CC-736A-4AA3-9A5A-BAAE7259CF11}"/>
+              </a:ext>
+            </a:extLst>
+          </p:cNvPr>
+          <p:cNvCxnSpPr>
+            <a:cxnSpLocks/>
+          </p:cNvCxnSpPr>
+          <p:nvPr/>
+        </p:nvCxnSpPr>
+        <p:spPr>
+          <a:xfrm flipH="1">
+            <a:off x="3526575" y="4099307"/>
+            <a:ext cx="591103" cy="99068"/>
+          </a:xfrm>
+          <a:prstGeom prst="straightConnector1">
+            <a:avLst/>
+          </a:prstGeom>
+          <a:noFill/>
+          <a:ln w="9525" cap="flat" cmpd="sng">
+            <a:solidFill>
+              <a:schemeClr val="dk2"/>
+            </a:solidFill>
+            <a:prstDash val="solid"/>
+            <a:round/>
+            <a:headEnd type="none" w="med" len="med"/>
+            <a:tailEnd type="triangle" w="med" len="med"/>
+          </a:ln>
+        </p:spPr>
+      </p:cxnSp>
     </p:spTree>
   </p:cSld>
   <p:clrMapOvr>
@@ -37798,10 +38134,10 @@
               <a:buNone/>
             </a:pPr>
             <a:r>
-              <a:rPr lang="en-US"/>
-              <a:t>What is the highest close and the lowest open for Apple’s stock price each year?</a:t>
-            </a:r>
-            <a:endParaRPr/>
+              <a:rPr lang="en-US" dirty="0"/>
+              <a:t>What is the highest close and the lowest open for Apple's stock price each year?</a:t>
+            </a:r>
+            <a:endParaRPr dirty="0"/>
           </a:p>
           <a:p>
             <a:pPr marL="177800" lvl="0" indent="0" rtl="0">
@@ -37813,7 +38149,7 @@
               </a:spcAft>
               <a:buNone/>
             </a:pPr>
-            <a:endParaRPr/>
+            <a:endParaRPr dirty="0"/>
           </a:p>
           <a:p>
             <a:pPr marL="177800" lvl="0" indent="0" rtl="0">
@@ -37826,10 +38162,14 @@
               <a:buNone/>
             </a:pPr>
             <a:r>
-              <a:rPr lang="en-US"/>
-              <a:t>Table: tutorial.aapl_historical_stock_price</a:t>
-            </a:r>
-            <a:endParaRPr/>
+              <a:rPr lang="en-US" dirty="0"/>
+              <a:t>Table: </a:t>
+            </a:r>
+            <a:r>
+              <a:rPr lang="en-US" dirty="0" err="1"/>
+              <a:t>tutorial.aapl_historical_stock_price</a:t>
+            </a:r>
+            <a:endParaRPr dirty="0"/>
           </a:p>
           <a:p>
             <a:pPr marL="177800" lvl="0" indent="0" rtl="0">
@@ -37841,7 +38181,7 @@
               </a:spcAft>
               <a:buNone/>
             </a:pPr>
-            <a:endParaRPr/>
+            <a:endParaRPr dirty="0"/>
           </a:p>
           <a:p>
             <a:pPr marL="0" lvl="0" indent="0" rtl="0">
@@ -37853,7 +38193,7 @@
               </a:spcAft>
               <a:buNone/>
             </a:pPr>
-            <a:endParaRPr/>
+            <a:endParaRPr dirty="0"/>
           </a:p>
         </p:txBody>
       </p:sp>
@@ -38000,7 +38340,7 @@
               </a:spcAft>
               <a:buNone/>
             </a:pPr>
-            <a:endParaRPr/>
+            <a:endParaRPr dirty="0"/>
           </a:p>
           <a:p>
             <a:pPr marL="0" lvl="0" indent="0" rtl="0">
@@ -38012,7 +38352,7 @@
               </a:spcAft>
               <a:buNone/>
             </a:pPr>
-            <a:endParaRPr/>
+            <a:endParaRPr dirty="0"/>
           </a:p>
           <a:p>
             <a:pPr marL="0" lvl="0" indent="0" rtl="0">
@@ -38024,7 +38364,7 @@
               </a:spcAft>
               <a:buNone/>
             </a:pPr>
-            <a:endParaRPr/>
+            <a:endParaRPr dirty="0"/>
           </a:p>
           <a:p>
             <a:pPr marL="0" lvl="0" indent="0" rtl="0">
@@ -38041,7 +38381,7 @@
               <a:buFont typeface="Arial"/>
               <a:buNone/>
             </a:pPr>
-            <a:endParaRPr/>
+            <a:endParaRPr dirty="0"/>
           </a:p>
           <a:p>
             <a:pPr marL="0" lvl="0" indent="0" rtl="0">
@@ -38058,7 +38398,7 @@
               <a:buFont typeface="Arial"/>
               <a:buNone/>
             </a:pPr>
-            <a:endParaRPr/>
+            <a:endParaRPr dirty="0"/>
           </a:p>
         </p:txBody>
       </p:sp>
@@ -38188,7 +38528,23 @@
                   <a:schemeClr val="dk1"/>
                 </a:solidFill>
               </a:rPr>
-              <a:t>(close) as </a:t>
+              <a:t>(close) </a:t>
+            </a:r>
+            <a:r>
+              <a:rPr lang="en-US" sz="2400" b="1" dirty="0">
+                <a:solidFill>
+                  <a:schemeClr val="dk1"/>
+                </a:solidFill>
+              </a:rPr>
+              <a:t>AS</a:t>
+            </a:r>
+            <a:r>
+              <a:rPr lang="en-US" sz="2400" dirty="0">
+                <a:solidFill>
+                  <a:schemeClr val="dk1"/>
+                </a:solidFill>
+              </a:rPr>
+              <a:t> </a:t>
             </a:r>
             <a:r>
               <a:rPr lang="en-US" sz="2400" dirty="0" err="1">
@@ -38213,14 +38569,10 @@
             </a:endParaRPr>
           </a:p>
           <a:p>
-            <a:pPr marL="177800" lvl="0" indent="0" rtl="0">
+            <a:pPr marL="177800" lvl="0">
               <a:spcBef>
                 <a:spcPts val="560"/>
               </a:spcBef>
-              <a:spcAft>
-                <a:spcPts val="0"/>
-              </a:spcAft>
-              <a:buNone/>
             </a:pPr>
             <a:r>
               <a:rPr lang="en-US" sz="2400" b="1" dirty="0">
@@ -38236,7 +38588,23 @@
                   <a:schemeClr val="dk1"/>
                 </a:solidFill>
               </a:rPr>
-              <a:t>(open) as </a:t>
+              <a:t>(open) </a:t>
+            </a:r>
+            <a:r>
+              <a:rPr lang="en-US" sz="2400" b="1" dirty="0">
+                <a:solidFill>
+                  <a:schemeClr val="dk1"/>
+                </a:solidFill>
+              </a:rPr>
+              <a:t>AS</a:t>
+            </a:r>
+            <a:r>
+              <a:rPr lang="en-US" sz="2400" dirty="0">
+                <a:solidFill>
+                  <a:schemeClr val="dk1"/>
+                </a:solidFill>
+              </a:rPr>
+              <a:t> </a:t>
             </a:r>
             <a:r>
               <a:rPr lang="en-US" sz="2400" dirty="0" err="1">
@@ -38316,7 +38684,7 @@
                   <a:schemeClr val="dk1"/>
                 </a:solidFill>
               </a:rPr>
-              <a:t> 1</a:t>
+              <a:t> year</a:t>
             </a:r>
             <a:endParaRPr sz="2400" dirty="0">
               <a:solidFill>
@@ -38344,7 +38712,7 @@
                   <a:schemeClr val="dk1"/>
                 </a:solidFill>
               </a:rPr>
-              <a:t> 1 </a:t>
+              <a:t> year;</a:t>
             </a:r>
             <a:endParaRPr sz="2400" b="1" dirty="0">
               <a:solidFill>
@@ -38658,7 +39026,7 @@
               </a:spcAft>
               <a:buNone/>
             </a:pPr>
-            <a:endParaRPr/>
+            <a:endParaRPr dirty="0"/>
           </a:p>
           <a:p>
             <a:pPr marL="0" lvl="0" indent="0" rtl="0">
@@ -38670,7 +39038,7 @@
               </a:spcAft>
               <a:buNone/>
             </a:pPr>
-            <a:endParaRPr/>
+            <a:endParaRPr dirty="0"/>
           </a:p>
           <a:p>
             <a:pPr marL="0" lvl="0" indent="0" rtl="0">
@@ -38682,7 +39050,7 @@
               </a:spcAft>
               <a:buNone/>
             </a:pPr>
-            <a:endParaRPr/>
+            <a:endParaRPr dirty="0"/>
           </a:p>
           <a:p>
             <a:pPr marL="0" lvl="0" indent="0" rtl="0">
@@ -38699,7 +39067,7 @@
               <a:buFont typeface="Arial"/>
               <a:buNone/>
             </a:pPr>
-            <a:endParaRPr/>
+            <a:endParaRPr dirty="0"/>
           </a:p>
           <a:p>
             <a:pPr marL="0" lvl="0" indent="0" rtl="0">
@@ -38716,7 +39084,7 @@
               <a:buFont typeface="Arial"/>
               <a:buNone/>
             </a:pPr>
-            <a:endParaRPr/>
+            <a:endParaRPr dirty="0"/>
           </a:p>
         </p:txBody>
       </p:sp>
@@ -38801,7 +39169,7 @@
               <a:buNone/>
             </a:pPr>
             <a:r>
-              <a:rPr lang="en-US" sz="2400" b="1">
+              <a:rPr lang="en-US" sz="2400" b="1" dirty="0">
                 <a:solidFill>
                   <a:srgbClr val="B45F06"/>
                 </a:solidFill>
@@ -38809,7 +39177,7 @@
               <a:t>SELECT</a:t>
             </a:r>
             <a:r>
-              <a:rPr lang="en-US" sz="2400">
+              <a:rPr lang="en-US" sz="2400" dirty="0">
                 <a:solidFill>
                   <a:schemeClr val="dk1"/>
                 </a:solidFill>
@@ -38817,14 +39185,14 @@
               <a:t> year, month,</a:t>
             </a:r>
             <a:r>
-              <a:rPr lang="en-US" sz="2400" b="1">
+              <a:rPr lang="en-US" sz="2400" b="1" dirty="0">
                 <a:solidFill>
                   <a:schemeClr val="dk1"/>
                 </a:solidFill>
               </a:rPr>
               <a:t> </a:t>
             </a:r>
-            <a:endParaRPr sz="2400" b="1">
+            <a:endParaRPr sz="2400" b="1" dirty="0">
               <a:solidFill>
                 <a:schemeClr val="dk1"/>
               </a:solidFill>
@@ -38846,7 +39214,7 @@
               <a:buNone/>
             </a:pPr>
             <a:r>
-              <a:rPr lang="en-US" sz="2400" b="1">
+              <a:rPr lang="en-US" sz="2400" b="1" dirty="0">
                 <a:solidFill>
                   <a:schemeClr val="dk1"/>
                 </a:solidFill>
@@ -38854,14 +39222,14 @@
               <a:t>AVG</a:t>
             </a:r>
             <a:r>
-              <a:rPr lang="en-US" sz="2400">
+              <a:rPr lang="en-US" sz="2400" dirty="0">
                 <a:solidFill>
                   <a:schemeClr val="dk1"/>
                 </a:solidFill>
               </a:rPr>
               <a:t>(high - low)</a:t>
             </a:r>
-            <a:endParaRPr sz="2400">
+            <a:endParaRPr sz="2400" dirty="0">
               <a:solidFill>
                 <a:schemeClr val="dk1"/>
               </a:solidFill>
@@ -38883,7 +39251,7 @@
               <a:buNone/>
             </a:pPr>
             <a:r>
-              <a:rPr lang="en-US" sz="2400" b="1">
+              <a:rPr lang="en-US" sz="2400" b="1" dirty="0">
                 <a:solidFill>
                   <a:srgbClr val="3D85C6"/>
                 </a:solidFill>
@@ -38891,14 +39259,22 @@
               <a:t>FROM</a:t>
             </a:r>
             <a:r>
-              <a:rPr lang="en-US" sz="2400">
+              <a:rPr lang="en-US" sz="2400" dirty="0">
                 <a:solidFill>
                   <a:schemeClr val="dk1"/>
                 </a:solidFill>
               </a:rPr>
-              <a:t> tutorial.aapl_historical_stock_price</a:t>
-            </a:r>
-            <a:endParaRPr sz="2400">
+              <a:t> </a:t>
+            </a:r>
+            <a:r>
+              <a:rPr lang="en-US" sz="2400" dirty="0" err="1">
+                <a:solidFill>
+                  <a:schemeClr val="dk1"/>
+                </a:solidFill>
+              </a:rPr>
+              <a:t>tutorial.aapl_historical_stock_price</a:t>
+            </a:r>
+            <a:endParaRPr sz="2400" dirty="0">
               <a:solidFill>
                 <a:schemeClr val="dk1"/>
               </a:solidFill>
@@ -38920,7 +39296,7 @@
               <a:buNone/>
             </a:pPr>
             <a:r>
-              <a:rPr lang="en-US" sz="2400" b="1">
+              <a:rPr lang="en-US" sz="2400" b="1" dirty="0">
                 <a:solidFill>
                   <a:srgbClr val="674EA7"/>
                 </a:solidFill>
@@ -38928,88 +39304,94 @@
               <a:t>WHERE</a:t>
             </a:r>
             <a:r>
-              <a:rPr lang="en-US" sz="2400">
+              <a:rPr lang="en-US" sz="2400" dirty="0">
                 <a:solidFill>
                   <a:schemeClr val="dk1"/>
                 </a:solidFill>
               </a:rPr>
-              <a:t> year in (2008, 2009)</a:t>
-            </a:r>
-            <a:endParaRPr sz="2400">
+              <a:t> year </a:t>
+            </a:r>
+            <a:r>
+              <a:rPr lang="en-US" sz="2400" b="1" dirty="0">
+                <a:solidFill>
+                  <a:schemeClr val="dk1"/>
+                </a:solidFill>
+              </a:rPr>
+              <a:t>IN</a:t>
+            </a:r>
+            <a:r>
+              <a:rPr lang="en-US" sz="2400" dirty="0">
+                <a:solidFill>
+                  <a:schemeClr val="dk1"/>
+                </a:solidFill>
+              </a:rPr>
+              <a:t> (2008, 2009)</a:t>
+            </a:r>
+            <a:endParaRPr sz="2400" dirty="0">
               <a:solidFill>
                 <a:schemeClr val="dk1"/>
               </a:solidFill>
             </a:endParaRPr>
           </a:p>
           <a:p>
-            <a:pPr marL="177800" lvl="0" indent="0" rtl="0">
+            <a:pPr marL="177800" lvl="0">
               <a:spcBef>
                 <a:spcPts val="560"/>
               </a:spcBef>
-              <a:spcAft>
-                <a:spcPts val="0"/>
-              </a:spcAft>
               <a:buClr>
                 <a:schemeClr val="dk1"/>
               </a:buClr>
               <a:buSzPts val="1100"/>
-              <a:buFont typeface="Arial"/>
-              <a:buNone/>
-            </a:pPr>
-            <a:r>
-              <a:rPr lang="en-US" sz="2400" b="1">
+            </a:pPr>
+            <a:r>
+              <a:rPr lang="en-US" sz="2400" b="1" dirty="0">
                 <a:solidFill>
                   <a:srgbClr val="674EA7"/>
                 </a:solidFill>
               </a:rPr>
-              <a:t>GROUP</a:t>
-            </a:r>
-            <a:r>
-              <a:rPr lang="en-US" sz="2400">
+              <a:t>GROUP BY</a:t>
+            </a:r>
+            <a:r>
+              <a:rPr lang="en-US" sz="2400" dirty="0">
                 <a:solidFill>
                   <a:schemeClr val="dk1"/>
                 </a:solidFill>
               </a:rPr>
-              <a:t> by 1,2</a:t>
-            </a:r>
-            <a:endParaRPr sz="2400">
+              <a:t> year, month</a:t>
+            </a:r>
+            <a:endParaRPr sz="2400" dirty="0">
               <a:solidFill>
                 <a:schemeClr val="dk1"/>
               </a:solidFill>
             </a:endParaRPr>
           </a:p>
           <a:p>
-            <a:pPr marL="177800" lvl="0" indent="0" rtl="0">
+            <a:pPr marL="177800" lvl="0">
               <a:spcBef>
                 <a:spcPts val="560"/>
               </a:spcBef>
-              <a:spcAft>
-                <a:spcPts val="0"/>
-              </a:spcAft>
               <a:buClr>
                 <a:schemeClr val="dk1"/>
               </a:buClr>
               <a:buSzPts val="1100"/>
-              <a:buFont typeface="Arial"/>
-              <a:buNone/>
-            </a:pPr>
-            <a:r>
-              <a:rPr lang="en-US" sz="2400" b="1">
+            </a:pPr>
+            <a:r>
+              <a:rPr lang="en-US" sz="2400" b="1" dirty="0">
                 <a:solidFill>
                   <a:srgbClr val="674EA7"/>
                 </a:solidFill>
               </a:rPr>
-              <a:t>ORDER</a:t>
-            </a:r>
-            <a:r>
-              <a:rPr lang="en-US" sz="2400">
+              <a:t>ORDER BY</a:t>
+            </a:r>
+            <a:r>
+              <a:rPr lang="en-US" sz="2400" dirty="0">
                 <a:solidFill>
                   <a:schemeClr val="dk1"/>
                 </a:solidFill>
               </a:rPr>
-              <a:t> by 1,2</a:t>
-            </a:r>
-            <a:endParaRPr sz="2400">
+              <a:t> year, month;</a:t>
+            </a:r>
+            <a:endParaRPr sz="2400" dirty="0">
               <a:solidFill>
                 <a:schemeClr val="dk1"/>
               </a:solidFill>
@@ -39025,7 +39407,7 @@
               </a:spcAft>
               <a:buNone/>
             </a:pPr>
-            <a:endParaRPr sz="2400" b="1">
+            <a:endParaRPr sz="2400" b="1" dirty="0">
               <a:solidFill>
                 <a:schemeClr val="dk1"/>
               </a:solidFill>
@@ -39224,7 +39606,7 @@
             </a:r>
             <a:r>
               <a:rPr lang="en-US" sz="2400" dirty="0"/>
-              <a:t> ‘description 1’</a:t>
+              <a:t> 'description 1’</a:t>
             </a:r>
             <a:endParaRPr sz="2400" dirty="0"/>
           </a:p>
@@ -39239,12 +39621,8 @@
               <a:buNone/>
             </a:pPr>
             <a:r>
-              <a:rPr lang="en-US" sz="2400" dirty="0"/>
-              <a:t>		   </a:t>
-            </a:r>
-            <a:r>
               <a:rPr lang="en-US" sz="2400" b="1" dirty="0"/>
-              <a:t>WHEN</a:t>
+              <a:t>	  WHEN</a:t>
             </a:r>
             <a:r>
               <a:rPr lang="en-US" sz="2400" dirty="0"/>
@@ -39256,7 +39634,7 @@
             </a:r>
             <a:r>
               <a:rPr lang="en-US" sz="2400" dirty="0"/>
-              <a:t> ‘description 2’</a:t>
+              <a:t> 'description 2’</a:t>
             </a:r>
             <a:endParaRPr sz="2400" b="1" dirty="0"/>
           </a:p>
@@ -39277,15 +39655,35 @@
             </a:pPr>
             <a:r>
               <a:rPr lang="en-US" sz="2400" b="1" dirty="0"/>
-              <a:t>		   ELSE ‘</a:t>
+              <a:t>	  ELSE '</a:t>
             </a:r>
             <a:r>
               <a:rPr lang="en-US" sz="2400" dirty="0"/>
-              <a:t>description 3’ </a:t>
+              <a:t>description 3' </a:t>
             </a:r>
             <a:r>
               <a:rPr lang="en-US" sz="2400" b="1" dirty="0"/>
-              <a:t>END AS</a:t>
+              <a:t>END</a:t>
+            </a:r>
+          </a:p>
+          <a:p>
+            <a:pPr marL="177800" lvl="0" indent="0" rtl="0">
+              <a:spcBef>
+                <a:spcPts val="560"/>
+              </a:spcBef>
+              <a:spcAft>
+                <a:spcPts val="0"/>
+              </a:spcAft>
+              <a:buClr>
+                <a:schemeClr val="dk1"/>
+              </a:buClr>
+              <a:buSzPts val="1100"/>
+              <a:buFont typeface="Arial"/>
+              <a:buNone/>
+            </a:pPr>
+            <a:r>
+              <a:rPr lang="en-US" sz="2400" b="1" dirty="0"/>
+              <a:t>AS</a:t>
             </a:r>
             <a:r>
               <a:rPr lang="en-US" sz="2400" dirty="0"/>
@@ -39551,7 +39949,7 @@
               <a:buNone/>
             </a:pPr>
             <a:r>
-              <a:rPr lang="en-US" sz="2400" b="1">
+              <a:rPr lang="en-US" sz="2400" b="1" dirty="0">
                 <a:solidFill>
                   <a:srgbClr val="B45F06"/>
                 </a:solidFill>
@@ -39559,7 +39957,7 @@
               <a:t>SELECT</a:t>
             </a:r>
             <a:r>
-              <a:rPr lang="en-US" sz="2400">
+              <a:rPr lang="en-US" sz="2400" dirty="0">
                 <a:solidFill>
                   <a:schemeClr val="dk1"/>
                 </a:solidFill>
@@ -39567,14 +39965,14 @@
               <a:t> city,</a:t>
             </a:r>
             <a:r>
-              <a:rPr lang="en-US" sz="2400" b="1">
+              <a:rPr lang="en-US" sz="2400" b="1" dirty="0">
                 <a:solidFill>
                   <a:schemeClr val="dk1"/>
                 </a:solidFill>
               </a:rPr>
               <a:t> </a:t>
             </a:r>
-            <a:endParaRPr sz="2400" b="1">
+            <a:endParaRPr sz="2400" b="1" dirty="0">
               <a:solidFill>
                 <a:schemeClr val="dk1"/>
               </a:solidFill>
@@ -39591,7 +39989,7 @@
               <a:buNone/>
             </a:pPr>
             <a:r>
-              <a:rPr lang="en-US" sz="2400" b="1">
+              <a:rPr lang="en-US" sz="2400" b="1" dirty="0">
                 <a:solidFill>
                   <a:schemeClr val="dk1"/>
                 </a:solidFill>
@@ -39599,7 +39997,7 @@
               <a:t>CASE</a:t>
             </a:r>
             <a:r>
-              <a:rPr lang="en-US" sz="2400">
+              <a:rPr lang="en-US" sz="2400" dirty="0">
                 <a:solidFill>
                   <a:schemeClr val="dk1"/>
                 </a:solidFill>
@@ -39607,7 +40005,7 @@
               <a:t> </a:t>
             </a:r>
             <a:r>
-              <a:rPr lang="en-US" sz="2400" b="1">
+              <a:rPr lang="en-US" sz="2400" b="1" dirty="0">
                 <a:solidFill>
                   <a:schemeClr val="dk1"/>
                 </a:solidFill>
@@ -39615,54 +40013,42 @@
               <a:t>WHEN </a:t>
             </a:r>
             <a:r>
-              <a:rPr lang="en-US" sz="2400">
+              <a:rPr lang="en-US" sz="2400" dirty="0">
                 <a:solidFill>
                   <a:schemeClr val="dk1"/>
                 </a:solidFill>
               </a:rPr>
               <a:t>population_estimate_2012 &gt; 2000000</a:t>
             </a:r>
-            <a:endParaRPr sz="2400">
+            <a:endParaRPr sz="2400" dirty="0">
               <a:solidFill>
                 <a:schemeClr val="dk1"/>
               </a:solidFill>
             </a:endParaRPr>
           </a:p>
           <a:p>
-            <a:pPr marL="1092200" lvl="0" indent="0" rtl="0">
+            <a:pPr marL="1092200" lvl="0">
               <a:spcBef>
                 <a:spcPts val="560"/>
               </a:spcBef>
-              <a:spcAft>
-                <a:spcPts val="0"/>
-              </a:spcAft>
-              <a:buNone/>
-            </a:pPr>
-            <a:r>
-              <a:rPr lang="en-US" sz="2400">
+            </a:pPr>
+            <a:r>
+              <a:rPr lang="en-US" sz="2400" b="1" dirty="0">
                 <a:solidFill>
                   <a:schemeClr val="dk1"/>
                 </a:solidFill>
               </a:rPr>
-              <a:t> </a:t>
-            </a:r>
-            <a:r>
-              <a:rPr lang="en-US" sz="2400" b="1">
+              <a:t>	THEN</a:t>
+            </a:r>
+            <a:r>
+              <a:rPr lang="en-US" sz="2400" dirty="0">
                 <a:solidFill>
                   <a:schemeClr val="dk1"/>
                 </a:solidFill>
               </a:rPr>
-              <a:t>THEN</a:t>
-            </a:r>
-            <a:r>
-              <a:rPr lang="en-US" sz="2400">
-                <a:solidFill>
-                  <a:schemeClr val="dk1"/>
-                </a:solidFill>
-              </a:rPr>
-              <a:t> ‘Big City’</a:t>
-            </a:r>
-            <a:endParaRPr sz="2400">
+              <a:t> 'Big City' </a:t>
+            </a:r>
+            <a:endParaRPr sz="2400" dirty="0">
               <a:solidFill>
                 <a:schemeClr val="dk1"/>
               </a:solidFill>
@@ -39679,30 +40065,22 @@
               <a:buNone/>
             </a:pPr>
             <a:r>
-              <a:rPr lang="en-US" sz="2400">
+              <a:rPr lang="en-US" sz="2400" b="1" dirty="0">
                 <a:solidFill>
                   <a:schemeClr val="dk1"/>
                 </a:solidFill>
               </a:rPr>
-              <a:t>		   </a:t>
-            </a:r>
-            <a:r>
-              <a:rPr lang="en-US" sz="2400" b="1">
-                <a:solidFill>
-                  <a:schemeClr val="dk1"/>
-                </a:solidFill>
-              </a:rPr>
-              <a:t>WHEN</a:t>
-            </a:r>
-            <a:r>
-              <a:rPr lang="en-US" sz="2400">
+              <a:t>	  WHEN</a:t>
+            </a:r>
+            <a:r>
+              <a:rPr lang="en-US" sz="2400" dirty="0">
                 <a:solidFill>
                   <a:schemeClr val="dk1"/>
                 </a:solidFill>
               </a:rPr>
               <a:t> population_estimate_2012 &gt; 500000</a:t>
             </a:r>
-            <a:endParaRPr sz="2400">
+            <a:endParaRPr sz="2400" dirty="0">
               <a:solidFill>
                 <a:schemeClr val="dk1"/>
               </a:solidFill>
@@ -39719,15 +40097,15 @@
               <a:buNone/>
             </a:pPr>
             <a:r>
-              <a:rPr lang="en-US" sz="2400">
+              <a:rPr lang="en-US" sz="2400" dirty="0">
                 <a:solidFill>
                   <a:schemeClr val="dk1"/>
                 </a:solidFill>
               </a:rPr>
-              <a:t>      </a:t>
-            </a:r>
-            <a:r>
-              <a:rPr lang="en-US" sz="2400" b="1">
+              <a:t>      	</a:t>
+            </a:r>
+            <a:r>
+              <a:rPr lang="en-US" sz="2400" b="1" dirty="0">
                 <a:solidFill>
                   <a:schemeClr val="dk1"/>
                 </a:solidFill>
@@ -39735,14 +40113,14 @@
               <a:t>THEN</a:t>
             </a:r>
             <a:r>
-              <a:rPr lang="en-US" sz="2400">
+              <a:rPr lang="en-US" sz="2400" dirty="0">
                 <a:solidFill>
                   <a:schemeClr val="dk1"/>
                 </a:solidFill>
               </a:rPr>
-              <a:t> ‘Medium City’</a:t>
-            </a:r>
-            <a:endParaRPr sz="2400" b="1">
+              <a:t> 'Medium City'</a:t>
+            </a:r>
+            <a:endParaRPr sz="2400" b="1" dirty="0">
               <a:solidFill>
                 <a:schemeClr val="dk1"/>
               </a:solidFill>
@@ -39759,38 +40137,76 @@
               <a:buNone/>
             </a:pPr>
             <a:r>
-              <a:rPr lang="en-US" sz="2400" b="1">
+              <a:rPr lang="en-US" sz="2400" b="1" dirty="0">
                 <a:solidFill>
                   <a:schemeClr val="dk1"/>
                 </a:solidFill>
               </a:rPr>
-              <a:t>		   ELSE ‘</a:t>
-            </a:r>
-            <a:r>
-              <a:rPr lang="en-US" sz="2400">
+              <a:t>	  ELSE '</a:t>
+            </a:r>
+            <a:r>
+              <a:rPr lang="en-US" sz="2400" dirty="0">
                 <a:solidFill>
                   <a:schemeClr val="dk1"/>
                 </a:solidFill>
               </a:rPr>
-              <a:t>Small City’ </a:t>
-            </a:r>
-            <a:r>
-              <a:rPr lang="en-US" sz="2400" b="1">
+              <a:t>Small City'</a:t>
+            </a:r>
+          </a:p>
+          <a:p>
+            <a:pPr marL="177800" lvl="0" indent="0" rtl="0">
+              <a:spcBef>
+                <a:spcPts val="560"/>
+              </a:spcBef>
+              <a:spcAft>
+                <a:spcPts val="0"/>
+              </a:spcAft>
+              <a:buNone/>
+            </a:pPr>
+            <a:r>
+              <a:rPr lang="en-US" sz="2400" b="1" dirty="0">
                 <a:solidFill>
                   <a:schemeClr val="dk1"/>
                 </a:solidFill>
               </a:rPr>
-              <a:t>END AS</a:t>
-            </a:r>
-            <a:r>
-              <a:rPr lang="en-US" sz="2400">
+              <a:t>	  END</a:t>
+            </a:r>
+          </a:p>
+          <a:p>
+            <a:pPr marL="177800" lvl="0" indent="0" rtl="0">
+              <a:spcBef>
+                <a:spcPts val="560"/>
+              </a:spcBef>
+              <a:spcAft>
+                <a:spcPts val="0"/>
+              </a:spcAft>
+              <a:buNone/>
+            </a:pPr>
+            <a:r>
+              <a:rPr lang="en-US" sz="2400" b="1" dirty="0">
                 <a:solidFill>
                   <a:schemeClr val="dk1"/>
                 </a:solidFill>
               </a:rPr>
-              <a:t> city_size</a:t>
-            </a:r>
-            <a:endParaRPr sz="2400" b="1">
+              <a:t>AS</a:t>
+            </a:r>
+            <a:r>
+              <a:rPr lang="en-US" sz="2400" dirty="0">
+                <a:solidFill>
+                  <a:schemeClr val="dk1"/>
+                </a:solidFill>
+              </a:rPr>
+              <a:t> </a:t>
+            </a:r>
+            <a:r>
+              <a:rPr lang="en-US" sz="2400" dirty="0" err="1">
+                <a:solidFill>
+                  <a:schemeClr val="dk1"/>
+                </a:solidFill>
+              </a:rPr>
+              <a:t>city_size</a:t>
+            </a:r>
+            <a:endParaRPr sz="2400" b="1" dirty="0">
               <a:solidFill>
                 <a:schemeClr val="dk1"/>
               </a:solidFill>
@@ -39807,7 +40223,7 @@
               <a:buNone/>
             </a:pPr>
             <a:r>
-              <a:rPr lang="en-US" sz="2400" b="1">
+              <a:rPr lang="en-US" sz="2400" b="1" dirty="0">
                 <a:solidFill>
                   <a:srgbClr val="3D85C6"/>
                 </a:solidFill>
@@ -39815,14 +40231,22 @@
               <a:t>FROM</a:t>
             </a:r>
             <a:r>
-              <a:rPr lang="en-US" sz="2400">
+              <a:rPr lang="en-US" sz="2400" dirty="0">
                 <a:solidFill>
                   <a:schemeClr val="dk1"/>
                 </a:solidFill>
               </a:rPr>
-              <a:t> tutorial.city_populations</a:t>
-            </a:r>
-            <a:endParaRPr sz="2400">
+              <a:t> </a:t>
+            </a:r>
+            <a:r>
+              <a:rPr lang="en-US" sz="2400" dirty="0" err="1">
+                <a:solidFill>
+                  <a:schemeClr val="dk1"/>
+                </a:solidFill>
+              </a:rPr>
+              <a:t>tutorial.city_populations</a:t>
+            </a:r>
+            <a:endParaRPr sz="2400" dirty="0">
               <a:solidFill>
                 <a:schemeClr val="dk1"/>
               </a:solidFill>
@@ -39838,7 +40262,7 @@
               </a:spcAft>
               <a:buNone/>
             </a:pPr>
-            <a:endParaRPr/>
+            <a:endParaRPr dirty="0"/>
           </a:p>
         </p:txBody>
       </p:sp>
@@ -40186,7 +40610,7 @@
               </a:spcAft>
               <a:buNone/>
             </a:pPr>
-            <a:endParaRPr/>
+            <a:endParaRPr dirty="0"/>
           </a:p>
           <a:p>
             <a:pPr marL="0" lvl="0" indent="0" rtl="0">
@@ -40198,7 +40622,7 @@
               </a:spcAft>
               <a:buNone/>
             </a:pPr>
-            <a:endParaRPr/>
+            <a:endParaRPr dirty="0"/>
           </a:p>
           <a:p>
             <a:pPr marL="0" lvl="0" indent="0" rtl="0">
@@ -40210,7 +40634,7 @@
               </a:spcAft>
               <a:buNone/>
             </a:pPr>
-            <a:endParaRPr/>
+            <a:endParaRPr dirty="0"/>
           </a:p>
           <a:p>
             <a:pPr marL="0" lvl="0" indent="0" rtl="0">
@@ -40227,7 +40651,7 @@
               <a:buFont typeface="Arial"/>
               <a:buNone/>
             </a:pPr>
-            <a:endParaRPr/>
+            <a:endParaRPr dirty="0"/>
           </a:p>
           <a:p>
             <a:pPr marL="0" lvl="0" indent="0" rtl="0">
@@ -40244,7 +40668,7 @@
               <a:buFont typeface="Arial"/>
               <a:buNone/>
             </a:pPr>
-            <a:endParaRPr/>
+            <a:endParaRPr dirty="0"/>
           </a:p>
         </p:txBody>
       </p:sp>
@@ -40329,7 +40753,7 @@
               <a:buNone/>
             </a:pPr>
             <a:r>
-              <a:rPr lang="en-US" sz="2400" b="1">
+              <a:rPr lang="en-US" sz="2400" b="1" dirty="0">
                 <a:solidFill>
                   <a:srgbClr val="B45F06"/>
                 </a:solidFill>
@@ -40337,14 +40761,14 @@
               <a:t>SELECT</a:t>
             </a:r>
             <a:r>
-              <a:rPr lang="en-US" sz="2400">
+              <a:rPr lang="en-US" sz="2400" dirty="0">
                 <a:solidFill>
                   <a:schemeClr val="dk1"/>
                 </a:solidFill>
               </a:rPr>
               <a:t> *,</a:t>
             </a:r>
-            <a:endParaRPr sz="2400">
+            <a:endParaRPr sz="2400" dirty="0">
               <a:solidFill>
                 <a:schemeClr val="dk1"/>
               </a:solidFill>
@@ -40361,7 +40785,7 @@
               <a:buNone/>
             </a:pPr>
             <a:r>
-              <a:rPr lang="en-US" sz="2400" b="1">
+              <a:rPr lang="en-US" sz="2400" b="1" dirty="0">
                 <a:solidFill>
                   <a:schemeClr val="dk1"/>
                 </a:solidFill>
@@ -40369,7 +40793,7 @@
               <a:t>CASE WHEN</a:t>
             </a:r>
             <a:r>
-              <a:rPr lang="en-US" sz="2400">
+              <a:rPr lang="en-US" sz="2400" dirty="0">
                 <a:solidFill>
                   <a:schemeClr val="dk1"/>
                 </a:solidFill>
@@ -40377,7 +40801,7 @@
               <a:t> month in (1,2,3) </a:t>
             </a:r>
             <a:r>
-              <a:rPr lang="en-US" sz="2400" b="1">
+              <a:rPr lang="en-US" sz="2400" b="1" dirty="0">
                 <a:solidFill>
                   <a:schemeClr val="dk1"/>
                 </a:solidFill>
@@ -40385,14 +40809,14 @@
               <a:t>THEN</a:t>
             </a:r>
             <a:r>
-              <a:rPr lang="en-US" sz="2400">
+              <a:rPr lang="en-US" sz="2400" dirty="0">
                 <a:solidFill>
                   <a:schemeClr val="dk1"/>
                 </a:solidFill>
               </a:rPr>
-              <a:t> ‘Q1’</a:t>
-            </a:r>
-            <a:endParaRPr sz="2400">
+              <a:t> 'Q1'</a:t>
+            </a:r>
+            <a:endParaRPr sz="2400" dirty="0">
               <a:solidFill>
                 <a:schemeClr val="dk1"/>
               </a:solidFill>
@@ -40409,23 +40833,15 @@
               <a:buNone/>
             </a:pPr>
             <a:r>
-              <a:rPr lang="en-US" sz="2400">
+              <a:rPr lang="en-US" sz="2400" b="1" dirty="0">
                 <a:solidFill>
                   <a:schemeClr val="dk1"/>
                 </a:solidFill>
               </a:rPr>
-              <a:t>		   </a:t>
-            </a:r>
-            <a:r>
-              <a:rPr lang="en-US" sz="2400" b="1">
-                <a:solidFill>
-                  <a:schemeClr val="dk1"/>
-                </a:solidFill>
-              </a:rPr>
-              <a:t>WHEN</a:t>
-            </a:r>
-            <a:r>
-              <a:rPr lang="en-US" sz="2400">
+              <a:t>	  WHEN</a:t>
+            </a:r>
+            <a:r>
+              <a:rPr lang="en-US" sz="2400" dirty="0">
                 <a:solidFill>
                   <a:schemeClr val="dk1"/>
                 </a:solidFill>
@@ -40433,7 +40849,7 @@
               <a:t> month in (4,5,6) </a:t>
             </a:r>
             <a:r>
-              <a:rPr lang="en-US" sz="2400" b="1">
+              <a:rPr lang="en-US" sz="2400" b="1" dirty="0">
                 <a:solidFill>
                   <a:schemeClr val="dk1"/>
                 </a:solidFill>
@@ -40441,14 +40857,14 @@
               <a:t>THEN</a:t>
             </a:r>
             <a:r>
-              <a:rPr lang="en-US" sz="2400">
+              <a:rPr lang="en-US" sz="2400" dirty="0">
                 <a:solidFill>
                   <a:schemeClr val="dk1"/>
                 </a:solidFill>
               </a:rPr>
-              <a:t> ‘Q2’</a:t>
-            </a:r>
-            <a:endParaRPr sz="2400">
+              <a:t> 'Q2'</a:t>
+            </a:r>
+            <a:endParaRPr sz="2400" dirty="0">
               <a:solidFill>
                 <a:schemeClr val="dk1"/>
               </a:solidFill>
@@ -40465,23 +40881,15 @@
               <a:buNone/>
             </a:pPr>
             <a:r>
-              <a:rPr lang="en-US" sz="2400">
+              <a:rPr lang="en-US" sz="2400" b="1" dirty="0">
                 <a:solidFill>
                   <a:schemeClr val="dk1"/>
                 </a:solidFill>
               </a:rPr>
-              <a:t>		   </a:t>
-            </a:r>
-            <a:r>
-              <a:rPr lang="en-US" sz="2400" b="1">
-                <a:solidFill>
-                  <a:schemeClr val="dk1"/>
-                </a:solidFill>
-              </a:rPr>
-              <a:t>WHEN</a:t>
-            </a:r>
-            <a:r>
-              <a:rPr lang="en-US" sz="2400">
+              <a:t>	  WHEN</a:t>
+            </a:r>
+            <a:r>
+              <a:rPr lang="en-US" sz="2400" dirty="0">
                 <a:solidFill>
                   <a:schemeClr val="dk1"/>
                 </a:solidFill>
@@ -40489,7 +40897,7 @@
               <a:t> month in (7,8,9) </a:t>
             </a:r>
             <a:r>
-              <a:rPr lang="en-US" sz="2400" b="1">
+              <a:rPr lang="en-US" sz="2400" b="1" dirty="0">
                 <a:solidFill>
                   <a:schemeClr val="dk1"/>
                 </a:solidFill>
@@ -40497,14 +40905,14 @@
               <a:t>THEN</a:t>
             </a:r>
             <a:r>
-              <a:rPr lang="en-US" sz="2400">
+              <a:rPr lang="en-US" sz="2400" dirty="0">
                 <a:solidFill>
                   <a:schemeClr val="dk1"/>
                 </a:solidFill>
               </a:rPr>
-              <a:t> ‘Q3’</a:t>
-            </a:r>
-            <a:endParaRPr sz="2400">
+              <a:t> 'Q3'</a:t>
+            </a:r>
+            <a:endParaRPr sz="2400" dirty="0">
               <a:solidFill>
                 <a:schemeClr val="dk1"/>
               </a:solidFill>
@@ -40521,15 +40929,15 @@
               <a:buNone/>
             </a:pPr>
             <a:r>
-              <a:rPr lang="en-US" sz="2400">
+              <a:rPr lang="en-US" sz="2400" dirty="0">
                 <a:solidFill>
                   <a:schemeClr val="dk1"/>
                 </a:solidFill>
               </a:rPr>
-              <a:t>            </a:t>
-            </a:r>
-            <a:r>
-              <a:rPr lang="en-US" sz="2400" b="1">
+              <a:t>           </a:t>
+            </a:r>
+            <a:r>
+              <a:rPr lang="en-US" sz="2400" b="1" dirty="0">
                 <a:solidFill>
                   <a:schemeClr val="dk1"/>
                 </a:solidFill>
@@ -40537,30 +40945,49 @@
               <a:t>ELSE</a:t>
             </a:r>
             <a:r>
-              <a:rPr lang="en-US" sz="2400">
+              <a:rPr lang="en-US" sz="2400" dirty="0">
                 <a:solidFill>
                   <a:schemeClr val="dk1"/>
                 </a:solidFill>
               </a:rPr>
-              <a:t> ‘Q4’ </a:t>
-            </a:r>
-            <a:r>
-              <a:rPr lang="en-US" sz="2400" b="1">
+              <a:t> 'Q4' </a:t>
+            </a:r>
+            <a:r>
+              <a:rPr lang="en-US" sz="2400" b="1" dirty="0">
                 <a:solidFill>
                   <a:schemeClr val="dk1"/>
                 </a:solidFill>
               </a:rPr>
               <a:t>END</a:t>
             </a:r>
-            <a:r>
-              <a:rPr lang="en-US" sz="2400">
+          </a:p>
+          <a:p>
+            <a:pPr marL="177800" lvl="0" indent="0" rtl="0">
+              <a:spcBef>
+                <a:spcPts val="560"/>
+              </a:spcBef>
+              <a:spcAft>
+                <a:spcPts val="0"/>
+              </a:spcAft>
+              <a:buNone/>
+            </a:pPr>
+            <a:r>
+              <a:rPr lang="en-US" sz="2400" b="1" dirty="0">
                 <a:solidFill>
                   <a:schemeClr val="dk1"/>
                 </a:solidFill>
               </a:rPr>
-              <a:t> as Quarter,</a:t>
-            </a:r>
-            <a:endParaRPr sz="2400">
+              <a:t>AS</a:t>
+            </a:r>
+            <a:r>
+              <a:rPr lang="en-US" sz="2400" dirty="0">
+                <a:solidFill>
+                  <a:schemeClr val="dk1"/>
+                </a:solidFill>
+              </a:rPr>
+              <a:t> quarter,</a:t>
+            </a:r>
+            <a:endParaRPr sz="2400" dirty="0">
               <a:solidFill>
                 <a:schemeClr val="dk1"/>
               </a:solidFill>
@@ -40577,7 +41004,7 @@
               <a:buNone/>
             </a:pPr>
             <a:r>
-              <a:rPr lang="en-US" sz="2400" b="1">
+              <a:rPr lang="en-US" sz="2400" b="1" dirty="0">
                 <a:solidFill>
                   <a:schemeClr val="dk1"/>
                 </a:solidFill>
@@ -40585,7 +41012,7 @@
               <a:t>CASE WHEN</a:t>
             </a:r>
             <a:r>
-              <a:rPr lang="en-US" sz="2400">
+              <a:rPr lang="en-US" sz="2400" dirty="0">
                 <a:solidFill>
                   <a:schemeClr val="dk1"/>
                 </a:solidFill>
@@ -40593,7 +41020,7 @@
               <a:t> month &gt; 6 </a:t>
             </a:r>
             <a:r>
-              <a:rPr lang="en-US" sz="2400" b="1">
+              <a:rPr lang="en-US" sz="2400" b="1" dirty="0">
                 <a:solidFill>
                   <a:schemeClr val="dk1"/>
                 </a:solidFill>
@@ -40601,14 +41028,14 @@
               <a:t>THEN</a:t>
             </a:r>
             <a:r>
-              <a:rPr lang="en-US" sz="2400">
+              <a:rPr lang="en-US" sz="2400" dirty="0">
                 <a:solidFill>
                   <a:schemeClr val="dk1"/>
                 </a:solidFill>
               </a:rPr>
-              <a:t> ‘H2’</a:t>
-            </a:r>
-            <a:endParaRPr sz="2400">
+              <a:t> 'H2'</a:t>
+            </a:r>
+            <a:endParaRPr sz="2400" dirty="0">
               <a:solidFill>
                 <a:schemeClr val="dk1"/>
               </a:solidFill>
@@ -40625,46 +41052,57 @@
               <a:buNone/>
             </a:pPr>
             <a:r>
-              <a:rPr lang="en-US" sz="2400">
+              <a:rPr lang="en-US" sz="2400" b="1" dirty="0">
                 <a:solidFill>
                   <a:schemeClr val="dk1"/>
                 </a:solidFill>
               </a:rPr>
-              <a:t>		   </a:t>
-            </a:r>
-            <a:r>
-              <a:rPr lang="en-US" sz="2400" b="1">
+              <a:t>	  ELSE</a:t>
+            </a:r>
+            <a:r>
+              <a:rPr lang="en-US" sz="2400" dirty="0">
                 <a:solidFill>
                   <a:schemeClr val="dk1"/>
                 </a:solidFill>
               </a:rPr>
-              <a:t>ELSE</a:t>
-            </a:r>
-            <a:r>
-              <a:rPr lang="en-US" sz="2400">
+              <a:t> 'H1' </a:t>
+            </a:r>
+            <a:r>
+              <a:rPr lang="en-US" sz="2400" b="1" dirty="0">
                 <a:solidFill>
                   <a:schemeClr val="dk1"/>
                 </a:solidFill>
               </a:rPr>
-              <a:t> ‘H1’ </a:t>
-            </a:r>
-            <a:r>
-              <a:rPr lang="en-US" sz="2400" b="1">
+              <a:t>END</a:t>
+            </a:r>
+          </a:p>
+          <a:p>
+            <a:pPr marL="177800" lvl="0" indent="0" rtl="0">
+              <a:spcBef>
+                <a:spcPts val="560"/>
+              </a:spcBef>
+              <a:spcAft>
+                <a:spcPts val="0"/>
+              </a:spcAft>
+              <a:buNone/>
+            </a:pPr>
+            <a:r>
+              <a:rPr lang="en-US" sz="2400" b="1" dirty="0">
                 <a:solidFill>
                   <a:schemeClr val="dk1"/>
                 </a:solidFill>
               </a:rPr>
-              <a:t>END </a:t>
-            </a:r>
-            <a:r>
-              <a:rPr lang="en-US" sz="2400">
+              <a:t>AS</a:t>
+            </a:r>
+            <a:r>
+              <a:rPr lang="en-US" sz="2400" dirty="0">
                 <a:solidFill>
                   <a:schemeClr val="dk1"/>
                 </a:solidFill>
               </a:rPr>
-              <a:t>as Half</a:t>
-            </a:r>
-            <a:endParaRPr sz="2400">
+              <a:t> half</a:t>
+            </a:r>
+            <a:endParaRPr sz="2400" dirty="0">
               <a:solidFill>
                 <a:schemeClr val="dk1"/>
               </a:solidFill>
@@ -40686,7 +41124,7 @@
               <a:buNone/>
             </a:pPr>
             <a:r>
-              <a:rPr lang="en-US" sz="2400" b="1">
+              <a:rPr lang="en-US" sz="2400" b="1" dirty="0">
                 <a:solidFill>
                   <a:srgbClr val="3D85C6"/>
                 </a:solidFill>
@@ -40694,14 +41132,30 @@
               <a:t>FROM</a:t>
             </a:r>
             <a:r>
-              <a:rPr lang="en-US" sz="2400">
+              <a:rPr lang="en-US" sz="2400" dirty="0">
                 <a:solidFill>
                   <a:schemeClr val="dk1"/>
                 </a:solidFill>
               </a:rPr>
-              <a:t> tutorial.aapl_historical_stock_price</a:t>
-            </a:r>
-            <a:endParaRPr sz="2400">
+              <a:t> </a:t>
+            </a:r>
+            <a:r>
+              <a:rPr lang="en-US" sz="2400" dirty="0" err="1">
+                <a:solidFill>
+                  <a:schemeClr val="dk1"/>
+                </a:solidFill>
+              </a:rPr>
+              <a:t>tutorial.aapl_historical_stock_price</a:t>
+            </a:r>
+            <a:r>
+              <a:rPr lang="en-US" sz="2400" dirty="0">
+                <a:solidFill>
+                  <a:schemeClr val="dk1"/>
+                </a:solidFill>
+              </a:rPr>
+              <a:t>;</a:t>
+            </a:r>
+            <a:endParaRPr sz="2400" dirty="0">
               <a:solidFill>
                 <a:schemeClr val="dk1"/>
               </a:solidFill>
@@ -40722,7 +41176,7 @@
               <a:buFont typeface="Arial"/>
               <a:buNone/>
             </a:pPr>
-            <a:endParaRPr sz="2400">
+            <a:endParaRPr sz="2400" dirty="0">
               <a:solidFill>
                 <a:schemeClr val="dk1"/>
               </a:solidFill>
@@ -40738,7 +41192,7 @@
               </a:spcAft>
               <a:buNone/>
             </a:pPr>
-            <a:endParaRPr sz="2400" b="1">
+            <a:endParaRPr sz="2400" b="1" dirty="0">
               <a:solidFill>
                 <a:schemeClr val="dk1"/>
               </a:solidFill>
@@ -40848,10 +41302,10 @@
               <a:buNone/>
             </a:pPr>
             <a:r>
-              <a:rPr lang="en-US"/>
-              <a:t>It’s helpful to create intermediate tables to reference later in the query. </a:t>
-            </a:r>
-            <a:endParaRPr/>
+              <a:rPr lang="en-US" dirty="0"/>
+              <a:t>It's helpful to create intermediate tables to reference later in the query. </a:t>
+            </a:r>
+            <a:endParaRPr dirty="0"/>
           </a:p>
           <a:p>
             <a:pPr marL="342900" lvl="0" indent="-165100">
@@ -40863,7 +41317,7 @@
               </a:spcAft>
               <a:buNone/>
             </a:pPr>
-            <a:endParaRPr/>
+            <a:endParaRPr dirty="0"/>
           </a:p>
           <a:p>
             <a:pPr marL="342900" lvl="0" indent="-165100">
@@ -40876,14 +41330,30 @@
               <a:buNone/>
             </a:pPr>
             <a:r>
-              <a:rPr lang="en-US" sz="2400" b="1"/>
+              <a:rPr lang="en-US" sz="2400" b="1" dirty="0"/>
               <a:t>WITH</a:t>
             </a:r>
             <a:r>
-              <a:rPr lang="en-US" sz="2400"/>
-              <a:t> intermediate_table_name as(</a:t>
-            </a:r>
-            <a:endParaRPr sz="2400"/>
+              <a:rPr lang="en-US" sz="2400" dirty="0"/>
+              <a:t> </a:t>
+            </a:r>
+            <a:r>
+              <a:rPr lang="en-US" sz="2400" dirty="0" err="1"/>
+              <a:t>intermediate_table_name</a:t>
+            </a:r>
+            <a:r>
+              <a:rPr lang="en-US" sz="2400" dirty="0"/>
+              <a:t> </a:t>
+            </a:r>
+            <a:r>
+              <a:rPr lang="en-US" sz="2400" b="1" dirty="0"/>
+              <a:t>AS</a:t>
+            </a:r>
+            <a:r>
+              <a:rPr lang="en-US" sz="2400" dirty="0"/>
+              <a:t>(</a:t>
+            </a:r>
+            <a:endParaRPr sz="2400" dirty="0"/>
           </a:p>
           <a:p>
             <a:pPr marL="177800" lvl="0" indent="0" rtl="0">
@@ -40901,7 +41371,7 @@
               <a:buNone/>
             </a:pPr>
             <a:r>
-              <a:rPr lang="en-US" sz="2400" b="1">
+              <a:rPr lang="en-US" sz="2400" b="1" dirty="0">
                 <a:solidFill>
                   <a:srgbClr val="B45F06"/>
                 </a:solidFill>
@@ -40909,10 +41379,10 @@
               <a:t>SELECT</a:t>
             </a:r>
             <a:r>
-              <a:rPr lang="en-US" sz="2400"/>
+              <a:rPr lang="en-US" sz="2400" dirty="0"/>
               <a:t> column1, column2, </a:t>
             </a:r>
-            <a:endParaRPr sz="2400"/>
+            <a:endParaRPr sz="2400" dirty="0"/>
           </a:p>
           <a:p>
             <a:pPr marL="177800" lvl="0" indent="0" rtl="0">
@@ -40925,7 +41395,7 @@
               <a:buNone/>
             </a:pPr>
             <a:r>
-              <a:rPr lang="en-US" sz="2400" b="1">
+              <a:rPr lang="en-US" sz="2400" b="1" dirty="0">
                 <a:solidFill>
                   <a:srgbClr val="3D85C6"/>
                 </a:solidFill>
@@ -40933,10 +41403,10 @@
               <a:t>FROM</a:t>
             </a:r>
             <a:r>
-              <a:rPr lang="en-US" sz="2400"/>
+              <a:rPr lang="en-US" sz="2400" dirty="0"/>
               <a:t> table)</a:t>
             </a:r>
-            <a:endParaRPr sz="2400"/>
+            <a:endParaRPr sz="2400" dirty="0"/>
           </a:p>
           <a:p>
             <a:pPr marL="177800" lvl="0" indent="0" rtl="0">
@@ -40948,7 +41418,7 @@
               </a:spcAft>
               <a:buNone/>
             </a:pPr>
-            <a:endParaRPr sz="2400"/>
+            <a:endParaRPr sz="2400" dirty="0"/>
           </a:p>
           <a:p>
             <a:pPr marL="177800" lvl="0" indent="0" rtl="0">
@@ -40961,7 +41431,7 @@
               <a:buNone/>
             </a:pPr>
             <a:r>
-              <a:rPr lang="en-US" sz="2400" b="1">
+              <a:rPr lang="en-US" sz="2400" b="1" dirty="0">
                 <a:solidFill>
                   <a:srgbClr val="B45F06"/>
                 </a:solidFill>
@@ -40969,10 +41439,10 @@
               <a:t>SELECT</a:t>
             </a:r>
             <a:r>
-              <a:rPr lang="en-US" sz="2400"/>
+              <a:rPr lang="en-US" sz="2400" dirty="0"/>
               <a:t> column1, column2, </a:t>
             </a:r>
-            <a:endParaRPr sz="2400"/>
+            <a:endParaRPr sz="2400" dirty="0"/>
           </a:p>
           <a:p>
             <a:pPr marL="177800" lvl="0" indent="0" rtl="0">
@@ -40985,7 +41455,7 @@
               <a:buNone/>
             </a:pPr>
             <a:r>
-              <a:rPr lang="en-US" sz="2400" b="1">
+              <a:rPr lang="en-US" sz="2400" b="1" dirty="0">
                 <a:solidFill>
                   <a:srgbClr val="3D85C6"/>
                 </a:solidFill>
@@ -40993,10 +41463,14 @@
               <a:t>FROM</a:t>
             </a:r>
             <a:r>
-              <a:rPr lang="en-US" sz="2400"/>
-              <a:t> intermediate_table_name</a:t>
-            </a:r>
-            <a:endParaRPr sz="2400"/>
+              <a:rPr lang="en-US" sz="2400" dirty="0"/>
+              <a:t> </a:t>
+            </a:r>
+            <a:r>
+              <a:rPr lang="en-US" sz="2400" dirty="0" err="1"/>
+              <a:t>intermediate_table_name</a:t>
+            </a:r>
+            <a:endParaRPr sz="2400" dirty="0"/>
           </a:p>
           <a:p>
             <a:pPr marL="177800" lvl="0" indent="0" rtl="0">
@@ -41014,7 +41488,7 @@
               <a:buNone/>
             </a:pPr>
             <a:r>
-              <a:rPr lang="en-US" sz="2400" b="1">
+              <a:rPr lang="en-US" sz="2400" b="1" dirty="0">
                 <a:solidFill>
                   <a:srgbClr val="674EA7"/>
                 </a:solidFill>
@@ -41022,10 +41496,10 @@
               <a:t>WHERE</a:t>
             </a:r>
             <a:r>
-              <a:rPr lang="en-US" sz="2400"/>
+              <a:rPr lang="en-US" sz="2400" dirty="0"/>
               <a:t>…. </a:t>
             </a:r>
-            <a:endParaRPr sz="2400"/>
+            <a:endParaRPr sz="2400" dirty="0"/>
           </a:p>
           <a:p>
             <a:pPr marL="0" lvl="0" indent="0">
@@ -41037,7 +41511,7 @@
               </a:spcAft>
               <a:buNone/>
             </a:pPr>
-            <a:endParaRPr b="1"/>
+            <a:endParaRPr b="1" dirty="0"/>
           </a:p>
         </p:txBody>
       </p:sp>
@@ -44248,7 +44722,7 @@
             </a:r>
             <a:r>
               <a:rPr lang="en-US" sz="1800" dirty="0" err="1"/>
-              <a:t>Apple_new</a:t>
+              <a:t>apple_new</a:t>
             </a:r>
             <a:r>
               <a:rPr lang="en-US" sz="1800" dirty="0"/>
@@ -44338,7 +44812,7 @@
                   <a:schemeClr val="dk1"/>
                 </a:solidFill>
               </a:rPr>
-              <a:t> ‘Q1’</a:t>
+              <a:t> 'Q1'</a:t>
             </a:r>
             <a:endParaRPr sz="1800" dirty="0">
               <a:solidFill>
@@ -44362,20 +44836,12 @@
               <a:buNone/>
             </a:pPr>
             <a:r>
-              <a:rPr lang="en-US" sz="1800" dirty="0">
+              <a:rPr lang="en-US" sz="1800" b="1" dirty="0">
                 <a:solidFill>
                   <a:schemeClr val="dk1"/>
                 </a:solidFill>
               </a:rPr>
-              <a:t>		   </a:t>
-            </a:r>
-            <a:r>
-              <a:rPr lang="en-US" sz="1800" b="1" dirty="0">
-                <a:solidFill>
-                  <a:schemeClr val="dk1"/>
-                </a:solidFill>
-              </a:rPr>
-              <a:t>WHEN</a:t>
+              <a:t>	WHEN</a:t>
             </a:r>
             <a:r>
               <a:rPr lang="en-US" sz="1800" dirty="0">
@@ -44399,7 +44865,7 @@
                   <a:schemeClr val="dk1"/>
                 </a:solidFill>
               </a:rPr>
-              <a:t> ‘Q2’</a:t>
+              <a:t> 'Q2'</a:t>
             </a:r>
             <a:endParaRPr sz="1800" dirty="0">
               <a:solidFill>
@@ -44428,7 +44894,7 @@
                   <a:schemeClr val="dk1"/>
                 </a:solidFill>
               </a:rPr>
-              <a:t>		   </a:t>
+              <a:t>	</a:t>
             </a:r>
             <a:r>
               <a:rPr lang="en-US" sz="1800" b="1" dirty="0">
@@ -44460,7 +44926,7 @@
                   <a:schemeClr val="dk1"/>
                 </a:solidFill>
               </a:rPr>
-              <a:t> ‘Q3’</a:t>
+              <a:t> 'Q3'</a:t>
             </a:r>
             <a:endParaRPr sz="1800" dirty="0">
               <a:solidFill>
@@ -44505,7 +44971,7 @@
                   <a:schemeClr val="dk1"/>
                 </a:solidFill>
               </a:rPr>
-              <a:t> ‘Q4’ </a:t>
+              <a:t> 'Q4' </a:t>
             </a:r>
             <a:r>
               <a:rPr lang="en-US" sz="1800" b="1" dirty="0">
@@ -44521,7 +44987,23 @@
                   <a:schemeClr val="dk1"/>
                 </a:solidFill>
               </a:rPr>
-              <a:t> as Quarter,</a:t>
+              <a:t> </a:t>
+            </a:r>
+            <a:r>
+              <a:rPr lang="en-US" sz="1800" b="1" dirty="0">
+                <a:solidFill>
+                  <a:schemeClr val="dk1"/>
+                </a:solidFill>
+              </a:rPr>
+              <a:t>AS</a:t>
+            </a:r>
+            <a:r>
+              <a:rPr lang="en-US" sz="1800" dirty="0">
+                <a:solidFill>
+                  <a:schemeClr val="dk1"/>
+                </a:solidFill>
+              </a:rPr>
+              <a:t> quarter,</a:t>
             </a:r>
             <a:endParaRPr sz="1800" dirty="0">
               <a:solidFill>
@@ -44574,7 +45056,7 @@
                   <a:schemeClr val="dk1"/>
                 </a:solidFill>
               </a:rPr>
-              <a:t> ‘H2’</a:t>
+              <a:t> 'H2'</a:t>
             </a:r>
             <a:endParaRPr sz="1800" dirty="0">
               <a:solidFill>
@@ -44619,7 +45101,7 @@
                   <a:schemeClr val="dk1"/>
                 </a:solidFill>
               </a:rPr>
-              <a:t> ‘H1’ </a:t>
+              <a:t> 'H1' </a:t>
             </a:r>
             <a:r>
               <a:rPr lang="en-US" sz="1800" b="1" dirty="0">
@@ -44627,7 +45109,7 @@
                   <a:schemeClr val="dk1"/>
                 </a:solidFill>
               </a:rPr>
-              <a:t>END </a:t>
+              <a:t>END AS</a:t>
             </a:r>
             <a:r>
               <a:rPr lang="en-US" sz="1800" dirty="0">
@@ -44635,7 +45117,7 @@
                   <a:schemeClr val="dk1"/>
                 </a:solidFill>
               </a:rPr>
-              <a:t>as Half</a:t>
+              <a:t> half</a:t>
             </a:r>
             <a:endParaRPr sz="1800" dirty="0">
               <a:solidFill>
@@ -44731,7 +45213,7 @@
                   <a:schemeClr val="dk1"/>
                 </a:solidFill>
               </a:rPr>
-              <a:t> Quarter, AVG(close)</a:t>
+              <a:t> quarter, AVG(close)</a:t>
             </a:r>
             <a:endParaRPr sz="1800" dirty="0">
               <a:solidFill>
@@ -44771,7 +45253,7 @@
                   <a:schemeClr val="dk1"/>
                 </a:solidFill>
               </a:rPr>
-              <a:t>Apple_new</a:t>
+              <a:t>apple_new</a:t>
             </a:r>
             <a:endParaRPr sz="1800" dirty="0">
               <a:solidFill>
@@ -44827,7 +45309,7 @@
                   <a:srgbClr val="674EA7"/>
                 </a:solidFill>
               </a:rPr>
-              <a:t>GROUP</a:t>
+              <a:t>GROUP BY</a:t>
             </a:r>
             <a:r>
               <a:rPr lang="en-US" sz="1800" dirty="0">
@@ -44835,7 +45317,7 @@
                   <a:schemeClr val="dk1"/>
                 </a:solidFill>
               </a:rPr>
-              <a:t> by 1</a:t>
+              <a:t> quarter</a:t>
             </a:r>
             <a:endParaRPr sz="1800" dirty="0">
               <a:solidFill>
@@ -44864,7 +45346,7 @@
                   <a:srgbClr val="674EA7"/>
                 </a:solidFill>
               </a:rPr>
-              <a:t>ORDER</a:t>
+              <a:t>ORDER BY</a:t>
             </a:r>
             <a:r>
               <a:rPr lang="en-US" sz="1800" dirty="0">
@@ -44872,7 +45354,7 @@
                   <a:schemeClr val="dk1"/>
                 </a:solidFill>
               </a:rPr>
-              <a:t> by 1</a:t>
+              <a:t> quarter;</a:t>
             </a:r>
             <a:endParaRPr sz="1800" dirty="0">
               <a:solidFill>
@@ -44984,10 +45466,18 @@
               <a:buNone/>
             </a:pPr>
             <a:r>
-              <a:rPr lang="en-US"/>
-              <a:t>Using tutorial.patient_list, create a table with the average height and average weight of patients in their teens, 20’s, 30’s, etc.</a:t>
-            </a:r>
-            <a:endParaRPr/>
+              <a:rPr lang="en-US" dirty="0"/>
+              <a:t>Using </a:t>
+            </a:r>
+            <a:r>
+              <a:rPr lang="en-US" dirty="0" err="1"/>
+              <a:t>tutorial.patient_list</a:t>
+            </a:r>
+            <a:r>
+              <a:rPr lang="en-US" dirty="0"/>
+              <a:t>, create a table with the average height and average weight of patients in their teens, 20's, 30's, etc.</a:t>
+            </a:r>
+            <a:endParaRPr dirty="0"/>
           </a:p>
           <a:p>
             <a:pPr marL="342900" lvl="0" indent="-165100">
@@ -44999,7 +45489,7 @@
               </a:spcAft>
               <a:buNone/>
             </a:pPr>
-            <a:endParaRPr/>
+            <a:endParaRPr dirty="0"/>
           </a:p>
           <a:p>
             <a:pPr marL="342900" lvl="0" indent="-165100" rtl="0">
@@ -45012,10 +45502,10 @@
               <a:buNone/>
             </a:pPr>
             <a:r>
-              <a:rPr lang="en-US"/>
-              <a:t>This doesn’t necessarily need an intermediate table, but it can make it easier.</a:t>
-            </a:r>
-            <a:endParaRPr/>
+              <a:rPr lang="en-US" dirty="0"/>
+              <a:t>This doesn't necessarily need an intermediate table, but it can make it easier.</a:t>
+            </a:r>
+            <a:endParaRPr dirty="0"/>
           </a:p>
         </p:txBody>
       </p:sp>
@@ -45163,10 +45653,10 @@
               <a:buNone/>
             </a:pPr>
             <a:r>
-              <a:rPr lang="en-US"/>
-              <a:t>There’s a useful trick that orders tables by a certain parameter in an intermediate stage</a:t>
-            </a:r>
-            <a:endParaRPr/>
+              <a:rPr lang="en-US" dirty="0"/>
+              <a:t>There's a useful trick that orders tables by a certain parameter in an intermediate stage</a:t>
+            </a:r>
+            <a:endParaRPr dirty="0"/>
           </a:p>
           <a:p>
             <a:pPr marL="342900" lvl="0" indent="-165100" rtl="0">
@@ -45178,7 +45668,7 @@
               </a:spcAft>
               <a:buNone/>
             </a:pPr>
-            <a:endParaRPr/>
+            <a:endParaRPr dirty="0"/>
           </a:p>
           <a:p>
             <a:pPr marL="177800" lvl="0" indent="0" rtl="0">
@@ -45191,30 +45681,30 @@
               <a:buNone/>
             </a:pPr>
             <a:r>
-              <a:rPr lang="en-US" sz="2400" b="1"/>
+              <a:rPr lang="en-US" sz="2400" b="1" dirty="0"/>
               <a:t>RANK</a:t>
             </a:r>
             <a:r>
-              <a:rPr lang="en-US" sz="2400"/>
+              <a:rPr lang="en-US" sz="2400" dirty="0"/>
               <a:t>() </a:t>
             </a:r>
             <a:r>
-              <a:rPr lang="en-US" sz="2400" b="1"/>
+              <a:rPr lang="en-US" sz="2400" b="1" dirty="0"/>
               <a:t>OVER</a:t>
             </a:r>
             <a:r>
-              <a:rPr lang="en-US" sz="2400"/>
+              <a:rPr lang="en-US" sz="2400" dirty="0"/>
               <a:t> (</a:t>
             </a:r>
             <a:r>
-              <a:rPr lang="en-US" sz="2400" b="1"/>
+              <a:rPr lang="en-US" sz="2400" b="1" dirty="0"/>
               <a:t>ORDER</a:t>
             </a:r>
             <a:r>
-              <a:rPr lang="en-US" sz="2400"/>
+              <a:rPr lang="en-US" sz="2400" dirty="0"/>
               <a:t> by Column) as Rank</a:t>
             </a:r>
-            <a:endParaRPr sz="2400"/>
+            <a:endParaRPr sz="2400" dirty="0"/>
           </a:p>
           <a:p>
             <a:pPr marL="177800" lvl="0" indent="0" rtl="0">
@@ -45226,7 +45716,7 @@
               </a:spcAft>
               <a:buNone/>
             </a:pPr>
-            <a:endParaRPr sz="2400"/>
+            <a:endParaRPr sz="2400" dirty="0"/>
           </a:p>
           <a:p>
             <a:pPr marL="177800" lvl="0" indent="0" rtl="0">
@@ -45239,10 +45729,10 @@
               <a:buNone/>
             </a:pPr>
             <a:r>
-              <a:rPr lang="en-US" sz="2400"/>
+              <a:rPr lang="en-US" sz="2400" dirty="0"/>
               <a:t>This takes a column of your choice, orders by that column, and ranks the values. This is helpful for referencing in later parts of the query.</a:t>
             </a:r>
-            <a:endParaRPr sz="2400"/>
+            <a:endParaRPr sz="2400" dirty="0"/>
           </a:p>
           <a:p>
             <a:pPr marL="0" lvl="0" indent="0" rtl="0">
@@ -45254,7 +45744,7 @@
               </a:spcAft>
               <a:buNone/>
             </a:pPr>
-            <a:endParaRPr b="1"/>
+            <a:endParaRPr b="1" dirty="0"/>
           </a:p>
         </p:txBody>
       </p:sp>
@@ -45407,10 +45897,73 @@
               <a:buNone/>
             </a:pPr>
             <a:r>
-              <a:rPr lang="en-US" sz="2000"/>
-              <a:t>WITH Smith_Patients AS(</a:t>
-            </a:r>
-            <a:endParaRPr sz="2000"/>
+              <a:rPr lang="en-US" sz="2000" b="1" dirty="0"/>
+              <a:t>WITH</a:t>
+            </a:r>
+            <a:r>
+              <a:rPr lang="en-US" sz="2000" dirty="0"/>
+              <a:t> </a:t>
+            </a:r>
+            <a:r>
+              <a:rPr lang="en-US" sz="2000" dirty="0" err="1"/>
+              <a:t>Smith_Patients</a:t>
+            </a:r>
+            <a:r>
+              <a:rPr lang="en-US" sz="2000" dirty="0"/>
+              <a:t> </a:t>
+            </a:r>
+            <a:r>
+              <a:rPr lang="en-US" sz="2000" b="1" dirty="0"/>
+              <a:t>AS</a:t>
+            </a:r>
+            <a:r>
+              <a:rPr lang="en-US" sz="2000" dirty="0"/>
+              <a:t>(</a:t>
+            </a:r>
+            <a:endParaRPr sz="2000" dirty="0"/>
+          </a:p>
+          <a:p>
+            <a:pPr marL="342900" lvl="0" indent="-165100">
+              <a:buSzPts val="1100"/>
+              <a:buNone/>
+            </a:pPr>
+            <a:r>
+              <a:rPr lang="en-US" sz="2000" b="1" dirty="0">
+                <a:solidFill>
+                  <a:srgbClr val="B45F06"/>
+                </a:solidFill>
+              </a:rPr>
+              <a:t>SELECT</a:t>
+            </a:r>
+            <a:r>
+              <a:rPr lang="en-US" sz="2000" dirty="0"/>
+              <a:t> </a:t>
+            </a:r>
+            <a:r>
+              <a:rPr lang="en-US" sz="2000" dirty="0" err="1"/>
+              <a:t>patient_id</a:t>
+            </a:r>
+            <a:r>
+              <a:rPr lang="en-US" sz="2000" dirty="0"/>
+              <a:t>, </a:t>
+            </a:r>
+            <a:r>
+              <a:rPr lang="en-US" sz="2000" dirty="0" err="1"/>
+              <a:t>physician_last_name</a:t>
+            </a:r>
+            <a:r>
+              <a:rPr lang="en-US" sz="2000" dirty="0"/>
+              <a:t>, </a:t>
+            </a:r>
+            <a:r>
+              <a:rPr lang="en-US" sz="2000" dirty="0" err="1"/>
+              <a:t>weight_lbs</a:t>
+            </a:r>
+            <a:r>
+              <a:rPr lang="en-US" sz="2000" dirty="0"/>
+              <a:t>,</a:t>
+            </a:r>
+            <a:endParaRPr sz="2000" dirty="0"/>
           </a:p>
           <a:p>
             <a:pPr marL="342900" lvl="0" indent="-165100">
@@ -45428,10 +45981,81 @@
               <a:buNone/>
             </a:pPr>
             <a:r>
-              <a:rPr lang="en-US" sz="2000"/>
-              <a:t>SELECT patient_id, physician_last_name, weight_lbs,</a:t>
-            </a:r>
-            <a:endParaRPr sz="2000"/>
+              <a:rPr lang="en-US" sz="2000" b="1" dirty="0"/>
+              <a:t>RANK</a:t>
+            </a:r>
+            <a:r>
+              <a:rPr lang="en-US" sz="2000" dirty="0"/>
+              <a:t>() </a:t>
+            </a:r>
+            <a:r>
+              <a:rPr lang="en-US" sz="2000" b="1" dirty="0"/>
+              <a:t>OVER</a:t>
+            </a:r>
+            <a:r>
+              <a:rPr lang="en-US" sz="2000" dirty="0"/>
+              <a:t> (</a:t>
+            </a:r>
+            <a:r>
+              <a:rPr lang="en-US" sz="2000" b="1" dirty="0">
+                <a:solidFill>
+                  <a:srgbClr val="7030A0"/>
+                </a:solidFill>
+              </a:rPr>
+              <a:t>ORDER BY</a:t>
+            </a:r>
+            <a:r>
+              <a:rPr lang="en-US" sz="2000" dirty="0"/>
+              <a:t> </a:t>
+            </a:r>
+            <a:r>
+              <a:rPr lang="en-US" sz="2000" dirty="0" err="1"/>
+              <a:t>weight_lbs</a:t>
+            </a:r>
+            <a:r>
+              <a:rPr lang="en-US" sz="2000" dirty="0"/>
+              <a:t> </a:t>
+            </a:r>
+            <a:r>
+              <a:rPr lang="en-US" sz="2000" b="1" dirty="0"/>
+              <a:t>DESC</a:t>
+            </a:r>
+            <a:r>
+              <a:rPr lang="en-US" sz="2000" dirty="0"/>
+              <a:t>) as </a:t>
+            </a:r>
+            <a:r>
+              <a:rPr lang="en-US" sz="2000" dirty="0" err="1"/>
+              <a:t>Weight_Rank</a:t>
+            </a:r>
+            <a:endParaRPr sz="2000" dirty="0"/>
+          </a:p>
+          <a:p>
+            <a:pPr marL="342900" lvl="0" indent="-165100">
+              <a:buSzPts val="1100"/>
+              <a:buNone/>
+            </a:pPr>
+            <a:r>
+              <a:rPr lang="en-US" sz="2000" b="1" dirty="0">
+                <a:solidFill>
+                  <a:srgbClr val="3D85C6"/>
+                </a:solidFill>
+              </a:rPr>
+              <a:t>FROM</a:t>
+            </a:r>
+            <a:r>
+              <a:rPr lang="en-US" sz="2000" dirty="0"/>
+              <a:t> </a:t>
+            </a:r>
+            <a:r>
+              <a:rPr lang="en-US" sz="2000" dirty="0" err="1"/>
+              <a:t>tutorial.patient_list</a:t>
+            </a:r>
+            <a:r>
+              <a:rPr lang="en-US" sz="2000" dirty="0"/>
+              <a:t> </a:t>
+            </a:r>
+            <a:endParaRPr sz="2000" dirty="0"/>
           </a:p>
           <a:p>
             <a:pPr marL="342900" lvl="0" indent="-165100">
@@ -45449,10 +46073,26 @@
               <a:buNone/>
             </a:pPr>
             <a:r>
-              <a:rPr lang="en-US" sz="2000"/>
-              <a:t>RANK() OVER (ORDER BY weight_lbs DESC) as Weight_Rank</a:t>
-            </a:r>
-            <a:endParaRPr sz="2000"/>
+              <a:rPr lang="en-US" sz="2000" b="1" dirty="0">
+                <a:solidFill>
+                  <a:srgbClr val="7030A0"/>
+                </a:solidFill>
+              </a:rPr>
+              <a:t>WHERE</a:t>
+            </a:r>
+            <a:r>
+              <a:rPr lang="en-US" sz="2000" dirty="0"/>
+              <a:t> </a:t>
+            </a:r>
+            <a:r>
+              <a:rPr lang="en-US" sz="2000" dirty="0" err="1"/>
+              <a:t>physician_last_name</a:t>
+            </a:r>
+            <a:r>
+              <a:rPr lang="en-US" sz="2000" dirty="0"/>
+              <a:t> = 'Smith'</a:t>
+            </a:r>
+            <a:endParaRPr sz="2000" dirty="0"/>
           </a:p>
           <a:p>
             <a:pPr marL="342900" lvl="0" indent="-165100">
@@ -45470,10 +46110,42 @@
               <a:buNone/>
             </a:pPr>
             <a:r>
-              <a:rPr lang="en-US" sz="2000"/>
-              <a:t>FROM tutorial.patient_list </a:t>
-            </a:r>
-            <a:endParaRPr sz="2000"/>
+              <a:rPr lang="en-US" sz="2000" b="1" dirty="0">
+                <a:solidFill>
+                  <a:srgbClr val="7030A0"/>
+                </a:solidFill>
+              </a:rPr>
+              <a:t>AND</a:t>
+            </a:r>
+            <a:r>
+              <a:rPr lang="en-US" sz="2000" dirty="0"/>
+              <a:t> </a:t>
+            </a:r>
+            <a:r>
+              <a:rPr lang="en-US" sz="2000" dirty="0" err="1"/>
+              <a:t>weight_lbs</a:t>
+            </a:r>
+            <a:r>
+              <a:rPr lang="en-US" sz="2000" dirty="0"/>
+              <a:t> </a:t>
+            </a:r>
+            <a:r>
+              <a:rPr lang="en-US" sz="2000" b="1" dirty="0"/>
+              <a:t>IS</a:t>
+            </a:r>
+            <a:r>
+              <a:rPr lang="en-US" sz="2000" dirty="0"/>
+              <a:t> </a:t>
+            </a:r>
+            <a:r>
+              <a:rPr lang="en-US" sz="2000" b="1" dirty="0"/>
+              <a:t>NOT NULL</a:t>
+            </a:r>
+            <a:r>
+              <a:rPr lang="en-US" sz="2000" dirty="0"/>
+              <a:t>)</a:t>
+            </a:r>
+            <a:endParaRPr sz="2000" dirty="0"/>
           </a:p>
           <a:p>
             <a:pPr marL="342900" lvl="0" indent="-165100">
@@ -45490,11 +46162,48 @@
               <a:buFont typeface="Arial"/>
               <a:buNone/>
             </a:pPr>
-            <a:r>
-              <a:rPr lang="en-US" sz="2000"/>
-              <a:t>WHERE physician_last_name = 'Smith'</a:t>
-            </a:r>
-            <a:endParaRPr sz="2000"/>
+            <a:endParaRPr sz="2000" dirty="0"/>
+          </a:p>
+          <a:p>
+            <a:pPr marL="342900" lvl="0" indent="-165100">
+              <a:buSzPts val="1100"/>
+              <a:buNone/>
+            </a:pPr>
+            <a:r>
+              <a:rPr lang="en-US" sz="2000" b="1" dirty="0">
+                <a:solidFill>
+                  <a:srgbClr val="B45F06"/>
+                </a:solidFill>
+              </a:rPr>
+              <a:t>SELECT</a:t>
+            </a:r>
+            <a:r>
+              <a:rPr lang="en-US" sz="2000" dirty="0"/>
+              <a:t> *</a:t>
+            </a:r>
+          </a:p>
+          <a:p>
+            <a:pPr marL="342900" lvl="0" indent="-165100">
+              <a:buSzPts val="1100"/>
+              <a:buNone/>
+            </a:pPr>
+            <a:r>
+              <a:rPr lang="en-US" sz="2000" b="1" dirty="0">
+                <a:solidFill>
+                  <a:srgbClr val="3D85C6"/>
+                </a:solidFill>
+              </a:rPr>
+              <a:t>FROM</a:t>
+            </a:r>
+            <a:r>
+              <a:rPr lang="en-US" sz="2000" dirty="0"/>
+              <a:t> </a:t>
+            </a:r>
+            <a:r>
+              <a:rPr lang="en-US" sz="2000" dirty="0" err="1"/>
+              <a:t>Smith_Patients</a:t>
+            </a:r>
+            <a:endParaRPr sz="2000" dirty="0"/>
           </a:p>
           <a:p>
             <a:pPr marL="342900" lvl="0" indent="-165100">
@@ -45512,10 +46221,26 @@
               <a:buNone/>
             </a:pPr>
             <a:r>
-              <a:rPr lang="en-US" sz="2000"/>
-              <a:t>AND weight_lbs is NOT NULL)</a:t>
-            </a:r>
-            <a:endParaRPr sz="2000"/>
+              <a:rPr lang="en-US" sz="2000" b="1" dirty="0">
+                <a:solidFill>
+                  <a:srgbClr val="7030A0"/>
+                </a:solidFill>
+              </a:rPr>
+              <a:t>WHERE</a:t>
+            </a:r>
+            <a:r>
+              <a:rPr lang="en-US" sz="2000" dirty="0"/>
+              <a:t> </a:t>
+            </a:r>
+            <a:r>
+              <a:rPr lang="en-US" sz="2000" dirty="0" err="1"/>
+              <a:t>Weight_Rank</a:t>
+            </a:r>
+            <a:r>
+              <a:rPr lang="en-US" sz="2000" dirty="0"/>
+              <a:t> &lt;= 5;</a:t>
+            </a:r>
+            <a:endParaRPr sz="2000" dirty="0"/>
           </a:p>
           <a:p>
             <a:pPr marL="342900" lvl="0" indent="-165100">
@@ -45525,68 +46250,9 @@
               <a:spcAft>
                 <a:spcPts val="0"/>
               </a:spcAft>
-              <a:buClr>
-                <a:schemeClr val="dk1"/>
-              </a:buClr>
-              <a:buSzPts val="1100"/>
-              <a:buFont typeface="Arial"/>
-              <a:buNone/>
-            </a:pPr>
-            <a:endParaRPr sz="2000"/>
-          </a:p>
-          <a:p>
-            <a:pPr marL="342900" lvl="0" indent="-165100">
-              <a:spcBef>
-                <a:spcPts val="560"/>
-              </a:spcBef>
-              <a:spcAft>
-                <a:spcPts val="0"/>
-              </a:spcAft>
-              <a:buClr>
-                <a:schemeClr val="dk1"/>
-              </a:buClr>
-              <a:buSzPts val="1100"/>
-              <a:buFont typeface="Arial"/>
-              <a:buNone/>
-            </a:pPr>
-            <a:r>
-              <a:rPr lang="en-US" sz="2000"/>
-              <a:t>SELECT * FROM Smith_Patients</a:t>
-            </a:r>
-            <a:endParaRPr sz="2000"/>
-          </a:p>
-          <a:p>
-            <a:pPr marL="342900" lvl="0" indent="-165100">
-              <a:spcBef>
-                <a:spcPts val="560"/>
-              </a:spcBef>
-              <a:spcAft>
-                <a:spcPts val="0"/>
-              </a:spcAft>
-              <a:buClr>
-                <a:schemeClr val="dk1"/>
-              </a:buClr>
-              <a:buSzPts val="1100"/>
-              <a:buFont typeface="Arial"/>
-              <a:buNone/>
-            </a:pPr>
-            <a:r>
-              <a:rPr lang="en-US" sz="2000"/>
-              <a:t>WHERE Weight_Rank &lt;= 5</a:t>
-            </a:r>
-            <a:endParaRPr sz="2000"/>
-          </a:p>
-          <a:p>
-            <a:pPr marL="342900" lvl="0" indent="-165100">
-              <a:spcBef>
-                <a:spcPts val="560"/>
-              </a:spcBef>
-              <a:spcAft>
-                <a:spcPts val="0"/>
-              </a:spcAft>
-              <a:buNone/>
-            </a:pPr>
-            <a:endParaRPr/>
+              <a:buNone/>
+            </a:pPr>
+            <a:endParaRPr dirty="0"/>
           </a:p>
         </p:txBody>
       </p:sp>
@@ -45632,7 +46298,7 @@
               <a:rPr lang="en-US"/>
               <a:t>53</a:t>
             </a:fld>
-            <a:endParaRPr/>
+            <a:endParaRPr dirty="0"/>
           </a:p>
         </p:txBody>
       </p:sp>
@@ -46314,10 +46980,10 @@
               <a:buNone/>
             </a:pPr>
             <a:r>
-              <a:rPr lang="en-US"/>
-              <a:t>You’ll learn more about Joins in the intermediate workshop, but for now we can put multiple tables in the FROM statement</a:t>
-            </a:r>
-            <a:endParaRPr/>
+              <a:rPr lang="en-US" dirty="0"/>
+              <a:t>You'll learn more about Joins in the intermediate workshop, but for now we can put multiple tables in the FROM statement</a:t>
+            </a:r>
+            <a:endParaRPr dirty="0"/>
           </a:p>
           <a:p>
             <a:pPr marL="177800" lvl="0" indent="0" rtl="0">
@@ -46329,7 +46995,7 @@
               </a:spcAft>
               <a:buNone/>
             </a:pPr>
-            <a:endParaRPr sz="2400" b="1">
+            <a:endParaRPr sz="2400" b="1" dirty="0">
               <a:solidFill>
                 <a:srgbClr val="E69138"/>
               </a:solidFill>
@@ -46346,7 +47012,7 @@
               <a:buNone/>
             </a:pPr>
             <a:r>
-              <a:rPr lang="en-US" sz="2400" b="1">
+              <a:rPr lang="en-US" sz="2400" b="1" dirty="0">
                 <a:solidFill>
                   <a:srgbClr val="E69138"/>
                 </a:solidFill>
@@ -46354,10 +47020,26 @@
               <a:t>SELECT</a:t>
             </a:r>
             <a:r>
-              <a:rPr lang="en-US" sz="2400"/>
-              <a:t> a.column 1, b.column 1</a:t>
-            </a:r>
-            <a:endParaRPr sz="2400"/>
+              <a:rPr lang="en-US" sz="2400" dirty="0"/>
+              <a:t> </a:t>
+            </a:r>
+            <a:r>
+              <a:rPr lang="en-US" sz="2400" dirty="0" err="1"/>
+              <a:t>a.column</a:t>
+            </a:r>
+            <a:r>
+              <a:rPr lang="en-US" sz="2400" dirty="0"/>
+              <a:t> 1, </a:t>
+            </a:r>
+            <a:r>
+              <a:rPr lang="en-US" sz="2400" dirty="0" err="1"/>
+              <a:t>b.column</a:t>
+            </a:r>
+            <a:r>
+              <a:rPr lang="en-US" sz="2400" dirty="0"/>
+              <a:t> 1</a:t>
+            </a:r>
+            <a:endParaRPr sz="2400" dirty="0"/>
           </a:p>
           <a:p>
             <a:pPr marL="177800" lvl="0" indent="0" rtl="0">
@@ -46370,7 +47052,7 @@
               <a:buNone/>
             </a:pPr>
             <a:r>
-              <a:rPr lang="en-US" sz="2400" b="1">
+              <a:rPr lang="en-US" sz="2400" b="1" dirty="0">
                 <a:solidFill>
                   <a:srgbClr val="3C78D8"/>
                 </a:solidFill>
@@ -46378,10 +47060,10 @@
               <a:t>FROM</a:t>
             </a:r>
             <a:r>
-              <a:rPr lang="en-US" sz="2400"/>
-              <a:t> table a, table b			</a:t>
-            </a:r>
-            <a:endParaRPr sz="2400"/>
+              <a:rPr lang="en-US" sz="2400" dirty="0"/>
+              <a:t> table a, table b;			</a:t>
+            </a:r>
+            <a:endParaRPr sz="2400" dirty="0"/>
           </a:p>
           <a:p>
             <a:pPr marL="342900" lvl="0" indent="-165100" rtl="0">
@@ -46393,7 +47075,7 @@
               </a:spcAft>
               <a:buNone/>
             </a:pPr>
-            <a:endParaRPr/>
+            <a:endParaRPr dirty="0"/>
           </a:p>
           <a:p>
             <a:pPr marL="342900" lvl="0" indent="-165100" rtl="0">
@@ -46406,10 +47088,10 @@
               <a:buNone/>
             </a:pPr>
             <a:r>
-              <a:rPr lang="en-US"/>
+              <a:rPr lang="en-US" dirty="0"/>
               <a:t> </a:t>
             </a:r>
-            <a:endParaRPr/>
+            <a:endParaRPr dirty="0"/>
           </a:p>
         </p:txBody>
       </p:sp>
@@ -46562,7 +47244,7 @@
               <a:buNone/>
             </a:pPr>
             <a:r>
-              <a:rPr lang="en-US" sz="2400" b="1">
+              <a:rPr lang="en-US" sz="2400" b="1" dirty="0">
                 <a:solidFill>
                   <a:srgbClr val="E69138"/>
                 </a:solidFill>
@@ -46570,10 +47252,30 @@
               <a:t>SELECT</a:t>
             </a:r>
             <a:r>
-              <a:rPr lang="en-US" sz="2400"/>
-              <a:t> a.nominee, a.movie, b.rating</a:t>
-            </a:r>
-            <a:endParaRPr sz="2400"/>
+              <a:rPr lang="en-US" sz="2400" dirty="0"/>
+              <a:t> </a:t>
+            </a:r>
+            <a:r>
+              <a:rPr lang="en-US" sz="2400" dirty="0" err="1"/>
+              <a:t>a.nominee</a:t>
+            </a:r>
+            <a:r>
+              <a:rPr lang="en-US" sz="2400" dirty="0"/>
+              <a:t>, </a:t>
+            </a:r>
+            <a:r>
+              <a:rPr lang="en-US" sz="2400" dirty="0" err="1"/>
+              <a:t>a.movie</a:t>
+            </a:r>
+            <a:r>
+              <a:rPr lang="en-US" sz="2400" dirty="0"/>
+              <a:t>, </a:t>
+            </a:r>
+            <a:r>
+              <a:rPr lang="en-US" sz="2400" dirty="0" err="1"/>
+              <a:t>b.rating</a:t>
+            </a:r>
+            <a:endParaRPr sz="2400" dirty="0"/>
           </a:p>
           <a:p>
             <a:pPr marL="177800" lvl="0" indent="0" rtl="0">
@@ -46591,7 +47293,7 @@
               <a:buNone/>
             </a:pPr>
             <a:r>
-              <a:rPr lang="en-US" sz="2400" b="1">
+              <a:rPr lang="en-US" sz="2400" b="1" dirty="0">
                 <a:solidFill>
                   <a:srgbClr val="3C78D8"/>
                 </a:solidFill>
@@ -46599,10 +47301,26 @@
               <a:t>FROM</a:t>
             </a:r>
             <a:r>
-              <a:rPr lang="en-US" sz="2400"/>
-              <a:t> tutorial.oscar_nominees a, tutorial.nominee_filmography b</a:t>
-            </a:r>
-            <a:endParaRPr sz="2400"/>
+              <a:rPr lang="en-US" sz="2400" dirty="0"/>
+              <a:t> </a:t>
+            </a:r>
+            <a:r>
+              <a:rPr lang="en-US" sz="2400" dirty="0" err="1"/>
+              <a:t>tutorial.oscar_nominees</a:t>
+            </a:r>
+            <a:r>
+              <a:rPr lang="en-US" sz="2400" dirty="0"/>
+              <a:t> a, </a:t>
+            </a:r>
+            <a:r>
+              <a:rPr lang="en-US" sz="2400" dirty="0" err="1"/>
+              <a:t>tutorial.nominee_filmography</a:t>
+            </a:r>
+            <a:r>
+              <a:rPr lang="en-US" sz="2400" dirty="0"/>
+              <a:t> b</a:t>
+            </a:r>
+            <a:endParaRPr sz="2400" dirty="0"/>
           </a:p>
           <a:p>
             <a:pPr marL="177800" lvl="0" indent="0" rtl="0">
@@ -46620,7 +47338,7 @@
               <a:buNone/>
             </a:pPr>
             <a:r>
-              <a:rPr lang="en-US" sz="2400" b="1">
+              <a:rPr lang="en-US" sz="2400" b="1" dirty="0">
                 <a:solidFill>
                   <a:srgbClr val="674EA7"/>
                 </a:solidFill>
@@ -46628,10 +47346,18 @@
               <a:t>WHERE</a:t>
             </a:r>
             <a:r>
-              <a:rPr lang="en-US" sz="2400"/>
-              <a:t> a.nominee = b.name</a:t>
-            </a:r>
-            <a:endParaRPr sz="2400"/>
+              <a:rPr lang="en-US" sz="2400" dirty="0"/>
+              <a:t> </a:t>
+            </a:r>
+            <a:r>
+              <a:rPr lang="en-US" sz="2400" dirty="0" err="1"/>
+              <a:t>a.nominee</a:t>
+            </a:r>
+            <a:r>
+              <a:rPr lang="en-US" sz="2400" dirty="0"/>
+              <a:t> = b.name</a:t>
+            </a:r>
+            <a:endParaRPr sz="2400" dirty="0"/>
           </a:p>
           <a:p>
             <a:pPr marL="177800" lvl="0" indent="0" rtl="0">
@@ -46649,7 +47375,7 @@
               <a:buNone/>
             </a:pPr>
             <a:r>
-              <a:rPr lang="en-US" sz="2400" b="1">
+              <a:rPr lang="en-US" sz="2400" b="1" dirty="0">
                 <a:solidFill>
                   <a:srgbClr val="674EA7"/>
                 </a:solidFill>
@@ -46657,10 +47383,22 @@
               <a:t>AND</a:t>
             </a:r>
             <a:r>
-              <a:rPr lang="en-US" sz="2400"/>
-              <a:t> a.movie = b.movie_title</a:t>
-            </a:r>
-            <a:endParaRPr sz="2400"/>
+              <a:rPr lang="en-US" sz="2400" dirty="0"/>
+              <a:t> </a:t>
+            </a:r>
+            <a:r>
+              <a:rPr lang="en-US" sz="2400" dirty="0" err="1"/>
+              <a:t>a.movie</a:t>
+            </a:r>
+            <a:r>
+              <a:rPr lang="en-US" sz="2400" dirty="0"/>
+              <a:t> = </a:t>
+            </a:r>
+            <a:r>
+              <a:rPr lang="en-US" sz="2400" dirty="0" err="1"/>
+              <a:t>b.movie_title</a:t>
+            </a:r>
+            <a:endParaRPr sz="2400" dirty="0"/>
           </a:p>
           <a:p>
             <a:pPr marL="177800" lvl="0" indent="0" rtl="0">
@@ -46678,7 +47416,7 @@
               <a:buNone/>
             </a:pPr>
             <a:r>
-              <a:rPr lang="en-US" sz="2400" b="1">
+              <a:rPr lang="en-US" sz="2400" b="1" dirty="0">
                 <a:solidFill>
                   <a:srgbClr val="674EA7"/>
                 </a:solidFill>
@@ -46686,10 +47424,18 @@
               <a:t>AND</a:t>
             </a:r>
             <a:r>
-              <a:rPr lang="en-US" sz="2400"/>
-              <a:t> a.nominee = 'Meryl Streep'</a:t>
-            </a:r>
-            <a:endParaRPr sz="2400"/>
+              <a:rPr lang="en-US" sz="2400" dirty="0"/>
+              <a:t> </a:t>
+            </a:r>
+            <a:r>
+              <a:rPr lang="en-US" sz="2400" dirty="0" err="1"/>
+              <a:t>a.nominee</a:t>
+            </a:r>
+            <a:r>
+              <a:rPr lang="en-US" sz="2400" dirty="0"/>
+              <a:t> = 'Meryl Streep'</a:t>
+            </a:r>
+            <a:endParaRPr sz="2400" dirty="0"/>
           </a:p>
           <a:p>
             <a:pPr marL="177800" lvl="0" indent="0" rtl="0">
@@ -46707,18 +47453,26 @@
               <a:buNone/>
             </a:pPr>
             <a:r>
-              <a:rPr lang="en-US" sz="2400" b="1">
+              <a:rPr lang="en-US" sz="2400" b="1" dirty="0">
                 <a:solidFill>
                   <a:srgbClr val="674EA7"/>
                 </a:solidFill>
               </a:rPr>
-              <a:t>ORDER</a:t>
-            </a:r>
-            <a:r>
-              <a:rPr lang="en-US" sz="2400"/>
-              <a:t> by 3</a:t>
-            </a:r>
-            <a:endParaRPr sz="2400"/>
+              <a:t>ORDER BY</a:t>
+            </a:r>
+            <a:r>
+              <a:rPr lang="en-US" sz="2400" dirty="0"/>
+              <a:t> </a:t>
+            </a:r>
+            <a:r>
+              <a:rPr lang="en-US" sz="2400" dirty="0" err="1"/>
+              <a:t>b.rating</a:t>
+            </a:r>
+            <a:r>
+              <a:rPr lang="en-US" sz="2400" dirty="0"/>
+              <a:t>;</a:t>
+            </a:r>
+            <a:endParaRPr sz="2400" dirty="0"/>
           </a:p>
           <a:p>
             <a:pPr marL="177800" lvl="0" indent="0" rtl="0">
@@ -46735,7 +47489,7 @@
               <a:buFont typeface="Arial"/>
               <a:buNone/>
             </a:pPr>
-            <a:endParaRPr sz="2400"/>
+            <a:endParaRPr sz="2400" dirty="0"/>
           </a:p>
           <a:p>
             <a:pPr marL="177800" lvl="0" indent="0" rtl="0">
@@ -46752,7 +47506,7 @@
               <a:buFont typeface="Arial"/>
               <a:buNone/>
             </a:pPr>
-            <a:endParaRPr sz="2400"/>
+            <a:endParaRPr sz="2400" dirty="0"/>
           </a:p>
           <a:p>
             <a:pPr marL="177800" lvl="0" indent="0" rtl="0">
@@ -46764,7 +47518,7 @@
               </a:spcAft>
               <a:buNone/>
             </a:pPr>
-            <a:endParaRPr sz="2400"/>
+            <a:endParaRPr sz="2400" dirty="0"/>
           </a:p>
           <a:p>
             <a:pPr marL="177800" lvl="0" indent="0" rtl="0">
@@ -46781,7 +47535,7 @@
               <a:buFont typeface="Arial"/>
               <a:buNone/>
             </a:pPr>
-            <a:endParaRPr sz="2400"/>
+            <a:endParaRPr sz="2400" dirty="0"/>
           </a:p>
         </p:txBody>
       </p:sp>
@@ -46933,10 +47687,10 @@
               <a:buNone/>
             </a:pPr>
             <a:r>
-              <a:rPr lang="en-US"/>
-              <a:t>What’s type of actresses (genre) win best supporting actress most often?</a:t>
-            </a:r>
-            <a:endParaRPr/>
+              <a:rPr lang="en-US" dirty="0"/>
+              <a:t>What's type of actresses (genre) win best supporting actress most often?</a:t>
+            </a:r>
+            <a:endParaRPr dirty="0"/>
           </a:p>
           <a:p>
             <a:pPr marL="177800" lvl="0" indent="0" rtl="0">
@@ -46948,7 +47702,7 @@
               </a:spcAft>
               <a:buNone/>
             </a:pPr>
-            <a:endParaRPr/>
+            <a:endParaRPr dirty="0"/>
           </a:p>
           <a:p>
             <a:pPr marL="0" lvl="0" indent="0" rtl="0">
@@ -46960,7 +47714,7 @@
               </a:spcAft>
               <a:buNone/>
             </a:pPr>
-            <a:endParaRPr/>
+            <a:endParaRPr dirty="0"/>
           </a:p>
         </p:txBody>
       </p:sp>
@@ -47711,10 +48465,10 @@
               <a:buChar char="•"/>
             </a:pPr>
             <a:r>
-              <a:rPr lang="en-US"/>
-              <a:t>Create a select statement that adds the actress’ genre and limits to winners in the relevant category</a:t>
-            </a:r>
-            <a:endParaRPr/>
+              <a:rPr lang="en-US" dirty="0"/>
+              <a:t>Create a select statement that adds the actress' genre and limits to winners in the relevant category</a:t>
+            </a:r>
+            <a:endParaRPr dirty="0"/>
           </a:p>
           <a:p>
             <a:pPr marL="0" lvl="0" indent="0" rtl="0">
@@ -47726,7 +48480,7 @@
               </a:spcAft>
               <a:buNone/>
             </a:pPr>
-            <a:endParaRPr/>
+            <a:endParaRPr dirty="0"/>
           </a:p>
           <a:p>
             <a:pPr marL="457200" lvl="0" indent="-406400">
@@ -47740,10 +48494,10 @@
               <a:buChar char="•"/>
             </a:pPr>
             <a:r>
-              <a:rPr lang="en-US"/>
+              <a:rPr lang="en-US" dirty="0"/>
               <a:t>SELECT from that statement with COUNT(*), by genre</a:t>
             </a:r>
-            <a:endParaRPr/>
+            <a:endParaRPr dirty="0"/>
           </a:p>
           <a:p>
             <a:pPr marL="342900" lvl="0" indent="-165100">
@@ -47755,7 +48509,7 @@
               </a:spcAft>
               <a:buNone/>
             </a:pPr>
-            <a:endParaRPr/>
+            <a:endParaRPr dirty="0"/>
           </a:p>
           <a:p>
             <a:pPr marL="342900" lvl="0" indent="-165100">
@@ -47767,7 +48521,7 @@
               </a:spcAft>
               <a:buNone/>
             </a:pPr>
-            <a:endParaRPr/>
+            <a:endParaRPr dirty="0"/>
           </a:p>
         </p:txBody>
       </p:sp>
@@ -47924,7 +48678,7 @@
               <a:buNone/>
             </a:pPr>
             <a:r>
-              <a:rPr lang="en-US" sz="1800" b="1">
+              <a:rPr lang="en-US" sz="1800" b="1" dirty="0">
                 <a:solidFill>
                   <a:srgbClr val="E69138"/>
                 </a:solidFill>
@@ -47932,10 +48686,26 @@
               <a:t>SELECT</a:t>
             </a:r>
             <a:r>
-              <a:rPr lang="en-US" sz="1800"/>
-              <a:t> top_genre, COUNT(*)</a:t>
-            </a:r>
-            <a:endParaRPr sz="1800"/>
+              <a:rPr lang="en-US" sz="1800" dirty="0"/>
+              <a:t> </a:t>
+            </a:r>
+            <a:r>
+              <a:rPr lang="en-US" sz="1800" dirty="0" err="1"/>
+              <a:t>top_genre</a:t>
+            </a:r>
+            <a:r>
+              <a:rPr lang="en-US" sz="1800" dirty="0"/>
+              <a:t>, </a:t>
+            </a:r>
+            <a:r>
+              <a:rPr lang="en-US" sz="1800" b="1" dirty="0"/>
+              <a:t>COUNT</a:t>
+            </a:r>
+            <a:r>
+              <a:rPr lang="en-US" sz="1800" dirty="0"/>
+              <a:t>(*)</a:t>
+            </a:r>
+            <a:endParaRPr sz="1800" dirty="0"/>
           </a:p>
           <a:p>
             <a:pPr marL="342900" lvl="0" indent="-165100">
@@ -47953,7 +48723,7 @@
               <a:buNone/>
             </a:pPr>
             <a:r>
-              <a:rPr lang="en-US" sz="1800" b="1">
+              <a:rPr lang="en-US" sz="1800" b="1" dirty="0">
                 <a:solidFill>
                   <a:srgbClr val="3C78D8"/>
                 </a:solidFill>
@@ -47961,10 +48731,10 @@
               <a:t>FROM</a:t>
             </a:r>
             <a:r>
-              <a:rPr lang="en-US" sz="1800"/>
+              <a:rPr lang="en-US" sz="1800" dirty="0"/>
               <a:t>(</a:t>
             </a:r>
-            <a:endParaRPr sz="1800"/>
+            <a:endParaRPr sz="1800" dirty="0"/>
           </a:p>
           <a:p>
             <a:pPr marL="800100" lvl="0" indent="-165100">
@@ -47982,7 +48752,7 @@
               <a:buNone/>
             </a:pPr>
             <a:r>
-              <a:rPr lang="en-US" sz="1800" b="1">
+              <a:rPr lang="en-US" sz="1800" b="1" dirty="0">
                 <a:solidFill>
                   <a:srgbClr val="E69138"/>
                 </a:solidFill>
@@ -47990,10 +48760,14 @@
               <a:t>SELECT</a:t>
             </a:r>
             <a:r>
-              <a:rPr lang="en-US" sz="1800"/>
-              <a:t> a.*, b.top_genre</a:t>
-            </a:r>
-            <a:endParaRPr sz="1800"/>
+              <a:rPr lang="en-US" sz="1800" dirty="0"/>
+              <a:t> a.*, </a:t>
+            </a:r>
+            <a:r>
+              <a:rPr lang="en-US" sz="1800" dirty="0" err="1"/>
+              <a:t>b.top_genre</a:t>
+            </a:r>
+            <a:endParaRPr sz="1800" dirty="0"/>
           </a:p>
           <a:p>
             <a:pPr marL="800100" lvl="0" indent="-165100">
@@ -48011,7 +48785,7 @@
               <a:buNone/>
             </a:pPr>
             <a:r>
-              <a:rPr lang="en-US" sz="1800" b="1">
+              <a:rPr lang="en-US" sz="1800" b="1" dirty="0">
                 <a:solidFill>
                   <a:srgbClr val="3C78D8"/>
                 </a:solidFill>
@@ -48019,10 +48793,42 @@
               <a:t>FROM</a:t>
             </a:r>
             <a:r>
-              <a:rPr lang="en-US" sz="1800"/>
-              <a:t> tutorial.oscar_nominees a, tutorial.nominee_information b</a:t>
-            </a:r>
-            <a:endParaRPr sz="1800"/>
+              <a:rPr lang="en-US" sz="1800" dirty="0"/>
+              <a:t> </a:t>
+            </a:r>
+            <a:r>
+              <a:rPr lang="en-US" sz="1800" dirty="0" err="1"/>
+              <a:t>tutorial.oscar_nominees</a:t>
+            </a:r>
+            <a:r>
+              <a:rPr lang="en-US" sz="1800" dirty="0"/>
+              <a:t> </a:t>
+            </a:r>
+            <a:r>
+              <a:rPr lang="en-US" sz="1800" b="1" dirty="0"/>
+              <a:t>AS </a:t>
+            </a:r>
+            <a:r>
+              <a:rPr lang="en-US" sz="1800" dirty="0"/>
+              <a:t>a, </a:t>
+            </a:r>
+            <a:r>
+              <a:rPr lang="en-US" sz="1800" dirty="0" err="1"/>
+              <a:t>tutorial.nominee_information</a:t>
+            </a:r>
+            <a:r>
+              <a:rPr lang="en-US" sz="1800" dirty="0"/>
+              <a:t> </a:t>
+            </a:r>
+            <a:r>
+              <a:rPr lang="en-US" sz="1800" b="1" dirty="0"/>
+              <a:t>AS</a:t>
+            </a:r>
+            <a:r>
+              <a:rPr lang="en-US" sz="1800" dirty="0"/>
+              <a:t> b</a:t>
+            </a:r>
+            <a:endParaRPr sz="1800" dirty="0"/>
           </a:p>
           <a:p>
             <a:pPr marL="800100" lvl="0" indent="-165100">
@@ -48040,7 +48846,7 @@
               <a:buNone/>
             </a:pPr>
             <a:r>
-              <a:rPr lang="en-US" sz="1800" b="1">
+              <a:rPr lang="en-US" sz="1800" b="1" dirty="0">
                 <a:solidFill>
                   <a:srgbClr val="674EA7"/>
                 </a:solidFill>
@@ -48048,10 +48854,10 @@
               <a:t>WHERE</a:t>
             </a:r>
             <a:r>
-              <a:rPr lang="en-US" sz="1800"/>
+              <a:rPr lang="en-US" sz="1800" dirty="0"/>
               <a:t> winner = 'true'</a:t>
             </a:r>
-            <a:endParaRPr sz="1800"/>
+            <a:endParaRPr sz="1800" dirty="0"/>
           </a:p>
           <a:p>
             <a:pPr marL="800100" lvl="0" indent="-165100">
@@ -48069,7 +48875,7 @@
               <a:buNone/>
             </a:pPr>
             <a:r>
-              <a:rPr lang="en-US" sz="1800" b="1">
+              <a:rPr lang="en-US" sz="1800" b="1" dirty="0">
                 <a:solidFill>
                   <a:srgbClr val="674EA7"/>
                 </a:solidFill>
@@ -48077,10 +48883,10 @@
               <a:t>AND</a:t>
             </a:r>
             <a:r>
-              <a:rPr lang="en-US" sz="1800"/>
+              <a:rPr lang="en-US" sz="1800" dirty="0"/>
               <a:t> category = 'actress in a supporting role'</a:t>
             </a:r>
-            <a:endParaRPr sz="1800"/>
+            <a:endParaRPr sz="1800" dirty="0"/>
           </a:p>
           <a:p>
             <a:pPr marL="800100" lvl="0" indent="-165100">
@@ -48098,7 +48904,7 @@
               <a:buNone/>
             </a:pPr>
             <a:r>
-              <a:rPr lang="en-US" sz="1800" b="1">
+              <a:rPr lang="en-US" sz="1800" b="1" dirty="0">
                 <a:solidFill>
                   <a:srgbClr val="674EA7"/>
                 </a:solidFill>
@@ -48106,10 +48912,18 @@
               <a:t>AND</a:t>
             </a:r>
             <a:r>
-              <a:rPr lang="en-US" sz="1800"/>
-              <a:t> a.nominee = b.name</a:t>
-            </a:r>
-            <a:endParaRPr sz="1800"/>
+              <a:rPr lang="en-US" sz="1800" dirty="0"/>
+              <a:t> </a:t>
+            </a:r>
+            <a:r>
+              <a:rPr lang="en-US" sz="1800" dirty="0" err="1"/>
+              <a:t>a.nominee</a:t>
+            </a:r>
+            <a:r>
+              <a:rPr lang="en-US" sz="1800" dirty="0"/>
+              <a:t> = b.name</a:t>
+            </a:r>
+            <a:endParaRPr sz="1800" dirty="0"/>
           </a:p>
           <a:p>
             <a:pPr marL="342900" lvl="0" indent="-165100">
@@ -48127,10 +48941,18 @@
               <a:buNone/>
             </a:pPr>
             <a:r>
-              <a:rPr lang="en-US" sz="1800"/>
-              <a:t>) c</a:t>
-            </a:r>
-            <a:endParaRPr sz="1800"/>
+              <a:rPr lang="en-US" sz="1800" dirty="0"/>
+              <a:t>) </a:t>
+            </a:r>
+            <a:r>
+              <a:rPr lang="en-US" sz="1800" b="1" dirty="0"/>
+              <a:t>AS</a:t>
+            </a:r>
+            <a:r>
+              <a:rPr lang="en-US" sz="1800" dirty="0"/>
+              <a:t> c</a:t>
+            </a:r>
+            <a:endParaRPr sz="1800" dirty="0"/>
           </a:p>
           <a:p>
             <a:pPr marL="342900" lvl="0" indent="-165100">
@@ -48148,18 +48970,18 @@
               <a:buNone/>
             </a:pPr>
             <a:r>
-              <a:rPr lang="en-US" sz="1800" b="1">
+              <a:rPr lang="en-US" sz="1800" b="1" dirty="0">
                 <a:solidFill>
                   <a:srgbClr val="674EA7"/>
                 </a:solidFill>
               </a:rPr>
-              <a:t>GROUP</a:t>
-            </a:r>
-            <a:r>
-              <a:rPr lang="en-US" sz="1800"/>
-              <a:t> by 1</a:t>
-            </a:r>
-            <a:endParaRPr sz="1800"/>
+              <a:t>GROUP BY </a:t>
+            </a:r>
+            <a:r>
+              <a:rPr lang="en-US" sz="1800" dirty="0" err="1"/>
+              <a:t>top_genre</a:t>
+            </a:r>
+            <a:endParaRPr sz="1800" dirty="0"/>
           </a:p>
           <a:p>
             <a:pPr marL="342900" lvl="0" indent="-165100">
@@ -48177,22 +48999,22 @@
               <a:buNone/>
             </a:pPr>
             <a:r>
-              <a:rPr lang="en-US" sz="1800" b="1">
+              <a:rPr lang="en-US" sz="1800" b="1" dirty="0">
                 <a:solidFill>
                   <a:srgbClr val="674EA7"/>
                 </a:solidFill>
               </a:rPr>
-              <a:t>ORDER</a:t>
-            </a:r>
-            <a:r>
-              <a:rPr lang="en-US" sz="1800"/>
-              <a:t> by 2 </a:t>
-            </a:r>
-            <a:r>
-              <a:rPr lang="en-US" sz="1800" b="1"/>
-              <a:t>DESC</a:t>
-            </a:r>
-            <a:endParaRPr sz="1800" b="1"/>
+              <a:t>ORDER BY</a:t>
+            </a:r>
+            <a:r>
+              <a:rPr lang="en-US" sz="1800" dirty="0"/>
+              <a:t> count </a:t>
+            </a:r>
+            <a:r>
+              <a:rPr lang="en-US" sz="1800" b="1" dirty="0"/>
+              <a:t>DESC;</a:t>
+            </a:r>
+            <a:endParaRPr sz="1800" b="1" dirty="0"/>
           </a:p>
           <a:p>
             <a:pPr marL="342900" lvl="0" indent="-165100">
@@ -48204,7 +49026,7 @@
               </a:spcAft>
               <a:buNone/>
             </a:pPr>
-            <a:endParaRPr/>
+            <a:endParaRPr dirty="0"/>
           </a:p>
         </p:txBody>
       </p:sp>
@@ -48270,7 +49092,7 @@
         </p:blipFill>
         <p:spPr>
           <a:xfrm>
-            <a:off x="3109475" y="4231348"/>
+            <a:off x="3225222" y="4598850"/>
             <a:ext cx="5806376" cy="1393850"/>
           </a:xfrm>
           <a:prstGeom prst="rect">
@@ -48595,10 +49417,10 @@
               <a:buNone/>
             </a:pPr>
             <a:r>
-              <a:rPr lang="en-US" sz="2400"/>
+              <a:rPr lang="en-US" sz="2400" dirty="0"/>
               <a:t>There are multiple ways to get the answer. Try using:</a:t>
             </a:r>
-            <a:endParaRPr sz="2400"/>
+            <a:endParaRPr sz="2400" dirty="0"/>
           </a:p>
           <a:p>
             <a:pPr marL="177800" lvl="0" indent="0">
@@ -48610,7 +49432,7 @@
               </a:spcAft>
               <a:buNone/>
             </a:pPr>
-            <a:endParaRPr sz="2400"/>
+            <a:endParaRPr sz="2400" dirty="0"/>
           </a:p>
           <a:p>
             <a:pPr marL="457200" lvl="0" indent="-381000" rtl="0">
@@ -48624,10 +49446,18 @@
               <a:buChar char="•"/>
             </a:pPr>
             <a:r>
-              <a:rPr lang="en-US" sz="2400"/>
-              <a:t>tutorial.oscar_nominees, tutorial.nominee_information</a:t>
-            </a:r>
-            <a:endParaRPr sz="2400"/>
+              <a:rPr lang="en-US" sz="2400" dirty="0" err="1"/>
+              <a:t>tutorial.oscar_nominees</a:t>
+            </a:r>
+            <a:r>
+              <a:rPr lang="en-US" sz="2400" dirty="0"/>
+              <a:t>, </a:t>
+            </a:r>
+            <a:r>
+              <a:rPr lang="en-US" sz="2400" dirty="0" err="1"/>
+              <a:t>tutorial.nominee_information</a:t>
+            </a:r>
+            <a:endParaRPr sz="2400" dirty="0"/>
           </a:p>
           <a:p>
             <a:pPr marL="457200" lvl="0" indent="-381000" rtl="0">
@@ -48641,10 +49471,10 @@
               <a:buChar char="•"/>
             </a:pPr>
             <a:r>
-              <a:rPr lang="en-US" sz="2400"/>
+              <a:rPr lang="en-US" sz="2400" dirty="0"/>
               <a:t>SELECT from multiple tables</a:t>
             </a:r>
-            <a:endParaRPr sz="2400"/>
+            <a:endParaRPr sz="2400" dirty="0"/>
           </a:p>
           <a:p>
             <a:pPr marL="457200" lvl="0" indent="-381000" rtl="0">
@@ -48658,10 +49488,10 @@
               <a:buChar char="•"/>
             </a:pPr>
             <a:r>
-              <a:rPr lang="en-US" sz="2400"/>
+              <a:rPr lang="en-US" sz="2400" dirty="0"/>
               <a:t>Nested selects</a:t>
             </a:r>
-            <a:endParaRPr sz="2400"/>
+            <a:endParaRPr sz="2400" dirty="0"/>
           </a:p>
           <a:p>
             <a:pPr marL="457200" lvl="0" indent="-381000" rtl="0">
@@ -48675,10 +49505,10 @@
               <a:buChar char="•"/>
             </a:pPr>
             <a:r>
-              <a:rPr lang="en-US" sz="2400"/>
+              <a:rPr lang="en-US" sz="2400" dirty="0"/>
               <a:t>COUNT</a:t>
             </a:r>
-            <a:endParaRPr sz="2400"/>
+            <a:endParaRPr sz="2400" dirty="0"/>
           </a:p>
           <a:p>
             <a:pPr marL="457200" lvl="0" indent="-381000" rtl="0">
@@ -48692,10 +49522,10 @@
               <a:buChar char="•"/>
             </a:pPr>
             <a:r>
-              <a:rPr lang="en-US" sz="2400"/>
+              <a:rPr lang="en-US" sz="2400" dirty="0"/>
               <a:t>BETWEEN</a:t>
             </a:r>
-            <a:endParaRPr sz="2400"/>
+            <a:endParaRPr sz="2400" dirty="0"/>
           </a:p>
           <a:p>
             <a:pPr marL="457200" lvl="0" indent="-381000" rtl="0">
@@ -48709,10 +49539,10 @@
               <a:buChar char="•"/>
             </a:pPr>
             <a:r>
-              <a:rPr lang="en-US" sz="2400"/>
+              <a:rPr lang="en-US" sz="2400" dirty="0"/>
               <a:t>IN</a:t>
             </a:r>
-            <a:endParaRPr sz="2400"/>
+            <a:endParaRPr sz="2400" dirty="0"/>
           </a:p>
           <a:p>
             <a:pPr marL="457200" lvl="0" indent="-381000" rtl="0">
@@ -48726,10 +49556,10 @@
               <a:buChar char="•"/>
             </a:pPr>
             <a:r>
-              <a:rPr lang="en-US" sz="2400"/>
+              <a:rPr lang="en-US" sz="2400" dirty="0"/>
               <a:t>Table Aliases</a:t>
             </a:r>
-            <a:endParaRPr sz="2400"/>
+            <a:endParaRPr sz="2400" dirty="0"/>
           </a:p>
           <a:p>
             <a:pPr marL="457200" lvl="0" indent="-381000">
@@ -48743,10 +49573,10 @@
               <a:buChar char="•"/>
             </a:pPr>
             <a:r>
-              <a:rPr lang="en-US" sz="2400"/>
+              <a:rPr lang="en-US" sz="2400" dirty="0"/>
               <a:t>Arithmetic in SELECT statement</a:t>
             </a:r>
-            <a:endParaRPr sz="2400"/>
+            <a:endParaRPr sz="2400" dirty="0"/>
           </a:p>
         </p:txBody>
       </p:sp>
@@ -48898,7 +49728,7 @@
               <a:buNone/>
             </a:pPr>
             <a:r>
-              <a:rPr lang="en-US" sz="1800" b="1">
+              <a:rPr lang="en-US" sz="1800" b="1" dirty="0">
                 <a:solidFill>
                   <a:srgbClr val="E69138"/>
                 </a:solidFill>
@@ -48906,10 +49736,10 @@
               <a:t>SELECT</a:t>
             </a:r>
             <a:r>
-              <a:rPr lang="en-US" sz="1800"/>
+              <a:rPr lang="en-US" sz="1800" dirty="0"/>
               <a:t> COUNT(*) </a:t>
             </a:r>
-            <a:endParaRPr sz="1800"/>
+            <a:endParaRPr sz="1800" dirty="0"/>
           </a:p>
           <a:p>
             <a:pPr marL="342900" lvl="0" indent="-165100">
@@ -48927,7 +49757,7 @@
               <a:buNone/>
             </a:pPr>
             <a:r>
-              <a:rPr lang="en-US" sz="1800" b="1">
+              <a:rPr lang="en-US" sz="1800" b="1" dirty="0">
                 <a:solidFill>
                   <a:srgbClr val="3C78D8"/>
                 </a:solidFill>
@@ -48935,10 +49765,10 @@
               <a:t>FROM</a:t>
             </a:r>
             <a:r>
-              <a:rPr lang="en-US" sz="1800"/>
+              <a:rPr lang="en-US" sz="1800" dirty="0"/>
               <a:t> (</a:t>
             </a:r>
-            <a:endParaRPr sz="1800"/>
+            <a:endParaRPr sz="1800" dirty="0"/>
           </a:p>
           <a:p>
             <a:pPr marL="800100" lvl="0" indent="-165100">
@@ -48951,7 +49781,7 @@
               <a:buNone/>
             </a:pPr>
             <a:r>
-              <a:rPr lang="en-US" sz="1800" b="1">
+              <a:rPr lang="en-US" sz="1800" b="1" dirty="0">
                 <a:solidFill>
                   <a:srgbClr val="E69138"/>
                 </a:solidFill>
@@ -48959,14 +49789,18 @@
               <a:t>SELECT</a:t>
             </a:r>
             <a:r>
-              <a:rPr lang="en-US" sz="1800" b="1"/>
+              <a:rPr lang="en-US" sz="1800" b="1" dirty="0"/>
               <a:t> </a:t>
             </a:r>
             <a:r>
-              <a:rPr lang="en-US" sz="1800"/>
-              <a:t>a.nominee, </a:t>
-            </a:r>
-            <a:endParaRPr sz="1800"/>
+              <a:rPr lang="en-US" sz="1800" dirty="0" err="1"/>
+              <a:t>a.nominee</a:t>
+            </a:r>
+            <a:r>
+              <a:rPr lang="en-US" sz="1800" dirty="0"/>
+              <a:t>, </a:t>
+            </a:r>
+            <a:endParaRPr sz="1800" dirty="0"/>
           </a:p>
           <a:p>
             <a:pPr marL="800100" lvl="0" indent="-165100">
@@ -48979,10 +49813,14 @@
               <a:buNone/>
             </a:pPr>
             <a:r>
-              <a:rPr lang="en-US" sz="1800"/>
-              <a:t>a.movie, </a:t>
-            </a:r>
-            <a:endParaRPr sz="1800"/>
+              <a:rPr lang="en-US" sz="1800" dirty="0" err="1"/>
+              <a:t>a.movie</a:t>
+            </a:r>
+            <a:r>
+              <a:rPr lang="en-US" sz="1800" dirty="0"/>
+              <a:t>, </a:t>
+            </a:r>
+            <a:endParaRPr sz="1800" dirty="0"/>
           </a:p>
           <a:p>
             <a:pPr marL="800100" lvl="0" indent="-165100">
@@ -48995,10 +49833,14 @@
               <a:buNone/>
             </a:pPr>
             <a:r>
-              <a:rPr lang="en-US" sz="1800"/>
-              <a:t>a.year, </a:t>
-            </a:r>
-            <a:endParaRPr sz="1800"/>
+              <a:rPr lang="en-US" sz="1800" dirty="0" err="1"/>
+              <a:t>a.year</a:t>
+            </a:r>
+            <a:r>
+              <a:rPr lang="en-US" sz="1800" dirty="0"/>
+              <a:t>, </a:t>
+            </a:r>
+            <a:endParaRPr sz="1800" dirty="0"/>
           </a:p>
           <a:p>
             <a:pPr marL="800100" lvl="0" indent="-165100">
@@ -49016,34 +49858,54 @@
               <a:buNone/>
             </a:pPr>
             <a:r>
-              <a:rPr lang="en-US" sz="1800"/>
-              <a:t>a.year - </a:t>
-            </a:r>
-            <a:r>
-              <a:rPr lang="en-US" sz="1800" b="1"/>
+              <a:rPr lang="en-US" sz="1800" dirty="0" err="1"/>
+              <a:t>a.year</a:t>
+            </a:r>
+            <a:r>
+              <a:rPr lang="en-US" sz="1800" dirty="0"/>
+              <a:t> - </a:t>
+            </a:r>
+            <a:r>
+              <a:rPr lang="en-US" sz="1800" b="1" dirty="0"/>
               <a:t>EXTRACT</a:t>
             </a:r>
             <a:r>
-              <a:rPr lang="en-US" sz="1800"/>
+              <a:rPr lang="en-US" sz="1800" dirty="0"/>
               <a:t>(</a:t>
             </a:r>
             <a:r>
-              <a:rPr lang="en-US" sz="1800" b="1"/>
+              <a:rPr lang="en-US" sz="1800" b="1" dirty="0"/>
               <a:t>YEAR</a:t>
             </a:r>
             <a:r>
-              <a:rPr lang="en-US" sz="1800"/>
+              <a:rPr lang="en-US" sz="1800" dirty="0"/>
               <a:t> </a:t>
             </a:r>
             <a:r>
-              <a:rPr lang="en-US" sz="1800" b="1"/>
+              <a:rPr lang="en-US" sz="1800" b="1" dirty="0"/>
               <a:t>FROM</a:t>
             </a:r>
             <a:r>
-              <a:rPr lang="en-US" sz="1800"/>
-              <a:t> b.birthday) as Age</a:t>
-            </a:r>
-            <a:endParaRPr sz="1800"/>
+              <a:rPr lang="en-US" sz="1800" dirty="0"/>
+              <a:t> </a:t>
+            </a:r>
+            <a:r>
+              <a:rPr lang="en-US" sz="1800" dirty="0" err="1"/>
+              <a:t>b.birthday</a:t>
+            </a:r>
+            <a:r>
+              <a:rPr lang="en-US" sz="1800" dirty="0"/>
+              <a:t>) </a:t>
+            </a:r>
+            <a:r>
+              <a:rPr lang="en-US" sz="1800" b="1" dirty="0"/>
+              <a:t>AS</a:t>
+            </a:r>
+            <a:r>
+              <a:rPr lang="en-US" sz="1800" dirty="0"/>
+              <a:t> age</a:t>
+            </a:r>
+            <a:endParaRPr sz="1800" dirty="0"/>
           </a:p>
           <a:p>
             <a:pPr marL="800100" lvl="0" indent="-165100">
@@ -49061,7 +49923,7 @@
               <a:buNone/>
             </a:pPr>
             <a:r>
-              <a:rPr lang="en-US" sz="1800" b="1">
+              <a:rPr lang="en-US" sz="1800" b="1" dirty="0">
                 <a:solidFill>
                   <a:srgbClr val="3C78D8"/>
                 </a:solidFill>
@@ -49069,10 +49931,26 @@
               <a:t>FROM</a:t>
             </a:r>
             <a:r>
-              <a:rPr lang="en-US" sz="1800"/>
-              <a:t> tutorial.nominee_information b, tutorial.oscar_nominees a</a:t>
-            </a:r>
-            <a:endParaRPr sz="1800"/>
+              <a:rPr lang="en-US" sz="1800" dirty="0"/>
+              <a:t> </a:t>
+            </a:r>
+            <a:r>
+              <a:rPr lang="en-US" sz="1800" dirty="0" err="1"/>
+              <a:t>tutorial.nominee_information</a:t>
+            </a:r>
+            <a:r>
+              <a:rPr lang="en-US" sz="1800" dirty="0"/>
+              <a:t> b, </a:t>
+            </a:r>
+            <a:r>
+              <a:rPr lang="en-US" sz="1800" dirty="0" err="1"/>
+              <a:t>tutorial.oscar_nominees</a:t>
+            </a:r>
+            <a:r>
+              <a:rPr lang="en-US" sz="1800" dirty="0"/>
+              <a:t> a</a:t>
+            </a:r>
+            <a:endParaRPr sz="1800" dirty="0"/>
           </a:p>
           <a:p>
             <a:pPr marL="800100" lvl="0" indent="-165100">
@@ -49090,7 +49968,7 @@
               <a:buNone/>
             </a:pPr>
             <a:r>
-              <a:rPr lang="en-US" sz="1800" b="1">
+              <a:rPr lang="en-US" sz="1800" b="1" dirty="0">
                 <a:solidFill>
                   <a:srgbClr val="674EA7"/>
                 </a:solidFill>
@@ -49098,10 +49976,14 @@
               <a:t>WHERE</a:t>
             </a:r>
             <a:r>
-              <a:rPr lang="en-US" sz="1800"/>
-              <a:t> b.name = a.nominee</a:t>
-            </a:r>
-            <a:endParaRPr sz="1800"/>
+              <a:rPr lang="en-US" sz="1800" dirty="0"/>
+              <a:t> b.name = </a:t>
+            </a:r>
+            <a:r>
+              <a:rPr lang="en-US" sz="1800" dirty="0" err="1"/>
+              <a:t>a.nominee</a:t>
+            </a:r>
+            <a:endParaRPr sz="1800" dirty="0"/>
           </a:p>
           <a:p>
             <a:pPr marL="800100" lvl="0" indent="-165100">
@@ -49119,7 +50001,7 @@
               <a:buNone/>
             </a:pPr>
             <a:r>
-              <a:rPr lang="en-US" sz="1800" b="1">
+              <a:rPr lang="en-US" sz="1800" b="1" dirty="0">
                 <a:solidFill>
                   <a:srgbClr val="674EA7"/>
                 </a:solidFill>
@@ -49127,10 +50009,18 @@
               <a:t>AND</a:t>
             </a:r>
             <a:r>
-              <a:rPr lang="en-US" sz="1800"/>
-              <a:t> a.winner = 'true'</a:t>
-            </a:r>
-            <a:endParaRPr sz="1800"/>
+              <a:rPr lang="en-US" sz="1800" dirty="0"/>
+              <a:t> </a:t>
+            </a:r>
+            <a:r>
+              <a:rPr lang="en-US" sz="1800" dirty="0" err="1"/>
+              <a:t>a.winner</a:t>
+            </a:r>
+            <a:r>
+              <a:rPr lang="en-US" sz="1800" dirty="0"/>
+              <a:t> = 'true'</a:t>
+            </a:r>
+            <a:endParaRPr sz="1800" dirty="0"/>
           </a:p>
           <a:p>
             <a:pPr marL="800100" lvl="0" indent="-165100">
@@ -49148,7 +50038,7 @@
               <a:buNone/>
             </a:pPr>
             <a:r>
-              <a:rPr lang="en-US" sz="1800" b="1">
+              <a:rPr lang="en-US" sz="1800" b="1" dirty="0">
                 <a:solidFill>
                   <a:srgbClr val="674EA7"/>
                 </a:solidFill>
@@ -49156,18 +50046,26 @@
               <a:t>AND</a:t>
             </a:r>
             <a:r>
-              <a:rPr lang="en-US" sz="1800"/>
+              <a:rPr lang="en-US" sz="1800" dirty="0"/>
               <a:t> category</a:t>
             </a:r>
             <a:r>
-              <a:rPr lang="en-US" sz="1800" b="1"/>
+              <a:rPr lang="en-US" sz="1800" b="1" dirty="0"/>
               <a:t> IN</a:t>
             </a:r>
             <a:r>
-              <a:rPr lang="en-US" sz="1800"/>
-              <a:t> ('actor in a leading role','actor')</a:t>
-            </a:r>
-            <a:endParaRPr sz="1800"/>
+              <a:rPr lang="en-US" sz="1800" dirty="0"/>
+              <a:t> ('actor in a leading </a:t>
+            </a:r>
+            <a:r>
+              <a:rPr lang="en-US" sz="1800" dirty="0" err="1"/>
+              <a:t>role','actor</a:t>
+            </a:r>
+            <a:r>
+              <a:rPr lang="en-US" sz="1800" dirty="0"/>
+              <a:t>')</a:t>
+            </a:r>
+            <a:endParaRPr sz="1800" dirty="0"/>
           </a:p>
           <a:p>
             <a:pPr marL="800100" lvl="0" indent="-165100">
@@ -49185,18 +50083,26 @@
               <a:buNone/>
             </a:pPr>
             <a:r>
-              <a:rPr lang="en-US" sz="1800" b="1">
+              <a:rPr lang="en-US" sz="1800" b="1" dirty="0">
                 <a:solidFill>
                   <a:srgbClr val="674EA7"/>
                 </a:solidFill>
               </a:rPr>
-              <a:t>ORDER</a:t>
-            </a:r>
-            <a:r>
-              <a:rPr lang="en-US" sz="1800"/>
-              <a:t> by 3) z</a:t>
-            </a:r>
-            <a:endParaRPr sz="1800"/>
+              <a:t>ORDER BY</a:t>
+            </a:r>
+            <a:r>
+              <a:rPr lang="en-US" sz="1800" dirty="0"/>
+              <a:t> year) </a:t>
+            </a:r>
+            <a:r>
+              <a:rPr lang="en-US" sz="1800" b="1" dirty="0"/>
+              <a:t>AS</a:t>
+            </a:r>
+            <a:r>
+              <a:rPr lang="en-US" sz="1800" dirty="0"/>
+              <a:t> z</a:t>
+            </a:r>
+            <a:endParaRPr sz="1800" dirty="0"/>
           </a:p>
           <a:p>
             <a:pPr marL="342900" lvl="0" indent="-165100">
@@ -49214,7 +50120,7 @@
               <a:buNone/>
             </a:pPr>
             <a:r>
-              <a:rPr lang="en-US" sz="1800" b="1">
+              <a:rPr lang="en-US" sz="1800" b="1" dirty="0">
                 <a:solidFill>
                   <a:srgbClr val="674EA7"/>
                 </a:solidFill>
@@ -49222,18 +50128,26 @@
               <a:t>WHERE</a:t>
             </a:r>
             <a:r>
-              <a:rPr lang="en-US" sz="1800"/>
-              <a:t> z.Age </a:t>
-            </a:r>
-            <a:r>
-              <a:rPr lang="en-US" sz="1800" b="1"/>
+              <a:rPr lang="en-US" sz="1800" dirty="0"/>
+              <a:t> </a:t>
+            </a:r>
+            <a:r>
+              <a:rPr lang="en-US" sz="1800" dirty="0" err="1"/>
+              <a:t>z.age</a:t>
+            </a:r>
+            <a:r>
+              <a:rPr lang="en-US" sz="1800" dirty="0"/>
+              <a:t> </a:t>
+            </a:r>
+            <a:r>
+              <a:rPr lang="en-US" sz="1800" b="1" dirty="0"/>
               <a:t>BETWEEN</a:t>
             </a:r>
             <a:r>
-              <a:rPr lang="en-US" sz="1800"/>
-              <a:t> 20 and 30</a:t>
-            </a:r>
-            <a:endParaRPr sz="1800"/>
+              <a:rPr lang="en-US" sz="1800" dirty="0"/>
+              <a:t> 20 and 30;</a:t>
+            </a:r>
+            <a:endParaRPr sz="1800" dirty="0"/>
           </a:p>
           <a:p>
             <a:pPr marL="342900" lvl="0" indent="-165100">
@@ -49245,7 +50159,7 @@
               </a:spcAft>
               <a:buNone/>
             </a:pPr>
-            <a:endParaRPr sz="2400"/>
+            <a:endParaRPr sz="2400" dirty="0"/>
           </a:p>
         </p:txBody>
       </p:sp>
@@ -49775,7 +50689,7 @@
               <a:buNone/>
             </a:pPr>
             <a:r>
-              <a:rPr lang="en-US" sz="2400" b="1">
+              <a:rPr lang="en-US" sz="2400" b="1" dirty="0">
                 <a:solidFill>
                   <a:srgbClr val="E69138"/>
                 </a:solidFill>
@@ -49783,10 +50697,10 @@
               <a:t>SELECT </a:t>
             </a:r>
             <a:r>
-              <a:rPr lang="en-US" sz="2400"/>
+              <a:rPr lang="en-US" sz="2400" dirty="0"/>
               <a:t>*</a:t>
             </a:r>
-            <a:endParaRPr sz="2400"/>
+            <a:endParaRPr sz="2400" dirty="0"/>
           </a:p>
           <a:p>
             <a:pPr marL="177800" lvl="0" indent="0" rtl="0">
@@ -49804,7 +50718,7 @@
               <a:buNone/>
             </a:pPr>
             <a:r>
-              <a:rPr lang="en-US" sz="2400" b="1">
+              <a:rPr lang="en-US" sz="2400" b="1" dirty="0">
                 <a:solidFill>
                   <a:srgbClr val="3C78D8"/>
                 </a:solidFill>
@@ -49812,10 +50726,10 @@
               <a:t>FROM </a:t>
             </a:r>
             <a:r>
-              <a:rPr lang="en-US" sz="2400"/>
+              <a:rPr lang="en-US" sz="2400" dirty="0"/>
               <a:t>(</a:t>
             </a:r>
-            <a:endParaRPr sz="2400" b="1">
+            <a:endParaRPr sz="2400" b="1" dirty="0">
               <a:solidFill>
                 <a:srgbClr val="E69138"/>
               </a:solidFill>
@@ -49837,7 +50751,7 @@
               <a:buNone/>
             </a:pPr>
             <a:r>
-              <a:rPr lang="en-US" sz="2400" b="1">
+              <a:rPr lang="en-US" sz="2400" b="1" dirty="0">
                 <a:solidFill>
                   <a:srgbClr val="E69138"/>
                 </a:solidFill>
@@ -49845,10 +50759,10 @@
               <a:t>SELECT</a:t>
             </a:r>
             <a:r>
-              <a:rPr lang="en-US" sz="2400"/>
+              <a:rPr lang="en-US" sz="2400" dirty="0"/>
               <a:t> date, </a:t>
             </a:r>
-            <a:endParaRPr sz="2400"/>
+            <a:endParaRPr sz="2400" dirty="0"/>
           </a:p>
           <a:p>
             <a:pPr marL="177800" lvl="0" indent="279400" rtl="0">
@@ -49866,10 +50780,14 @@
               <a:buNone/>
             </a:pPr>
             <a:r>
-              <a:rPr lang="en-US" sz="2400"/>
-              <a:t>(high - low) as intraday_range</a:t>
-            </a:r>
-            <a:endParaRPr sz="2400"/>
+              <a:rPr lang="en-US" sz="2400" dirty="0"/>
+              <a:t>(high - low) as </a:t>
+            </a:r>
+            <a:r>
+              <a:rPr lang="en-US" sz="2400" dirty="0" err="1"/>
+              <a:t>intraday_range</a:t>
+            </a:r>
+            <a:endParaRPr sz="2400" dirty="0"/>
           </a:p>
           <a:p>
             <a:pPr marL="177800" lvl="0" indent="279400" rtl="0">
@@ -49887,7 +50805,7 @@
               <a:buNone/>
             </a:pPr>
             <a:r>
-              <a:rPr lang="en-US" sz="2400" b="1">
+              <a:rPr lang="en-US" sz="2400" b="1" dirty="0">
                 <a:solidFill>
                   <a:srgbClr val="3C78D8"/>
                 </a:solidFill>
@@ -49895,10 +50813,14 @@
               <a:t>FROM</a:t>
             </a:r>
             <a:r>
-              <a:rPr lang="en-US" sz="2400"/>
-              <a:t> tutorial.aapl_historical_stock_price</a:t>
-            </a:r>
-            <a:endParaRPr sz="2400"/>
+              <a:rPr lang="en-US" sz="2400" dirty="0"/>
+              <a:t> </a:t>
+            </a:r>
+            <a:r>
+              <a:rPr lang="en-US" sz="2400" dirty="0" err="1"/>
+              <a:t>tutorial.aapl_historical_stock_price</a:t>
+            </a:r>
+            <a:endParaRPr sz="2400" dirty="0"/>
           </a:p>
           <a:p>
             <a:pPr marL="177800" lvl="0" indent="0" rtl="0">
@@ -49916,10 +50838,10 @@
               <a:buNone/>
             </a:pPr>
             <a:r>
-              <a:rPr lang="en-US" sz="2400"/>
+              <a:rPr lang="en-US" sz="2400" dirty="0"/>
               <a:t>) a</a:t>
             </a:r>
-            <a:endParaRPr sz="2400"/>
+            <a:endParaRPr sz="2400" dirty="0"/>
           </a:p>
           <a:p>
             <a:pPr marL="177800" lvl="0" indent="0" rtl="0">
@@ -49937,7 +50859,7 @@
               <a:buNone/>
             </a:pPr>
             <a:r>
-              <a:rPr lang="en-US" sz="2400" b="1">
+              <a:rPr lang="en-US" sz="2400" b="1" dirty="0">
                 <a:solidFill>
                   <a:srgbClr val="674EA7"/>
                 </a:solidFill>
@@ -49945,7 +50867,7 @@
               <a:t>WHERE</a:t>
             </a:r>
             <a:r>
-              <a:rPr lang="en-US" sz="2400">
+              <a:rPr lang="en-US" sz="2400" dirty="0">
                 <a:solidFill>
                   <a:srgbClr val="674EA7"/>
                 </a:solidFill>
@@ -49953,10 +50875,14 @@
               <a:t> </a:t>
             </a:r>
             <a:r>
-              <a:rPr lang="en-US" sz="2400"/>
-              <a:t>a.intraday_range &gt; 20</a:t>
-            </a:r>
-            <a:endParaRPr sz="2400">
+              <a:rPr lang="en-US" sz="2400" dirty="0" err="1"/>
+              <a:t>a.intraday_range</a:t>
+            </a:r>
+            <a:r>
+              <a:rPr lang="en-US" sz="2400" dirty="0"/>
+              <a:t> &gt; 20;</a:t>
+            </a:r>
+            <a:endParaRPr sz="2400" dirty="0">
               <a:solidFill>
                 <a:srgbClr val="674EA7"/>
               </a:solidFill>
@@ -49977,7 +50903,7 @@
               <a:buFont typeface="Arial"/>
               <a:buNone/>
             </a:pPr>
-            <a:endParaRPr sz="2400"/>
+            <a:endParaRPr sz="2400" dirty="0"/>
           </a:p>
           <a:p>
             <a:pPr marL="177800" lvl="0" indent="0" rtl="0">
@@ -49989,7 +50915,7 @@
               </a:spcAft>
               <a:buNone/>
             </a:pPr>
-            <a:endParaRPr sz="2400"/>
+            <a:endParaRPr sz="2400" dirty="0"/>
           </a:p>
           <a:p>
             <a:pPr marL="177800" lvl="0" indent="0" rtl="0">
@@ -50006,7 +50932,7 @@
               <a:buFont typeface="Arial"/>
               <a:buNone/>
             </a:pPr>
-            <a:endParaRPr sz="2400"/>
+            <a:endParaRPr sz="2400" dirty="0"/>
           </a:p>
         </p:txBody>
       </p:sp>
@@ -50474,7 +51400,7 @@
               <a:buChar char="•"/>
             </a:pPr>
             <a:r>
-              <a:rPr lang="en-US" sz="2800" b="0" i="0" u="none" strike="noStrike" cap="none">
+              <a:rPr lang="en-US" sz="2800" b="0" i="0" u="none" strike="noStrike" cap="none" dirty="0">
                 <a:solidFill>
                   <a:schemeClr val="dk1"/>
                 </a:solidFill>
@@ -50485,7 +51411,7 @@
               </a:rPr>
               <a:t>SQL is a way to pull the information you need out of a relational database</a:t>
             </a:r>
-            <a:endParaRPr/>
+            <a:endParaRPr dirty="0"/>
           </a:p>
           <a:p>
             <a:pPr marL="342900" marR="0" lvl="0" indent="-342900" algn="l" rtl="0">
@@ -50503,7 +51429,7 @@
               <a:buChar char="•"/>
             </a:pPr>
             <a:r>
-              <a:rPr lang="en-US" sz="2800" b="0" i="0" u="none" strike="noStrike" cap="none">
+              <a:rPr lang="en-US" sz="2800" b="0" i="0" u="none" strike="noStrike" cap="none" dirty="0">
                 <a:solidFill>
                   <a:schemeClr val="dk1"/>
                 </a:solidFill>
@@ -50512,9 +51438,9 @@
                 <a:cs typeface="Arial"/>
                 <a:sym typeface="Arial"/>
               </a:rPr>
-              <a:t>You’ll probably use it to fetch summary information from a central data warehouse and then do additional analysis in Excel/SAS/etc.</a:t>
-            </a:r>
-            <a:endParaRPr/>
+              <a:t>You'll probably use it to fetch summary information from a central data warehouse and then do additional analysis in Excel/SAS/etc.</a:t>
+            </a:r>
+            <a:endParaRPr dirty="0"/>
           </a:p>
           <a:p>
             <a:pPr marL="342900" marR="0" lvl="0" indent="-165100" algn="l" rtl="0">
@@ -50531,7 +51457,7 @@
               <a:buFont typeface="Arial"/>
               <a:buNone/>
             </a:pPr>
-            <a:endParaRPr sz="2800" b="0" i="0" u="none" strike="noStrike" cap="none">
+            <a:endParaRPr sz="2800" b="0" i="0" u="none" strike="noStrike" cap="none" dirty="0">
               <a:solidFill>
                 <a:schemeClr val="dk1"/>
               </a:solidFill>
@@ -50557,7 +51483,7 @@
               <a:buChar char="•"/>
             </a:pPr>
             <a:r>
-              <a:rPr lang="en-US" sz="2800" b="0" i="0" u="none" strike="noStrike" cap="none">
+              <a:rPr lang="en-US" sz="2800" b="0" i="0" u="none" strike="noStrike" cap="none" dirty="0">
                 <a:solidFill>
                   <a:schemeClr val="dk1"/>
                 </a:solidFill>
@@ -50568,7 +51494,7 @@
               </a:rPr>
               <a:t>SQL is also used (by the people who set up the data warehouse) to create tables, insert data, and delete unneeded information.</a:t>
             </a:r>
-            <a:endParaRPr sz="2800" b="0" i="0" u="none" strike="noStrike" cap="none">
+            <a:endParaRPr sz="2800" b="0" i="0" u="none" strike="noStrike" cap="none" dirty="0">
               <a:solidFill>
                 <a:schemeClr val="dk1"/>
               </a:solidFill>
@@ -50711,7 +51637,7 @@
               <a:buChar char="•"/>
             </a:pPr>
             <a:r>
-              <a:rPr lang="en-US" sz="2800" b="0" i="0" u="none" strike="noStrike" cap="none">
+              <a:rPr lang="en-US" sz="2800" b="0" i="0" u="none" strike="noStrike" cap="none" dirty="0">
                 <a:solidFill>
                   <a:schemeClr val="dk1"/>
                 </a:solidFill>
@@ -50723,10 +51649,10 @@
               <a:t>Jennifer Berk</a:t>
             </a:r>
             <a:r>
-              <a:rPr lang="en-US"/>
-              <a:t>, Booth Tech Club</a:t>
-            </a:r>
-            <a:endParaRPr/>
+              <a:rPr lang="en-US" dirty="0"/>
+              <a:t>, former Booth Tech Club</a:t>
+            </a:r>
+            <a:endParaRPr dirty="0"/>
           </a:p>
           <a:p>
             <a:pPr marL="342900" marR="0" lvl="0" indent="-342900" algn="l" rtl="0">
@@ -50744,10 +51670,30 @@
               <a:buChar char="•"/>
             </a:pPr>
             <a:r>
-              <a:rPr lang="en-US"/>
+              <a:rPr lang="en-US" dirty="0"/>
               <a:t>Patrick Miller, former BAC co-chair</a:t>
             </a:r>
-            <a:endParaRPr/>
+          </a:p>
+          <a:p>
+            <a:pPr marL="342900" marR="0" lvl="0" indent="-342900" algn="l" rtl="0">
+              <a:spcBef>
+                <a:spcPts val="0"/>
+              </a:spcBef>
+              <a:spcAft>
+                <a:spcPts val="0"/>
+              </a:spcAft>
+              <a:buClr>
+                <a:schemeClr val="dk1"/>
+              </a:buClr>
+              <a:buSzPts val="2800"/>
+              <a:buFont typeface="Arial"/>
+              <a:buChar char="•"/>
+            </a:pPr>
+            <a:r>
+              <a:rPr lang="en-US" dirty="0"/>
+              <a:t>Cory Connelly, former BAC co-chair</a:t>
+            </a:r>
+            <a:endParaRPr dirty="0"/>
           </a:p>
         </p:txBody>
       </p:sp>
@@ -51168,10 +52114,10 @@
               <a:buNone/>
             </a:pPr>
             <a:r>
-              <a:rPr lang="en-US"/>
+              <a:rPr lang="en-US" dirty="0"/>
               <a:t>Mode automatically limits results to 100. You can uncheck the box to get the full table.</a:t>
             </a:r>
-            <a:endParaRPr/>
+            <a:endParaRPr dirty="0"/>
           </a:p>
           <a:p>
             <a:pPr marL="177800" lvl="0" indent="0" rtl="0">
@@ -51183,7 +52129,7 @@
               </a:spcAft>
               <a:buNone/>
             </a:pPr>
-            <a:endParaRPr/>
+            <a:endParaRPr dirty="0"/>
           </a:p>
           <a:p>
             <a:pPr marL="177800" lvl="0" indent="0" rtl="0">
@@ -51196,10 +52142,10 @@
               <a:buNone/>
             </a:pPr>
             <a:r>
-              <a:rPr lang="en-US"/>
+              <a:rPr lang="en-US" dirty="0"/>
               <a:t>You can also customize your own limit in your query</a:t>
             </a:r>
-            <a:endParaRPr/>
+            <a:endParaRPr dirty="0"/>
           </a:p>
           <a:p>
             <a:pPr marL="177800" lvl="0" indent="0" rtl="0">
@@ -51211,7 +52157,7 @@
               </a:spcAft>
               <a:buNone/>
             </a:pPr>
-            <a:endParaRPr/>
+            <a:endParaRPr dirty="0"/>
           </a:p>
           <a:p>
             <a:pPr marL="177800" lvl="0" indent="0" rtl="0">
@@ -51224,7 +52170,7 @@
               <a:buNone/>
             </a:pPr>
             <a:r>
-              <a:rPr lang="en-US" b="1">
+              <a:rPr lang="en-US" b="1" dirty="0">
                 <a:solidFill>
                   <a:srgbClr val="E69138"/>
                 </a:solidFill>
@@ -51232,10 +52178,10 @@
               <a:t>SELECT</a:t>
             </a:r>
             <a:r>
-              <a:rPr lang="en-US"/>
+              <a:rPr lang="en-US" dirty="0"/>
               <a:t> *</a:t>
             </a:r>
-            <a:endParaRPr/>
+            <a:endParaRPr dirty="0"/>
           </a:p>
           <a:p>
             <a:pPr marL="177800" lvl="0" indent="0" rtl="0">
@@ -51248,7 +52194,7 @@
               <a:buNone/>
             </a:pPr>
             <a:r>
-              <a:rPr lang="en-US" b="1">
+              <a:rPr lang="en-US" b="1" dirty="0">
                 <a:solidFill>
                   <a:srgbClr val="3C78D8"/>
                 </a:solidFill>
@@ -51256,10 +52202,14 @@
               <a:t>FROM</a:t>
             </a:r>
             <a:r>
-              <a:rPr lang="en-US"/>
-              <a:t> tutorial.oscar_nominees</a:t>
-            </a:r>
-            <a:endParaRPr/>
+              <a:rPr lang="en-US" dirty="0"/>
+              <a:t> </a:t>
+            </a:r>
+            <a:r>
+              <a:rPr lang="en-US" dirty="0" err="1"/>
+              <a:t>tutorial.oscar_nominees</a:t>
+            </a:r>
+            <a:endParaRPr dirty="0"/>
           </a:p>
           <a:p>
             <a:pPr marL="177800" lvl="0" indent="0">
@@ -51272,18 +52222,18 @@
               <a:buNone/>
             </a:pPr>
             <a:r>
-              <a:rPr lang="en-US" b="1">
-                <a:solidFill>
-                  <a:srgbClr val="3C78D8"/>
+              <a:rPr lang="en-US" b="1" dirty="0">
+                <a:solidFill>
+                  <a:srgbClr val="7030A0"/>
                 </a:solidFill>
               </a:rPr>
               <a:t>LIMIT</a:t>
             </a:r>
             <a:r>
-              <a:rPr lang="en-US"/>
-              <a:t> 20</a:t>
-            </a:r>
-            <a:endParaRPr/>
+              <a:rPr lang="en-US" dirty="0"/>
+              <a:t> 20;</a:t>
+            </a:r>
+            <a:endParaRPr dirty="0"/>
           </a:p>
         </p:txBody>
       </p:sp>
@@ -52007,7 +52957,7 @@
             </a:pPr>
             <a:r>
               <a:rPr lang="en-US" dirty="0"/>
-              <a:t>If you have any trouble, just create an account. It’s free and doesn’t ask for anything but email address</a:t>
+              <a:t>If you have any trouble, just create an account. It's free and doesn't ask for anything but email address</a:t>
             </a:r>
             <a:endParaRPr sz="2800" b="0" i="0" u="none" strike="noStrike" cap="none" dirty="0">
               <a:solidFill>
